--- a/Clases/00 - Introducción al curso/00. Introducción al curso.pptx
+++ b/Clases/00 - Introducción al curso/00. Introducción al curso.pptx
@@ -5,10 +5,10 @@
     <p:sldMasterId id="2147484134" r:id="rId1"/>
   </p:sldMasterIdLst>
   <p:notesMasterIdLst>
-    <p:notesMasterId r:id="rId43"/>
+    <p:notesMasterId r:id="rId44"/>
   </p:notesMasterIdLst>
   <p:handoutMasterIdLst>
-    <p:handoutMasterId r:id="rId44"/>
+    <p:handoutMasterId r:id="rId45"/>
   </p:handoutMasterIdLst>
   <p:sldIdLst>
     <p:sldId id="278" r:id="rId2"/>
@@ -44,14 +44,15 @@
     <p:sldId id="294" r:id="rId32"/>
     <p:sldId id="295" r:id="rId33"/>
     <p:sldId id="312" r:id="rId34"/>
-    <p:sldId id="296" r:id="rId35"/>
-    <p:sldId id="297" r:id="rId36"/>
-    <p:sldId id="298" r:id="rId37"/>
-    <p:sldId id="300" r:id="rId38"/>
-    <p:sldId id="299" r:id="rId39"/>
-    <p:sldId id="301" r:id="rId40"/>
-    <p:sldId id="280" r:id="rId41"/>
-    <p:sldId id="305" r:id="rId42"/>
+    <p:sldId id="313" r:id="rId35"/>
+    <p:sldId id="296" r:id="rId36"/>
+    <p:sldId id="297" r:id="rId37"/>
+    <p:sldId id="298" r:id="rId38"/>
+    <p:sldId id="300" r:id="rId39"/>
+    <p:sldId id="299" r:id="rId40"/>
+    <p:sldId id="301" r:id="rId41"/>
+    <p:sldId id="280" r:id="rId42"/>
+    <p:sldId id="305" r:id="rId43"/>
   </p:sldIdLst>
   <p:sldSz cx="9144000" cy="6858000" type="screen4x3"/>
   <p:notesSz cx="9144000" cy="6858000"/>
@@ -262,7 +263,7 @@
           </a:lstStyle>
           <a:p>
             <a:fld id="{56767F8D-DD9E-3943-AA21-46BF571A036C}" type="datetimeFigureOut">
-              <a:t>8/10/20</a:t>
+              <a:t>8/16/20</a:t>
             </a:fld>
             <a:endParaRPr lang="en-US"/>
           </a:p>
@@ -438,7 +439,7 @@
           <a:p>
             <a:fld id="{ADC99DF9-24B9-42E0-AB51-70649D04D989}" type="datetimeFigureOut">
               <a:rPr lang="es-CL" smtClean="0"/>
-              <a:t>10-08-20</a:t>
+              <a:t>16-08-20</a:t>
             </a:fld>
             <a:endParaRPr lang="es-CL"/>
           </a:p>
@@ -1469,7 +1470,7 @@
           <a:p>
             <a:fld id="{A1A14498-B057-4736-9541-68C19ECA2110}" type="slidenum">
               <a:rPr lang="es-CL" smtClean="0"/>
-              <a:t>34</a:t>
+              <a:t>35</a:t>
             </a:fld>
             <a:endParaRPr lang="es-CL"/>
           </a:p>
@@ -1556,7 +1557,7 @@
           <a:p>
             <a:fld id="{A1A14498-B057-4736-9541-68C19ECA2110}" type="slidenum">
               <a:rPr lang="es-CL" smtClean="0"/>
-              <a:t>40</a:t>
+              <a:t>41</a:t>
             </a:fld>
             <a:endParaRPr lang="es-CL"/>
           </a:p>
@@ -4785,7 +4786,21 @@
                 <a:latin typeface="Calibri" panose="020F0502020204030204" pitchFamily="34" charset="0"/>
                 <a:cs typeface="Calibri" panose="020F0502020204030204" pitchFamily="34" charset="0"/>
               </a:rPr>
-              <a:t> = 1.1 en el curso</a:t>
+              <a:t> = </a:t>
+            </a:r>
+            <a:r>
+              <a:rPr lang="pl-PL" sz="3600" b="1" dirty="0">
+                <a:latin typeface="Calibri" panose="020F0502020204030204" pitchFamily="34" charset="0"/>
+                <a:cs typeface="Calibri" panose="020F0502020204030204" pitchFamily="34" charset="0"/>
+              </a:rPr>
+              <a:t>1.1</a:t>
+            </a:r>
+            <a:r>
+              <a:rPr lang="pl-PL" sz="3600" dirty="0">
+                <a:latin typeface="Calibri" panose="020F0502020204030204" pitchFamily="34" charset="0"/>
+                <a:cs typeface="Calibri" panose="020F0502020204030204" pitchFamily="34" charset="0"/>
+              </a:rPr>
+              <a:t> en el curso</a:t>
             </a:r>
             <a:endParaRPr lang="en-US" sz="3600" dirty="0">
               <a:latin typeface="Calibri" panose="020F0502020204030204" pitchFamily="34" charset="0"/>
@@ -10094,7 +10109,7 @@
           <a:p>
             <a:r>
               <a:rPr lang="es-CL" dirty="0"/>
-              <a:t>Memoria RAM: Experimento</a:t>
+              <a:t>Memoria RAM: experimento</a:t>
             </a:r>
           </a:p>
         </p:txBody>
@@ -10268,7 +10283,7 @@
         <p:spPr/>
         <p:txBody>
           <a:bodyPr anchor="ctr">
-            <a:normAutofit/>
+            <a:normAutofit lnSpcReduction="10000"/>
           </a:bodyPr>
           <a:lstStyle/>
           <a:p>
@@ -10279,7 +10294,26 @@
             </a:pPr>
             <a:r>
               <a:rPr lang="es-CL" sz="2400" dirty="0"/>
-              <a:t>La memoria principal (RAM) de un computador puede ser imaginada como una gran tabla, arreglo o matriz de bits:</a:t>
+              <a:t>Bit: unidad indivisible de información computacional que sólo pue-de valer 0 o 1 </a:t>
+            </a:r>
+            <a:r>
+              <a:rPr lang="es-CL" sz="2400" b="1" dirty="0"/>
+              <a:t>/</a:t>
+            </a:r>
+            <a:r>
+              <a:rPr lang="es-CL" sz="2400" dirty="0"/>
+              <a:t> celda física indivisible de almacenamiento</a:t>
+            </a:r>
+          </a:p>
+          <a:p>
+            <a:pPr>
+              <a:lnSpc>
+                <a:spcPct val="125000"/>
+              </a:lnSpc>
+            </a:pPr>
+            <a:r>
+              <a:rPr lang="es-CL" sz="2400" dirty="0"/>
+              <a:t>La memoria principal (RAM) de un computador puede ser imagi-nada como una gran tabla, arreglo o matriz de bits:</a:t>
             </a:r>
           </a:p>
           <a:p>
@@ -10338,7 +10372,7 @@
             </a:pPr>
             <a:r>
               <a:rPr lang="es-CL" sz="2000" dirty="0"/>
-              <a:t>un número narural que parte en 0 (la dirección de la primera fila) y aumenta de 4 en 4</a:t>
+              <a:t>un número natural que parte en 0 (la dirección de la primera fila) y aumenta de 4 en 4</a:t>
             </a:r>
           </a:p>
         </p:txBody>
@@ -10357,6 +10391,7583 @@
 </file>
 
 <file path=ppt/slides/slide34.xml><?xml version="1.0" encoding="utf-8"?>
+<p:sld xmlns:a="http://schemas.openxmlformats.org/drawingml/2006/main" xmlns:r="http://schemas.openxmlformats.org/officeDocument/2006/relationships" xmlns:p="http://schemas.openxmlformats.org/presentationml/2006/main">
+  <p:cSld>
+    <p:spTree>
+      <p:nvGrpSpPr>
+        <p:cNvPr id="1" name=""/>
+        <p:cNvGrpSpPr/>
+        <p:nvPr/>
+      </p:nvGrpSpPr>
+      <p:grpSpPr>
+        <a:xfrm>
+          <a:off x="0" y="0"/>
+          <a:ext cx="0" cy="0"/>
+          <a:chOff x="0" y="0"/>
+          <a:chExt cx="0" cy="0"/>
+        </a:xfrm>
+      </p:grpSpPr>
+      <p:sp>
+        <p:nvSpPr>
+          <p:cNvPr id="5" name="Rectangle 4">
+            <a:extLst>
+              <a:ext uri="{FF2B5EF4-FFF2-40B4-BE49-F238E27FC236}">
+                <a16:creationId xmlns:a16="http://schemas.microsoft.com/office/drawing/2014/main" id="{35DDE81E-1339-2644-835A-59A0D54E1477}"/>
+              </a:ext>
+            </a:extLst>
+          </p:cNvPr>
+          <p:cNvSpPr/>
+          <p:nvPr/>
+        </p:nvSpPr>
+        <p:spPr>
+          <a:xfrm>
+            <a:off x="5615910" y="3792592"/>
+            <a:ext cx="235670" cy="301658"/>
+          </a:xfrm>
+          <a:prstGeom prst="rect">
+            <a:avLst/>
+          </a:prstGeom>
+        </p:spPr>
+        <p:style>
+          <a:lnRef idx="2">
+            <a:schemeClr val="accent1">
+              <a:shade val="50000"/>
+            </a:schemeClr>
+          </a:lnRef>
+          <a:fillRef idx="1">
+            <a:schemeClr val="accent1"/>
+          </a:fillRef>
+          <a:effectRef idx="0">
+            <a:schemeClr val="accent1"/>
+          </a:effectRef>
+          <a:fontRef idx="minor">
+            <a:schemeClr val="lt1"/>
+          </a:fontRef>
+        </p:style>
+        <p:txBody>
+          <a:bodyPr rtlCol="0" anchor="ctr"/>
+          <a:lstStyle/>
+          <a:p>
+            <a:pPr algn="ctr"/>
+            <a:r>
+              <a:rPr lang="en-US"/>
+              <a:t>1</a:t>
+            </a:r>
+          </a:p>
+        </p:txBody>
+      </p:sp>
+      <p:sp>
+        <p:nvSpPr>
+          <p:cNvPr id="6" name="Rectangle 5">
+            <a:extLst>
+              <a:ext uri="{FF2B5EF4-FFF2-40B4-BE49-F238E27FC236}">
+                <a16:creationId xmlns:a16="http://schemas.microsoft.com/office/drawing/2014/main" id="{0763634B-DBEA-F245-8B3C-C34FDF78C5AD}"/>
+              </a:ext>
+            </a:extLst>
+          </p:cNvPr>
+          <p:cNvSpPr/>
+          <p:nvPr/>
+        </p:nvSpPr>
+        <p:spPr>
+          <a:xfrm>
+            <a:off x="5498075" y="4340110"/>
+            <a:ext cx="235670" cy="301658"/>
+          </a:xfrm>
+          <a:prstGeom prst="rect">
+            <a:avLst/>
+          </a:prstGeom>
+        </p:spPr>
+        <p:style>
+          <a:lnRef idx="2">
+            <a:schemeClr val="accent1">
+              <a:shade val="50000"/>
+            </a:schemeClr>
+          </a:lnRef>
+          <a:fillRef idx="1">
+            <a:schemeClr val="accent1"/>
+          </a:fillRef>
+          <a:effectRef idx="0">
+            <a:schemeClr val="accent1"/>
+          </a:effectRef>
+          <a:fontRef idx="minor">
+            <a:schemeClr val="lt1"/>
+          </a:fontRef>
+        </p:style>
+        <p:txBody>
+          <a:bodyPr rtlCol="0" anchor="ctr"/>
+          <a:lstStyle/>
+          <a:p>
+            <a:pPr algn="ctr"/>
+            <a:r>
+              <a:rPr lang="en-US"/>
+              <a:t>0</a:t>
+            </a:r>
+          </a:p>
+        </p:txBody>
+      </p:sp>
+      <p:sp>
+        <p:nvSpPr>
+          <p:cNvPr id="7" name="Rectangle 6">
+            <a:extLst>
+              <a:ext uri="{FF2B5EF4-FFF2-40B4-BE49-F238E27FC236}">
+                <a16:creationId xmlns:a16="http://schemas.microsoft.com/office/drawing/2014/main" id="{9FF61C59-BE31-4A43-88D1-1A8FBE15FDA2}"/>
+              </a:ext>
+            </a:extLst>
+          </p:cNvPr>
+          <p:cNvSpPr/>
+          <p:nvPr/>
+        </p:nvSpPr>
+        <p:spPr>
+          <a:xfrm>
+            <a:off x="1390456" y="1538139"/>
+            <a:ext cx="235670" cy="301658"/>
+          </a:xfrm>
+          <a:prstGeom prst="rect">
+            <a:avLst/>
+          </a:prstGeom>
+          <a:solidFill>
+            <a:schemeClr val="accent1">
+              <a:lumMod val="40000"/>
+              <a:lumOff val="60000"/>
+            </a:schemeClr>
+          </a:solidFill>
+        </p:spPr>
+        <p:style>
+          <a:lnRef idx="2">
+            <a:schemeClr val="accent1">
+              <a:shade val="50000"/>
+            </a:schemeClr>
+          </a:lnRef>
+          <a:fillRef idx="1">
+            <a:schemeClr val="accent1"/>
+          </a:fillRef>
+          <a:effectRef idx="0">
+            <a:schemeClr val="accent1"/>
+          </a:effectRef>
+          <a:fontRef idx="minor">
+            <a:schemeClr val="lt1"/>
+          </a:fontRef>
+        </p:style>
+        <p:txBody>
+          <a:bodyPr rtlCol="0" anchor="ctr"/>
+          <a:lstStyle/>
+          <a:p>
+            <a:pPr algn="ctr"/>
+            <a:endParaRPr lang="en-US"/>
+          </a:p>
+        </p:txBody>
+      </p:sp>
+      <p:sp>
+        <p:nvSpPr>
+          <p:cNvPr id="8" name="Rectangle 7">
+            <a:extLst>
+              <a:ext uri="{FF2B5EF4-FFF2-40B4-BE49-F238E27FC236}">
+                <a16:creationId xmlns:a16="http://schemas.microsoft.com/office/drawing/2014/main" id="{93F7FE17-205B-9747-BF3B-69FDCB8202C0}"/>
+              </a:ext>
+            </a:extLst>
+          </p:cNvPr>
+          <p:cNvSpPr/>
+          <p:nvPr/>
+        </p:nvSpPr>
+        <p:spPr>
+          <a:xfrm>
+            <a:off x="1626126" y="1538139"/>
+            <a:ext cx="235670" cy="301658"/>
+          </a:xfrm>
+          <a:prstGeom prst="rect">
+            <a:avLst/>
+          </a:prstGeom>
+          <a:solidFill>
+            <a:schemeClr val="accent1">
+              <a:lumMod val="40000"/>
+              <a:lumOff val="60000"/>
+            </a:schemeClr>
+          </a:solidFill>
+        </p:spPr>
+        <p:style>
+          <a:lnRef idx="2">
+            <a:schemeClr val="accent1">
+              <a:shade val="50000"/>
+            </a:schemeClr>
+          </a:lnRef>
+          <a:fillRef idx="1">
+            <a:schemeClr val="accent1"/>
+          </a:fillRef>
+          <a:effectRef idx="0">
+            <a:schemeClr val="accent1"/>
+          </a:effectRef>
+          <a:fontRef idx="minor">
+            <a:schemeClr val="lt1"/>
+          </a:fontRef>
+        </p:style>
+        <p:txBody>
+          <a:bodyPr rtlCol="0" anchor="ctr"/>
+          <a:lstStyle/>
+          <a:p>
+            <a:pPr algn="ctr"/>
+            <a:endParaRPr lang="en-US"/>
+          </a:p>
+        </p:txBody>
+      </p:sp>
+      <p:sp>
+        <p:nvSpPr>
+          <p:cNvPr id="9" name="Rectangle 8">
+            <a:extLst>
+              <a:ext uri="{FF2B5EF4-FFF2-40B4-BE49-F238E27FC236}">
+                <a16:creationId xmlns:a16="http://schemas.microsoft.com/office/drawing/2014/main" id="{E0F536ED-9A86-284A-B594-141792C24920}"/>
+              </a:ext>
+            </a:extLst>
+          </p:cNvPr>
+          <p:cNvSpPr/>
+          <p:nvPr/>
+        </p:nvSpPr>
+        <p:spPr>
+          <a:xfrm>
+            <a:off x="1861796" y="1538139"/>
+            <a:ext cx="235670" cy="301658"/>
+          </a:xfrm>
+          <a:prstGeom prst="rect">
+            <a:avLst/>
+          </a:prstGeom>
+          <a:solidFill>
+            <a:schemeClr val="accent1">
+              <a:lumMod val="40000"/>
+              <a:lumOff val="60000"/>
+            </a:schemeClr>
+          </a:solidFill>
+        </p:spPr>
+        <p:style>
+          <a:lnRef idx="2">
+            <a:schemeClr val="accent1">
+              <a:shade val="50000"/>
+            </a:schemeClr>
+          </a:lnRef>
+          <a:fillRef idx="1">
+            <a:schemeClr val="accent1"/>
+          </a:fillRef>
+          <a:effectRef idx="0">
+            <a:schemeClr val="accent1"/>
+          </a:effectRef>
+          <a:fontRef idx="minor">
+            <a:schemeClr val="lt1"/>
+          </a:fontRef>
+        </p:style>
+        <p:txBody>
+          <a:bodyPr rtlCol="0" anchor="ctr"/>
+          <a:lstStyle/>
+          <a:p>
+            <a:pPr algn="ctr"/>
+            <a:endParaRPr lang="en-US"/>
+          </a:p>
+        </p:txBody>
+      </p:sp>
+      <p:sp>
+        <p:nvSpPr>
+          <p:cNvPr id="10" name="Rectangle 9">
+            <a:extLst>
+              <a:ext uri="{FF2B5EF4-FFF2-40B4-BE49-F238E27FC236}">
+                <a16:creationId xmlns:a16="http://schemas.microsoft.com/office/drawing/2014/main" id="{E8087757-36BB-E14F-8B40-CC3D5F26A253}"/>
+              </a:ext>
+            </a:extLst>
+          </p:cNvPr>
+          <p:cNvSpPr/>
+          <p:nvPr/>
+        </p:nvSpPr>
+        <p:spPr>
+          <a:xfrm>
+            <a:off x="2097466" y="1538139"/>
+            <a:ext cx="235670" cy="301658"/>
+          </a:xfrm>
+          <a:prstGeom prst="rect">
+            <a:avLst/>
+          </a:prstGeom>
+          <a:solidFill>
+            <a:schemeClr val="accent1">
+              <a:lumMod val="40000"/>
+              <a:lumOff val="60000"/>
+            </a:schemeClr>
+          </a:solidFill>
+        </p:spPr>
+        <p:style>
+          <a:lnRef idx="2">
+            <a:schemeClr val="accent1">
+              <a:shade val="50000"/>
+            </a:schemeClr>
+          </a:lnRef>
+          <a:fillRef idx="1">
+            <a:schemeClr val="accent1"/>
+          </a:fillRef>
+          <a:effectRef idx="0">
+            <a:schemeClr val="accent1"/>
+          </a:effectRef>
+          <a:fontRef idx="minor">
+            <a:schemeClr val="lt1"/>
+          </a:fontRef>
+        </p:style>
+        <p:txBody>
+          <a:bodyPr rtlCol="0" anchor="ctr"/>
+          <a:lstStyle/>
+          <a:p>
+            <a:pPr algn="ctr"/>
+            <a:endParaRPr lang="en-US"/>
+          </a:p>
+        </p:txBody>
+      </p:sp>
+      <p:sp>
+        <p:nvSpPr>
+          <p:cNvPr id="15" name="Rectangle 14">
+            <a:extLst>
+              <a:ext uri="{FF2B5EF4-FFF2-40B4-BE49-F238E27FC236}">
+                <a16:creationId xmlns:a16="http://schemas.microsoft.com/office/drawing/2014/main" id="{7EB5F6EA-CFD4-694D-9486-F12F300E62E4}"/>
+              </a:ext>
+            </a:extLst>
+          </p:cNvPr>
+          <p:cNvSpPr/>
+          <p:nvPr/>
+        </p:nvSpPr>
+        <p:spPr>
+          <a:xfrm>
+            <a:off x="2333136" y="1538139"/>
+            <a:ext cx="235670" cy="301658"/>
+          </a:xfrm>
+          <a:prstGeom prst="rect">
+            <a:avLst/>
+          </a:prstGeom>
+          <a:solidFill>
+            <a:schemeClr val="accent1">
+              <a:lumMod val="40000"/>
+              <a:lumOff val="60000"/>
+            </a:schemeClr>
+          </a:solidFill>
+        </p:spPr>
+        <p:style>
+          <a:lnRef idx="2">
+            <a:schemeClr val="accent1">
+              <a:shade val="50000"/>
+            </a:schemeClr>
+          </a:lnRef>
+          <a:fillRef idx="1">
+            <a:schemeClr val="accent1"/>
+          </a:fillRef>
+          <a:effectRef idx="0">
+            <a:schemeClr val="accent1"/>
+          </a:effectRef>
+          <a:fontRef idx="minor">
+            <a:schemeClr val="lt1"/>
+          </a:fontRef>
+        </p:style>
+        <p:txBody>
+          <a:bodyPr rtlCol="0" anchor="ctr"/>
+          <a:lstStyle/>
+          <a:p>
+            <a:pPr algn="ctr"/>
+            <a:endParaRPr lang="en-US"/>
+          </a:p>
+        </p:txBody>
+      </p:sp>
+      <p:sp>
+        <p:nvSpPr>
+          <p:cNvPr id="16" name="Rectangle 15">
+            <a:extLst>
+              <a:ext uri="{FF2B5EF4-FFF2-40B4-BE49-F238E27FC236}">
+                <a16:creationId xmlns:a16="http://schemas.microsoft.com/office/drawing/2014/main" id="{44FE13D2-DC37-DF44-8F77-264C329C44E6}"/>
+              </a:ext>
+            </a:extLst>
+          </p:cNvPr>
+          <p:cNvSpPr/>
+          <p:nvPr/>
+        </p:nvSpPr>
+        <p:spPr>
+          <a:xfrm>
+            <a:off x="2568806" y="1538139"/>
+            <a:ext cx="235670" cy="301658"/>
+          </a:xfrm>
+          <a:prstGeom prst="rect">
+            <a:avLst/>
+          </a:prstGeom>
+          <a:solidFill>
+            <a:schemeClr val="accent1">
+              <a:lumMod val="40000"/>
+              <a:lumOff val="60000"/>
+            </a:schemeClr>
+          </a:solidFill>
+        </p:spPr>
+        <p:style>
+          <a:lnRef idx="2">
+            <a:schemeClr val="accent1">
+              <a:shade val="50000"/>
+            </a:schemeClr>
+          </a:lnRef>
+          <a:fillRef idx="1">
+            <a:schemeClr val="accent1"/>
+          </a:fillRef>
+          <a:effectRef idx="0">
+            <a:schemeClr val="accent1"/>
+          </a:effectRef>
+          <a:fontRef idx="minor">
+            <a:schemeClr val="lt1"/>
+          </a:fontRef>
+        </p:style>
+        <p:txBody>
+          <a:bodyPr rtlCol="0" anchor="ctr"/>
+          <a:lstStyle/>
+          <a:p>
+            <a:pPr algn="ctr"/>
+            <a:endParaRPr lang="en-US"/>
+          </a:p>
+        </p:txBody>
+      </p:sp>
+      <p:sp>
+        <p:nvSpPr>
+          <p:cNvPr id="17" name="Rectangle 16">
+            <a:extLst>
+              <a:ext uri="{FF2B5EF4-FFF2-40B4-BE49-F238E27FC236}">
+                <a16:creationId xmlns:a16="http://schemas.microsoft.com/office/drawing/2014/main" id="{58CACB98-33D4-A44E-BD4F-91DD9B81C90E}"/>
+              </a:ext>
+            </a:extLst>
+          </p:cNvPr>
+          <p:cNvSpPr/>
+          <p:nvPr/>
+        </p:nvSpPr>
+        <p:spPr>
+          <a:xfrm>
+            <a:off x="2804476" y="1538139"/>
+            <a:ext cx="235670" cy="301658"/>
+          </a:xfrm>
+          <a:prstGeom prst="rect">
+            <a:avLst/>
+          </a:prstGeom>
+          <a:solidFill>
+            <a:schemeClr val="accent1">
+              <a:lumMod val="40000"/>
+              <a:lumOff val="60000"/>
+            </a:schemeClr>
+          </a:solidFill>
+        </p:spPr>
+        <p:style>
+          <a:lnRef idx="2">
+            <a:schemeClr val="accent1">
+              <a:shade val="50000"/>
+            </a:schemeClr>
+          </a:lnRef>
+          <a:fillRef idx="1">
+            <a:schemeClr val="accent1"/>
+          </a:fillRef>
+          <a:effectRef idx="0">
+            <a:schemeClr val="accent1"/>
+          </a:effectRef>
+          <a:fontRef idx="minor">
+            <a:schemeClr val="lt1"/>
+          </a:fontRef>
+        </p:style>
+        <p:txBody>
+          <a:bodyPr rtlCol="0" anchor="ctr"/>
+          <a:lstStyle/>
+          <a:p>
+            <a:pPr algn="ctr"/>
+            <a:endParaRPr lang="en-US"/>
+          </a:p>
+        </p:txBody>
+      </p:sp>
+      <p:sp>
+        <p:nvSpPr>
+          <p:cNvPr id="18" name="Rectangle 17">
+            <a:extLst>
+              <a:ext uri="{FF2B5EF4-FFF2-40B4-BE49-F238E27FC236}">
+                <a16:creationId xmlns:a16="http://schemas.microsoft.com/office/drawing/2014/main" id="{C5547741-996D-1F45-94E5-9DF98CC6A057}"/>
+              </a:ext>
+            </a:extLst>
+          </p:cNvPr>
+          <p:cNvSpPr/>
+          <p:nvPr/>
+        </p:nvSpPr>
+        <p:spPr>
+          <a:xfrm>
+            <a:off x="3040146" y="1538139"/>
+            <a:ext cx="235670" cy="301658"/>
+          </a:xfrm>
+          <a:prstGeom prst="rect">
+            <a:avLst/>
+          </a:prstGeom>
+          <a:solidFill>
+            <a:schemeClr val="accent1">
+              <a:lumMod val="40000"/>
+              <a:lumOff val="60000"/>
+            </a:schemeClr>
+          </a:solidFill>
+        </p:spPr>
+        <p:style>
+          <a:lnRef idx="2">
+            <a:schemeClr val="accent1">
+              <a:shade val="50000"/>
+            </a:schemeClr>
+          </a:lnRef>
+          <a:fillRef idx="1">
+            <a:schemeClr val="accent1"/>
+          </a:fillRef>
+          <a:effectRef idx="0">
+            <a:schemeClr val="accent1"/>
+          </a:effectRef>
+          <a:fontRef idx="minor">
+            <a:schemeClr val="lt1"/>
+          </a:fontRef>
+        </p:style>
+        <p:txBody>
+          <a:bodyPr rtlCol="0" anchor="ctr"/>
+          <a:lstStyle/>
+          <a:p>
+            <a:pPr algn="ctr"/>
+            <a:endParaRPr lang="en-US"/>
+          </a:p>
+        </p:txBody>
+      </p:sp>
+      <p:sp>
+        <p:nvSpPr>
+          <p:cNvPr id="19" name="Rectangle 18">
+            <a:extLst>
+              <a:ext uri="{FF2B5EF4-FFF2-40B4-BE49-F238E27FC236}">
+                <a16:creationId xmlns:a16="http://schemas.microsoft.com/office/drawing/2014/main" id="{E794D337-33C3-F148-BC4D-6FC3F73F78A7}"/>
+              </a:ext>
+            </a:extLst>
+          </p:cNvPr>
+          <p:cNvSpPr/>
+          <p:nvPr/>
+        </p:nvSpPr>
+        <p:spPr>
+          <a:xfrm>
+            <a:off x="3984398" y="1538139"/>
+            <a:ext cx="235670" cy="301658"/>
+          </a:xfrm>
+          <a:prstGeom prst="rect">
+            <a:avLst/>
+          </a:prstGeom>
+          <a:solidFill>
+            <a:schemeClr val="accent1">
+              <a:lumMod val="40000"/>
+              <a:lumOff val="60000"/>
+            </a:schemeClr>
+          </a:solidFill>
+        </p:spPr>
+        <p:style>
+          <a:lnRef idx="2">
+            <a:schemeClr val="accent1">
+              <a:shade val="50000"/>
+            </a:schemeClr>
+          </a:lnRef>
+          <a:fillRef idx="1">
+            <a:schemeClr val="accent1"/>
+          </a:fillRef>
+          <a:effectRef idx="0">
+            <a:schemeClr val="accent1"/>
+          </a:effectRef>
+          <a:fontRef idx="minor">
+            <a:schemeClr val="lt1"/>
+          </a:fontRef>
+        </p:style>
+        <p:txBody>
+          <a:bodyPr rtlCol="0" anchor="ctr"/>
+          <a:lstStyle/>
+          <a:p>
+            <a:pPr algn="ctr"/>
+            <a:endParaRPr lang="en-US"/>
+          </a:p>
+        </p:txBody>
+      </p:sp>
+      <p:sp>
+        <p:nvSpPr>
+          <p:cNvPr id="20" name="Rectangle 19">
+            <a:extLst>
+              <a:ext uri="{FF2B5EF4-FFF2-40B4-BE49-F238E27FC236}">
+                <a16:creationId xmlns:a16="http://schemas.microsoft.com/office/drawing/2014/main" id="{6A893DE5-DD2A-E545-9A35-0CA6654D1C4E}"/>
+              </a:ext>
+            </a:extLst>
+          </p:cNvPr>
+          <p:cNvSpPr/>
+          <p:nvPr/>
+        </p:nvSpPr>
+        <p:spPr>
+          <a:xfrm>
+            <a:off x="4220068" y="1538139"/>
+            <a:ext cx="235670" cy="301658"/>
+          </a:xfrm>
+          <a:prstGeom prst="rect">
+            <a:avLst/>
+          </a:prstGeom>
+          <a:solidFill>
+            <a:schemeClr val="accent1">
+              <a:lumMod val="40000"/>
+              <a:lumOff val="60000"/>
+            </a:schemeClr>
+          </a:solidFill>
+        </p:spPr>
+        <p:style>
+          <a:lnRef idx="2">
+            <a:schemeClr val="accent1">
+              <a:shade val="50000"/>
+            </a:schemeClr>
+          </a:lnRef>
+          <a:fillRef idx="1">
+            <a:schemeClr val="accent1"/>
+          </a:fillRef>
+          <a:effectRef idx="0">
+            <a:schemeClr val="accent1"/>
+          </a:effectRef>
+          <a:fontRef idx="minor">
+            <a:schemeClr val="lt1"/>
+          </a:fontRef>
+        </p:style>
+        <p:txBody>
+          <a:bodyPr rtlCol="0" anchor="ctr"/>
+          <a:lstStyle/>
+          <a:p>
+            <a:pPr algn="ctr"/>
+            <a:endParaRPr lang="en-US"/>
+          </a:p>
+        </p:txBody>
+      </p:sp>
+      <p:sp>
+        <p:nvSpPr>
+          <p:cNvPr id="21" name="Rectangle 20">
+            <a:extLst>
+              <a:ext uri="{FF2B5EF4-FFF2-40B4-BE49-F238E27FC236}">
+                <a16:creationId xmlns:a16="http://schemas.microsoft.com/office/drawing/2014/main" id="{8E6A8FAF-F254-3F41-A5C9-2378B53A6506}"/>
+              </a:ext>
+            </a:extLst>
+          </p:cNvPr>
+          <p:cNvSpPr/>
+          <p:nvPr/>
+        </p:nvSpPr>
+        <p:spPr>
+          <a:xfrm>
+            <a:off x="4455738" y="1538139"/>
+            <a:ext cx="235670" cy="301658"/>
+          </a:xfrm>
+          <a:prstGeom prst="rect">
+            <a:avLst/>
+          </a:prstGeom>
+          <a:solidFill>
+            <a:schemeClr val="accent1">
+              <a:lumMod val="40000"/>
+              <a:lumOff val="60000"/>
+            </a:schemeClr>
+          </a:solidFill>
+        </p:spPr>
+        <p:style>
+          <a:lnRef idx="2">
+            <a:schemeClr val="accent1">
+              <a:shade val="50000"/>
+            </a:schemeClr>
+          </a:lnRef>
+          <a:fillRef idx="1">
+            <a:schemeClr val="accent1"/>
+          </a:fillRef>
+          <a:effectRef idx="0">
+            <a:schemeClr val="accent1"/>
+          </a:effectRef>
+          <a:fontRef idx="minor">
+            <a:schemeClr val="lt1"/>
+          </a:fontRef>
+        </p:style>
+        <p:txBody>
+          <a:bodyPr rtlCol="0" anchor="ctr"/>
+          <a:lstStyle/>
+          <a:p>
+            <a:pPr algn="ctr"/>
+            <a:endParaRPr lang="en-US"/>
+          </a:p>
+        </p:txBody>
+      </p:sp>
+      <p:sp>
+        <p:nvSpPr>
+          <p:cNvPr id="22" name="Rectangle 21">
+            <a:extLst>
+              <a:ext uri="{FF2B5EF4-FFF2-40B4-BE49-F238E27FC236}">
+                <a16:creationId xmlns:a16="http://schemas.microsoft.com/office/drawing/2014/main" id="{56D34C1D-B70B-A745-A015-7E88AE1D2224}"/>
+              </a:ext>
+            </a:extLst>
+          </p:cNvPr>
+          <p:cNvSpPr/>
+          <p:nvPr/>
+        </p:nvSpPr>
+        <p:spPr>
+          <a:xfrm>
+            <a:off x="4691408" y="1538139"/>
+            <a:ext cx="235670" cy="301658"/>
+          </a:xfrm>
+          <a:prstGeom prst="rect">
+            <a:avLst/>
+          </a:prstGeom>
+          <a:solidFill>
+            <a:schemeClr val="accent1">
+              <a:lumMod val="40000"/>
+              <a:lumOff val="60000"/>
+            </a:schemeClr>
+          </a:solidFill>
+        </p:spPr>
+        <p:style>
+          <a:lnRef idx="2">
+            <a:schemeClr val="accent1">
+              <a:shade val="50000"/>
+            </a:schemeClr>
+          </a:lnRef>
+          <a:fillRef idx="1">
+            <a:schemeClr val="accent1"/>
+          </a:fillRef>
+          <a:effectRef idx="0">
+            <a:schemeClr val="accent1"/>
+          </a:effectRef>
+          <a:fontRef idx="minor">
+            <a:schemeClr val="lt1"/>
+          </a:fontRef>
+        </p:style>
+        <p:txBody>
+          <a:bodyPr rtlCol="0" anchor="ctr"/>
+          <a:lstStyle/>
+          <a:p>
+            <a:pPr algn="ctr"/>
+            <a:endParaRPr lang="en-US"/>
+          </a:p>
+        </p:txBody>
+      </p:sp>
+      <p:sp>
+        <p:nvSpPr>
+          <p:cNvPr id="27" name="TextBox 26">
+            <a:extLst>
+              <a:ext uri="{FF2B5EF4-FFF2-40B4-BE49-F238E27FC236}">
+                <a16:creationId xmlns:a16="http://schemas.microsoft.com/office/drawing/2014/main" id="{3F6264D3-6512-4C48-B051-41CCA06DD297}"/>
+              </a:ext>
+            </a:extLst>
+          </p:cNvPr>
+          <p:cNvSpPr txBox="1"/>
+          <p:nvPr/>
+        </p:nvSpPr>
+        <p:spPr>
+          <a:xfrm>
+            <a:off x="3501630" y="1481463"/>
+            <a:ext cx="360996" cy="400110"/>
+          </a:xfrm>
+          <a:prstGeom prst="rect">
+            <a:avLst/>
+          </a:prstGeom>
+          <a:noFill/>
+        </p:spPr>
+        <p:txBody>
+          <a:bodyPr wrap="none" rtlCol="0">
+            <a:spAutoFit/>
+          </a:bodyPr>
+          <a:lstStyle/>
+          <a:p>
+            <a:r>
+              <a:rPr lang="en-US" sz="2000"/>
+              <a:t>…</a:t>
+            </a:r>
+          </a:p>
+        </p:txBody>
+      </p:sp>
+      <p:sp>
+        <p:nvSpPr>
+          <p:cNvPr id="28" name="Rectangle 27">
+            <a:extLst>
+              <a:ext uri="{FF2B5EF4-FFF2-40B4-BE49-F238E27FC236}">
+                <a16:creationId xmlns:a16="http://schemas.microsoft.com/office/drawing/2014/main" id="{FBFDB9AD-19CE-B647-987E-6679849D7E46}"/>
+              </a:ext>
+            </a:extLst>
+          </p:cNvPr>
+          <p:cNvSpPr/>
+          <p:nvPr/>
+        </p:nvSpPr>
+        <p:spPr>
+          <a:xfrm>
+            <a:off x="1390456" y="1839797"/>
+            <a:ext cx="235670" cy="301658"/>
+          </a:xfrm>
+          <a:prstGeom prst="rect">
+            <a:avLst/>
+          </a:prstGeom>
+          <a:solidFill>
+            <a:schemeClr val="accent1">
+              <a:lumMod val="40000"/>
+              <a:lumOff val="60000"/>
+            </a:schemeClr>
+          </a:solidFill>
+        </p:spPr>
+        <p:style>
+          <a:lnRef idx="2">
+            <a:schemeClr val="accent1">
+              <a:shade val="50000"/>
+            </a:schemeClr>
+          </a:lnRef>
+          <a:fillRef idx="1">
+            <a:schemeClr val="accent1"/>
+          </a:fillRef>
+          <a:effectRef idx="0">
+            <a:schemeClr val="accent1"/>
+          </a:effectRef>
+          <a:fontRef idx="minor">
+            <a:schemeClr val="lt1"/>
+          </a:fontRef>
+        </p:style>
+        <p:txBody>
+          <a:bodyPr rtlCol="0" anchor="ctr"/>
+          <a:lstStyle/>
+          <a:p>
+            <a:pPr algn="ctr"/>
+            <a:endParaRPr lang="en-US"/>
+          </a:p>
+        </p:txBody>
+      </p:sp>
+      <p:sp>
+        <p:nvSpPr>
+          <p:cNvPr id="29" name="Rectangle 28">
+            <a:extLst>
+              <a:ext uri="{FF2B5EF4-FFF2-40B4-BE49-F238E27FC236}">
+                <a16:creationId xmlns:a16="http://schemas.microsoft.com/office/drawing/2014/main" id="{98044E2E-F27A-DA48-9D46-83FB8D1C8820}"/>
+              </a:ext>
+            </a:extLst>
+          </p:cNvPr>
+          <p:cNvSpPr/>
+          <p:nvPr/>
+        </p:nvSpPr>
+        <p:spPr>
+          <a:xfrm>
+            <a:off x="1626126" y="1839797"/>
+            <a:ext cx="235670" cy="301658"/>
+          </a:xfrm>
+          <a:prstGeom prst="rect">
+            <a:avLst/>
+          </a:prstGeom>
+          <a:solidFill>
+            <a:schemeClr val="accent1">
+              <a:lumMod val="40000"/>
+              <a:lumOff val="60000"/>
+            </a:schemeClr>
+          </a:solidFill>
+        </p:spPr>
+        <p:style>
+          <a:lnRef idx="2">
+            <a:schemeClr val="accent1">
+              <a:shade val="50000"/>
+            </a:schemeClr>
+          </a:lnRef>
+          <a:fillRef idx="1">
+            <a:schemeClr val="accent1"/>
+          </a:fillRef>
+          <a:effectRef idx="0">
+            <a:schemeClr val="accent1"/>
+          </a:effectRef>
+          <a:fontRef idx="minor">
+            <a:schemeClr val="lt1"/>
+          </a:fontRef>
+        </p:style>
+        <p:txBody>
+          <a:bodyPr rtlCol="0" anchor="ctr"/>
+          <a:lstStyle/>
+          <a:p>
+            <a:pPr algn="ctr"/>
+            <a:endParaRPr lang="en-US"/>
+          </a:p>
+        </p:txBody>
+      </p:sp>
+      <p:sp>
+        <p:nvSpPr>
+          <p:cNvPr id="30" name="Rectangle 29">
+            <a:extLst>
+              <a:ext uri="{FF2B5EF4-FFF2-40B4-BE49-F238E27FC236}">
+                <a16:creationId xmlns:a16="http://schemas.microsoft.com/office/drawing/2014/main" id="{7675DBDA-3864-974C-92C4-4EB899DB858B}"/>
+              </a:ext>
+            </a:extLst>
+          </p:cNvPr>
+          <p:cNvSpPr/>
+          <p:nvPr/>
+        </p:nvSpPr>
+        <p:spPr>
+          <a:xfrm>
+            <a:off x="1861796" y="1839797"/>
+            <a:ext cx="235670" cy="301658"/>
+          </a:xfrm>
+          <a:prstGeom prst="rect">
+            <a:avLst/>
+          </a:prstGeom>
+          <a:solidFill>
+            <a:schemeClr val="accent1">
+              <a:lumMod val="40000"/>
+              <a:lumOff val="60000"/>
+            </a:schemeClr>
+          </a:solidFill>
+        </p:spPr>
+        <p:style>
+          <a:lnRef idx="2">
+            <a:schemeClr val="accent1">
+              <a:shade val="50000"/>
+            </a:schemeClr>
+          </a:lnRef>
+          <a:fillRef idx="1">
+            <a:schemeClr val="accent1"/>
+          </a:fillRef>
+          <a:effectRef idx="0">
+            <a:schemeClr val="accent1"/>
+          </a:effectRef>
+          <a:fontRef idx="minor">
+            <a:schemeClr val="lt1"/>
+          </a:fontRef>
+        </p:style>
+        <p:txBody>
+          <a:bodyPr rtlCol="0" anchor="ctr"/>
+          <a:lstStyle/>
+          <a:p>
+            <a:pPr algn="ctr"/>
+            <a:endParaRPr lang="en-US"/>
+          </a:p>
+        </p:txBody>
+      </p:sp>
+      <p:sp>
+        <p:nvSpPr>
+          <p:cNvPr id="31" name="Rectangle 30">
+            <a:extLst>
+              <a:ext uri="{FF2B5EF4-FFF2-40B4-BE49-F238E27FC236}">
+                <a16:creationId xmlns:a16="http://schemas.microsoft.com/office/drawing/2014/main" id="{B6561404-633E-7240-BE2B-3B2B49DC3671}"/>
+              </a:ext>
+            </a:extLst>
+          </p:cNvPr>
+          <p:cNvSpPr/>
+          <p:nvPr/>
+        </p:nvSpPr>
+        <p:spPr>
+          <a:xfrm>
+            <a:off x="2097466" y="1839797"/>
+            <a:ext cx="235670" cy="301658"/>
+          </a:xfrm>
+          <a:prstGeom prst="rect">
+            <a:avLst/>
+          </a:prstGeom>
+          <a:solidFill>
+            <a:schemeClr val="accent1">
+              <a:lumMod val="40000"/>
+              <a:lumOff val="60000"/>
+            </a:schemeClr>
+          </a:solidFill>
+        </p:spPr>
+        <p:style>
+          <a:lnRef idx="2">
+            <a:schemeClr val="accent1">
+              <a:shade val="50000"/>
+            </a:schemeClr>
+          </a:lnRef>
+          <a:fillRef idx="1">
+            <a:schemeClr val="accent1"/>
+          </a:fillRef>
+          <a:effectRef idx="0">
+            <a:schemeClr val="accent1"/>
+          </a:effectRef>
+          <a:fontRef idx="minor">
+            <a:schemeClr val="lt1"/>
+          </a:fontRef>
+        </p:style>
+        <p:txBody>
+          <a:bodyPr rtlCol="0" anchor="ctr"/>
+          <a:lstStyle/>
+          <a:p>
+            <a:pPr algn="ctr"/>
+            <a:endParaRPr lang="en-US"/>
+          </a:p>
+        </p:txBody>
+      </p:sp>
+      <p:sp>
+        <p:nvSpPr>
+          <p:cNvPr id="32" name="Rectangle 31">
+            <a:extLst>
+              <a:ext uri="{FF2B5EF4-FFF2-40B4-BE49-F238E27FC236}">
+                <a16:creationId xmlns:a16="http://schemas.microsoft.com/office/drawing/2014/main" id="{A935C81C-D71A-A140-91B7-023367835363}"/>
+              </a:ext>
+            </a:extLst>
+          </p:cNvPr>
+          <p:cNvSpPr/>
+          <p:nvPr/>
+        </p:nvSpPr>
+        <p:spPr>
+          <a:xfrm>
+            <a:off x="2333136" y="1839797"/>
+            <a:ext cx="235670" cy="301658"/>
+          </a:xfrm>
+          <a:prstGeom prst="rect">
+            <a:avLst/>
+          </a:prstGeom>
+          <a:solidFill>
+            <a:schemeClr val="accent1">
+              <a:lumMod val="40000"/>
+              <a:lumOff val="60000"/>
+            </a:schemeClr>
+          </a:solidFill>
+        </p:spPr>
+        <p:style>
+          <a:lnRef idx="2">
+            <a:schemeClr val="accent1">
+              <a:shade val="50000"/>
+            </a:schemeClr>
+          </a:lnRef>
+          <a:fillRef idx="1">
+            <a:schemeClr val="accent1"/>
+          </a:fillRef>
+          <a:effectRef idx="0">
+            <a:schemeClr val="accent1"/>
+          </a:effectRef>
+          <a:fontRef idx="minor">
+            <a:schemeClr val="lt1"/>
+          </a:fontRef>
+        </p:style>
+        <p:txBody>
+          <a:bodyPr rtlCol="0" anchor="ctr"/>
+          <a:lstStyle/>
+          <a:p>
+            <a:pPr algn="ctr"/>
+            <a:endParaRPr lang="en-US"/>
+          </a:p>
+        </p:txBody>
+      </p:sp>
+      <p:sp>
+        <p:nvSpPr>
+          <p:cNvPr id="33" name="Rectangle 32">
+            <a:extLst>
+              <a:ext uri="{FF2B5EF4-FFF2-40B4-BE49-F238E27FC236}">
+                <a16:creationId xmlns:a16="http://schemas.microsoft.com/office/drawing/2014/main" id="{1A5CB4C3-0B61-1C4C-B845-942E55DD4E95}"/>
+              </a:ext>
+            </a:extLst>
+          </p:cNvPr>
+          <p:cNvSpPr/>
+          <p:nvPr/>
+        </p:nvSpPr>
+        <p:spPr>
+          <a:xfrm>
+            <a:off x="2568806" y="1839797"/>
+            <a:ext cx="235670" cy="301658"/>
+          </a:xfrm>
+          <a:prstGeom prst="rect">
+            <a:avLst/>
+          </a:prstGeom>
+          <a:solidFill>
+            <a:schemeClr val="accent1">
+              <a:lumMod val="40000"/>
+              <a:lumOff val="60000"/>
+            </a:schemeClr>
+          </a:solidFill>
+        </p:spPr>
+        <p:style>
+          <a:lnRef idx="2">
+            <a:schemeClr val="accent1">
+              <a:shade val="50000"/>
+            </a:schemeClr>
+          </a:lnRef>
+          <a:fillRef idx="1">
+            <a:schemeClr val="accent1"/>
+          </a:fillRef>
+          <a:effectRef idx="0">
+            <a:schemeClr val="accent1"/>
+          </a:effectRef>
+          <a:fontRef idx="minor">
+            <a:schemeClr val="lt1"/>
+          </a:fontRef>
+        </p:style>
+        <p:txBody>
+          <a:bodyPr rtlCol="0" anchor="ctr"/>
+          <a:lstStyle/>
+          <a:p>
+            <a:pPr algn="ctr"/>
+            <a:endParaRPr lang="en-US"/>
+          </a:p>
+        </p:txBody>
+      </p:sp>
+      <p:sp>
+        <p:nvSpPr>
+          <p:cNvPr id="34" name="Rectangle 33">
+            <a:extLst>
+              <a:ext uri="{FF2B5EF4-FFF2-40B4-BE49-F238E27FC236}">
+                <a16:creationId xmlns:a16="http://schemas.microsoft.com/office/drawing/2014/main" id="{A4F408EE-4112-C844-9CE4-D403B943A783}"/>
+              </a:ext>
+            </a:extLst>
+          </p:cNvPr>
+          <p:cNvSpPr/>
+          <p:nvPr/>
+        </p:nvSpPr>
+        <p:spPr>
+          <a:xfrm>
+            <a:off x="2804476" y="1839797"/>
+            <a:ext cx="235670" cy="301658"/>
+          </a:xfrm>
+          <a:prstGeom prst="rect">
+            <a:avLst/>
+          </a:prstGeom>
+          <a:solidFill>
+            <a:schemeClr val="accent1">
+              <a:lumMod val="40000"/>
+              <a:lumOff val="60000"/>
+            </a:schemeClr>
+          </a:solidFill>
+        </p:spPr>
+        <p:style>
+          <a:lnRef idx="2">
+            <a:schemeClr val="accent1">
+              <a:shade val="50000"/>
+            </a:schemeClr>
+          </a:lnRef>
+          <a:fillRef idx="1">
+            <a:schemeClr val="accent1"/>
+          </a:fillRef>
+          <a:effectRef idx="0">
+            <a:schemeClr val="accent1"/>
+          </a:effectRef>
+          <a:fontRef idx="minor">
+            <a:schemeClr val="lt1"/>
+          </a:fontRef>
+        </p:style>
+        <p:txBody>
+          <a:bodyPr rtlCol="0" anchor="ctr"/>
+          <a:lstStyle/>
+          <a:p>
+            <a:pPr algn="ctr"/>
+            <a:endParaRPr lang="en-US"/>
+          </a:p>
+        </p:txBody>
+      </p:sp>
+      <p:sp>
+        <p:nvSpPr>
+          <p:cNvPr id="35" name="Rectangle 34">
+            <a:extLst>
+              <a:ext uri="{FF2B5EF4-FFF2-40B4-BE49-F238E27FC236}">
+                <a16:creationId xmlns:a16="http://schemas.microsoft.com/office/drawing/2014/main" id="{D04978B5-6E3A-5B43-B781-D33BCB34B77D}"/>
+              </a:ext>
+            </a:extLst>
+          </p:cNvPr>
+          <p:cNvSpPr/>
+          <p:nvPr/>
+        </p:nvSpPr>
+        <p:spPr>
+          <a:xfrm>
+            <a:off x="3040146" y="1839797"/>
+            <a:ext cx="235670" cy="301658"/>
+          </a:xfrm>
+          <a:prstGeom prst="rect">
+            <a:avLst/>
+          </a:prstGeom>
+          <a:solidFill>
+            <a:schemeClr val="accent1">
+              <a:lumMod val="40000"/>
+              <a:lumOff val="60000"/>
+            </a:schemeClr>
+          </a:solidFill>
+        </p:spPr>
+        <p:style>
+          <a:lnRef idx="2">
+            <a:schemeClr val="accent1">
+              <a:shade val="50000"/>
+            </a:schemeClr>
+          </a:lnRef>
+          <a:fillRef idx="1">
+            <a:schemeClr val="accent1"/>
+          </a:fillRef>
+          <a:effectRef idx="0">
+            <a:schemeClr val="accent1"/>
+          </a:effectRef>
+          <a:fontRef idx="minor">
+            <a:schemeClr val="lt1"/>
+          </a:fontRef>
+        </p:style>
+        <p:txBody>
+          <a:bodyPr rtlCol="0" anchor="ctr"/>
+          <a:lstStyle/>
+          <a:p>
+            <a:pPr algn="ctr"/>
+            <a:endParaRPr lang="en-US"/>
+          </a:p>
+        </p:txBody>
+      </p:sp>
+      <p:sp>
+        <p:nvSpPr>
+          <p:cNvPr id="36" name="Rectangle 35">
+            <a:extLst>
+              <a:ext uri="{FF2B5EF4-FFF2-40B4-BE49-F238E27FC236}">
+                <a16:creationId xmlns:a16="http://schemas.microsoft.com/office/drawing/2014/main" id="{49A3CDDE-76D2-FD4E-98CE-85B11630F933}"/>
+              </a:ext>
+            </a:extLst>
+          </p:cNvPr>
+          <p:cNvSpPr/>
+          <p:nvPr/>
+        </p:nvSpPr>
+        <p:spPr>
+          <a:xfrm>
+            <a:off x="3984398" y="1839797"/>
+            <a:ext cx="235670" cy="301658"/>
+          </a:xfrm>
+          <a:prstGeom prst="rect">
+            <a:avLst/>
+          </a:prstGeom>
+          <a:solidFill>
+            <a:schemeClr val="accent1">
+              <a:lumMod val="40000"/>
+              <a:lumOff val="60000"/>
+            </a:schemeClr>
+          </a:solidFill>
+        </p:spPr>
+        <p:style>
+          <a:lnRef idx="2">
+            <a:schemeClr val="accent1">
+              <a:shade val="50000"/>
+            </a:schemeClr>
+          </a:lnRef>
+          <a:fillRef idx="1">
+            <a:schemeClr val="accent1"/>
+          </a:fillRef>
+          <a:effectRef idx="0">
+            <a:schemeClr val="accent1"/>
+          </a:effectRef>
+          <a:fontRef idx="minor">
+            <a:schemeClr val="lt1"/>
+          </a:fontRef>
+        </p:style>
+        <p:txBody>
+          <a:bodyPr rtlCol="0" anchor="ctr"/>
+          <a:lstStyle/>
+          <a:p>
+            <a:pPr algn="ctr"/>
+            <a:endParaRPr lang="en-US"/>
+          </a:p>
+        </p:txBody>
+      </p:sp>
+      <p:sp>
+        <p:nvSpPr>
+          <p:cNvPr id="37" name="Rectangle 36">
+            <a:extLst>
+              <a:ext uri="{FF2B5EF4-FFF2-40B4-BE49-F238E27FC236}">
+                <a16:creationId xmlns:a16="http://schemas.microsoft.com/office/drawing/2014/main" id="{089A9DD9-814C-3F46-94C1-F0C48572F5EC}"/>
+              </a:ext>
+            </a:extLst>
+          </p:cNvPr>
+          <p:cNvSpPr/>
+          <p:nvPr/>
+        </p:nvSpPr>
+        <p:spPr>
+          <a:xfrm>
+            <a:off x="4220068" y="1839797"/>
+            <a:ext cx="235670" cy="301658"/>
+          </a:xfrm>
+          <a:prstGeom prst="rect">
+            <a:avLst/>
+          </a:prstGeom>
+          <a:solidFill>
+            <a:schemeClr val="accent1">
+              <a:lumMod val="40000"/>
+              <a:lumOff val="60000"/>
+            </a:schemeClr>
+          </a:solidFill>
+        </p:spPr>
+        <p:style>
+          <a:lnRef idx="2">
+            <a:schemeClr val="accent1">
+              <a:shade val="50000"/>
+            </a:schemeClr>
+          </a:lnRef>
+          <a:fillRef idx="1">
+            <a:schemeClr val="accent1"/>
+          </a:fillRef>
+          <a:effectRef idx="0">
+            <a:schemeClr val="accent1"/>
+          </a:effectRef>
+          <a:fontRef idx="minor">
+            <a:schemeClr val="lt1"/>
+          </a:fontRef>
+        </p:style>
+        <p:txBody>
+          <a:bodyPr rtlCol="0" anchor="ctr"/>
+          <a:lstStyle/>
+          <a:p>
+            <a:pPr algn="ctr"/>
+            <a:endParaRPr lang="en-US"/>
+          </a:p>
+        </p:txBody>
+      </p:sp>
+      <p:sp>
+        <p:nvSpPr>
+          <p:cNvPr id="38" name="Rectangle 37">
+            <a:extLst>
+              <a:ext uri="{FF2B5EF4-FFF2-40B4-BE49-F238E27FC236}">
+                <a16:creationId xmlns:a16="http://schemas.microsoft.com/office/drawing/2014/main" id="{98161BD1-C76C-2A47-8165-07A98A62ABE0}"/>
+              </a:ext>
+            </a:extLst>
+          </p:cNvPr>
+          <p:cNvSpPr/>
+          <p:nvPr/>
+        </p:nvSpPr>
+        <p:spPr>
+          <a:xfrm>
+            <a:off x="4455738" y="1839797"/>
+            <a:ext cx="235670" cy="301658"/>
+          </a:xfrm>
+          <a:prstGeom prst="rect">
+            <a:avLst/>
+          </a:prstGeom>
+          <a:solidFill>
+            <a:schemeClr val="accent1">
+              <a:lumMod val="40000"/>
+              <a:lumOff val="60000"/>
+            </a:schemeClr>
+          </a:solidFill>
+        </p:spPr>
+        <p:style>
+          <a:lnRef idx="2">
+            <a:schemeClr val="accent1">
+              <a:shade val="50000"/>
+            </a:schemeClr>
+          </a:lnRef>
+          <a:fillRef idx="1">
+            <a:schemeClr val="accent1"/>
+          </a:fillRef>
+          <a:effectRef idx="0">
+            <a:schemeClr val="accent1"/>
+          </a:effectRef>
+          <a:fontRef idx="minor">
+            <a:schemeClr val="lt1"/>
+          </a:fontRef>
+        </p:style>
+        <p:txBody>
+          <a:bodyPr rtlCol="0" anchor="ctr"/>
+          <a:lstStyle/>
+          <a:p>
+            <a:pPr algn="ctr"/>
+            <a:endParaRPr lang="en-US"/>
+          </a:p>
+        </p:txBody>
+      </p:sp>
+      <p:sp>
+        <p:nvSpPr>
+          <p:cNvPr id="39" name="Rectangle 38">
+            <a:extLst>
+              <a:ext uri="{FF2B5EF4-FFF2-40B4-BE49-F238E27FC236}">
+                <a16:creationId xmlns:a16="http://schemas.microsoft.com/office/drawing/2014/main" id="{0461AA52-C43F-654F-A6BA-9284C0557531}"/>
+              </a:ext>
+            </a:extLst>
+          </p:cNvPr>
+          <p:cNvSpPr/>
+          <p:nvPr/>
+        </p:nvSpPr>
+        <p:spPr>
+          <a:xfrm>
+            <a:off x="4691408" y="1839797"/>
+            <a:ext cx="235670" cy="301658"/>
+          </a:xfrm>
+          <a:prstGeom prst="rect">
+            <a:avLst/>
+          </a:prstGeom>
+          <a:solidFill>
+            <a:schemeClr val="accent1">
+              <a:lumMod val="40000"/>
+              <a:lumOff val="60000"/>
+            </a:schemeClr>
+          </a:solidFill>
+        </p:spPr>
+        <p:style>
+          <a:lnRef idx="2">
+            <a:schemeClr val="accent1">
+              <a:shade val="50000"/>
+            </a:schemeClr>
+          </a:lnRef>
+          <a:fillRef idx="1">
+            <a:schemeClr val="accent1"/>
+          </a:fillRef>
+          <a:effectRef idx="0">
+            <a:schemeClr val="accent1"/>
+          </a:effectRef>
+          <a:fontRef idx="minor">
+            <a:schemeClr val="lt1"/>
+          </a:fontRef>
+        </p:style>
+        <p:txBody>
+          <a:bodyPr rtlCol="0" anchor="ctr"/>
+          <a:lstStyle/>
+          <a:p>
+            <a:pPr algn="ctr"/>
+            <a:endParaRPr lang="en-US"/>
+          </a:p>
+        </p:txBody>
+      </p:sp>
+      <p:sp>
+        <p:nvSpPr>
+          <p:cNvPr id="44" name="TextBox 43">
+            <a:extLst>
+              <a:ext uri="{FF2B5EF4-FFF2-40B4-BE49-F238E27FC236}">
+                <a16:creationId xmlns:a16="http://schemas.microsoft.com/office/drawing/2014/main" id="{4C5683D2-5D35-DF45-85A6-7E9AD7CC2DEB}"/>
+              </a:ext>
+            </a:extLst>
+          </p:cNvPr>
+          <p:cNvSpPr txBox="1"/>
+          <p:nvPr/>
+        </p:nvSpPr>
+        <p:spPr>
+          <a:xfrm>
+            <a:off x="3501630" y="1783121"/>
+            <a:ext cx="360996" cy="400110"/>
+          </a:xfrm>
+          <a:prstGeom prst="rect">
+            <a:avLst/>
+          </a:prstGeom>
+          <a:noFill/>
+        </p:spPr>
+        <p:txBody>
+          <a:bodyPr wrap="none" rtlCol="0">
+            <a:spAutoFit/>
+          </a:bodyPr>
+          <a:lstStyle/>
+          <a:p>
+            <a:r>
+              <a:rPr lang="en-US" sz="2000"/>
+              <a:t>…</a:t>
+            </a:r>
+          </a:p>
+        </p:txBody>
+      </p:sp>
+      <p:sp>
+        <p:nvSpPr>
+          <p:cNvPr id="79" name="Rectangle 78">
+            <a:extLst>
+              <a:ext uri="{FF2B5EF4-FFF2-40B4-BE49-F238E27FC236}">
+                <a16:creationId xmlns:a16="http://schemas.microsoft.com/office/drawing/2014/main" id="{0B02F200-B03F-424F-87C9-5083C0F6451C}"/>
+              </a:ext>
+            </a:extLst>
+          </p:cNvPr>
+          <p:cNvSpPr/>
+          <p:nvPr/>
+        </p:nvSpPr>
+        <p:spPr>
+          <a:xfrm>
+            <a:off x="1390456" y="2793465"/>
+            <a:ext cx="235670" cy="301658"/>
+          </a:xfrm>
+          <a:prstGeom prst="rect">
+            <a:avLst/>
+          </a:prstGeom>
+          <a:solidFill>
+            <a:schemeClr val="accent1">
+              <a:lumMod val="40000"/>
+              <a:lumOff val="60000"/>
+            </a:schemeClr>
+          </a:solidFill>
+        </p:spPr>
+        <p:style>
+          <a:lnRef idx="2">
+            <a:schemeClr val="accent1">
+              <a:shade val="50000"/>
+            </a:schemeClr>
+          </a:lnRef>
+          <a:fillRef idx="1">
+            <a:schemeClr val="accent1"/>
+          </a:fillRef>
+          <a:effectRef idx="0">
+            <a:schemeClr val="accent1"/>
+          </a:effectRef>
+          <a:fontRef idx="minor">
+            <a:schemeClr val="lt1"/>
+          </a:fontRef>
+        </p:style>
+        <p:txBody>
+          <a:bodyPr rtlCol="0" anchor="ctr"/>
+          <a:lstStyle/>
+          <a:p>
+            <a:pPr algn="ctr"/>
+            <a:endParaRPr lang="en-US"/>
+          </a:p>
+        </p:txBody>
+      </p:sp>
+      <p:sp>
+        <p:nvSpPr>
+          <p:cNvPr id="80" name="Rectangle 79">
+            <a:extLst>
+              <a:ext uri="{FF2B5EF4-FFF2-40B4-BE49-F238E27FC236}">
+                <a16:creationId xmlns:a16="http://schemas.microsoft.com/office/drawing/2014/main" id="{9C06572E-282B-E641-8D28-3CF3AD8C930E}"/>
+              </a:ext>
+            </a:extLst>
+          </p:cNvPr>
+          <p:cNvSpPr/>
+          <p:nvPr/>
+        </p:nvSpPr>
+        <p:spPr>
+          <a:xfrm>
+            <a:off x="1626126" y="2793465"/>
+            <a:ext cx="235670" cy="301658"/>
+          </a:xfrm>
+          <a:prstGeom prst="rect">
+            <a:avLst/>
+          </a:prstGeom>
+          <a:solidFill>
+            <a:schemeClr val="accent1">
+              <a:lumMod val="40000"/>
+              <a:lumOff val="60000"/>
+            </a:schemeClr>
+          </a:solidFill>
+        </p:spPr>
+        <p:style>
+          <a:lnRef idx="2">
+            <a:schemeClr val="accent1">
+              <a:shade val="50000"/>
+            </a:schemeClr>
+          </a:lnRef>
+          <a:fillRef idx="1">
+            <a:schemeClr val="accent1"/>
+          </a:fillRef>
+          <a:effectRef idx="0">
+            <a:schemeClr val="accent1"/>
+          </a:effectRef>
+          <a:fontRef idx="minor">
+            <a:schemeClr val="lt1"/>
+          </a:fontRef>
+        </p:style>
+        <p:txBody>
+          <a:bodyPr rtlCol="0" anchor="ctr"/>
+          <a:lstStyle/>
+          <a:p>
+            <a:pPr algn="ctr"/>
+            <a:endParaRPr lang="en-US"/>
+          </a:p>
+        </p:txBody>
+      </p:sp>
+      <p:sp>
+        <p:nvSpPr>
+          <p:cNvPr id="81" name="Rectangle 80">
+            <a:extLst>
+              <a:ext uri="{FF2B5EF4-FFF2-40B4-BE49-F238E27FC236}">
+                <a16:creationId xmlns:a16="http://schemas.microsoft.com/office/drawing/2014/main" id="{1A44C930-6B46-084C-80B8-141D243875D5}"/>
+              </a:ext>
+            </a:extLst>
+          </p:cNvPr>
+          <p:cNvSpPr/>
+          <p:nvPr/>
+        </p:nvSpPr>
+        <p:spPr>
+          <a:xfrm>
+            <a:off x="1861796" y="2793465"/>
+            <a:ext cx="235670" cy="301658"/>
+          </a:xfrm>
+          <a:prstGeom prst="rect">
+            <a:avLst/>
+          </a:prstGeom>
+          <a:solidFill>
+            <a:schemeClr val="accent1">
+              <a:lumMod val="40000"/>
+              <a:lumOff val="60000"/>
+            </a:schemeClr>
+          </a:solidFill>
+        </p:spPr>
+        <p:style>
+          <a:lnRef idx="2">
+            <a:schemeClr val="accent1">
+              <a:shade val="50000"/>
+            </a:schemeClr>
+          </a:lnRef>
+          <a:fillRef idx="1">
+            <a:schemeClr val="accent1"/>
+          </a:fillRef>
+          <a:effectRef idx="0">
+            <a:schemeClr val="accent1"/>
+          </a:effectRef>
+          <a:fontRef idx="minor">
+            <a:schemeClr val="lt1"/>
+          </a:fontRef>
+        </p:style>
+        <p:txBody>
+          <a:bodyPr rtlCol="0" anchor="ctr"/>
+          <a:lstStyle/>
+          <a:p>
+            <a:pPr algn="ctr"/>
+            <a:endParaRPr lang="en-US"/>
+          </a:p>
+        </p:txBody>
+      </p:sp>
+      <p:sp>
+        <p:nvSpPr>
+          <p:cNvPr id="82" name="Rectangle 81">
+            <a:extLst>
+              <a:ext uri="{FF2B5EF4-FFF2-40B4-BE49-F238E27FC236}">
+                <a16:creationId xmlns:a16="http://schemas.microsoft.com/office/drawing/2014/main" id="{E34F9881-E602-E044-A4F1-02D984DDC7A1}"/>
+              </a:ext>
+            </a:extLst>
+          </p:cNvPr>
+          <p:cNvSpPr/>
+          <p:nvPr/>
+        </p:nvSpPr>
+        <p:spPr>
+          <a:xfrm>
+            <a:off x="2097466" y="2793465"/>
+            <a:ext cx="235670" cy="301658"/>
+          </a:xfrm>
+          <a:prstGeom prst="rect">
+            <a:avLst/>
+          </a:prstGeom>
+          <a:solidFill>
+            <a:schemeClr val="accent1">
+              <a:lumMod val="40000"/>
+              <a:lumOff val="60000"/>
+            </a:schemeClr>
+          </a:solidFill>
+        </p:spPr>
+        <p:style>
+          <a:lnRef idx="2">
+            <a:schemeClr val="accent1">
+              <a:shade val="50000"/>
+            </a:schemeClr>
+          </a:lnRef>
+          <a:fillRef idx="1">
+            <a:schemeClr val="accent1"/>
+          </a:fillRef>
+          <a:effectRef idx="0">
+            <a:schemeClr val="accent1"/>
+          </a:effectRef>
+          <a:fontRef idx="minor">
+            <a:schemeClr val="lt1"/>
+          </a:fontRef>
+        </p:style>
+        <p:txBody>
+          <a:bodyPr rtlCol="0" anchor="ctr"/>
+          <a:lstStyle/>
+          <a:p>
+            <a:pPr algn="ctr"/>
+            <a:endParaRPr lang="en-US"/>
+          </a:p>
+        </p:txBody>
+      </p:sp>
+      <p:sp>
+        <p:nvSpPr>
+          <p:cNvPr id="83" name="Rectangle 82">
+            <a:extLst>
+              <a:ext uri="{FF2B5EF4-FFF2-40B4-BE49-F238E27FC236}">
+                <a16:creationId xmlns:a16="http://schemas.microsoft.com/office/drawing/2014/main" id="{FC68E06A-8B10-1F49-AC81-796EDC0836E2}"/>
+              </a:ext>
+            </a:extLst>
+          </p:cNvPr>
+          <p:cNvSpPr/>
+          <p:nvPr/>
+        </p:nvSpPr>
+        <p:spPr>
+          <a:xfrm>
+            <a:off x="2333136" y="2793465"/>
+            <a:ext cx="235670" cy="301658"/>
+          </a:xfrm>
+          <a:prstGeom prst="rect">
+            <a:avLst/>
+          </a:prstGeom>
+          <a:solidFill>
+            <a:schemeClr val="accent1">
+              <a:lumMod val="40000"/>
+              <a:lumOff val="60000"/>
+            </a:schemeClr>
+          </a:solidFill>
+        </p:spPr>
+        <p:style>
+          <a:lnRef idx="2">
+            <a:schemeClr val="accent1">
+              <a:shade val="50000"/>
+            </a:schemeClr>
+          </a:lnRef>
+          <a:fillRef idx="1">
+            <a:schemeClr val="accent1"/>
+          </a:fillRef>
+          <a:effectRef idx="0">
+            <a:schemeClr val="accent1"/>
+          </a:effectRef>
+          <a:fontRef idx="minor">
+            <a:schemeClr val="lt1"/>
+          </a:fontRef>
+        </p:style>
+        <p:txBody>
+          <a:bodyPr rtlCol="0" anchor="ctr"/>
+          <a:lstStyle/>
+          <a:p>
+            <a:pPr algn="ctr"/>
+            <a:endParaRPr lang="en-US"/>
+          </a:p>
+        </p:txBody>
+      </p:sp>
+      <p:sp>
+        <p:nvSpPr>
+          <p:cNvPr id="84" name="Rectangle 83">
+            <a:extLst>
+              <a:ext uri="{FF2B5EF4-FFF2-40B4-BE49-F238E27FC236}">
+                <a16:creationId xmlns:a16="http://schemas.microsoft.com/office/drawing/2014/main" id="{D23F61CC-F7B1-384A-A7B8-29E6D04958C5}"/>
+              </a:ext>
+            </a:extLst>
+          </p:cNvPr>
+          <p:cNvSpPr/>
+          <p:nvPr/>
+        </p:nvSpPr>
+        <p:spPr>
+          <a:xfrm>
+            <a:off x="2568806" y="2793465"/>
+            <a:ext cx="235670" cy="301658"/>
+          </a:xfrm>
+          <a:prstGeom prst="rect">
+            <a:avLst/>
+          </a:prstGeom>
+          <a:solidFill>
+            <a:schemeClr val="accent1">
+              <a:lumMod val="40000"/>
+              <a:lumOff val="60000"/>
+            </a:schemeClr>
+          </a:solidFill>
+        </p:spPr>
+        <p:style>
+          <a:lnRef idx="2">
+            <a:schemeClr val="accent1">
+              <a:shade val="50000"/>
+            </a:schemeClr>
+          </a:lnRef>
+          <a:fillRef idx="1">
+            <a:schemeClr val="accent1"/>
+          </a:fillRef>
+          <a:effectRef idx="0">
+            <a:schemeClr val="accent1"/>
+          </a:effectRef>
+          <a:fontRef idx="minor">
+            <a:schemeClr val="lt1"/>
+          </a:fontRef>
+        </p:style>
+        <p:txBody>
+          <a:bodyPr rtlCol="0" anchor="ctr"/>
+          <a:lstStyle/>
+          <a:p>
+            <a:pPr algn="ctr"/>
+            <a:endParaRPr lang="en-US"/>
+          </a:p>
+        </p:txBody>
+      </p:sp>
+      <p:sp>
+        <p:nvSpPr>
+          <p:cNvPr id="85" name="Rectangle 84">
+            <a:extLst>
+              <a:ext uri="{FF2B5EF4-FFF2-40B4-BE49-F238E27FC236}">
+                <a16:creationId xmlns:a16="http://schemas.microsoft.com/office/drawing/2014/main" id="{413F72EA-8794-584D-8D33-B71E47983312}"/>
+              </a:ext>
+            </a:extLst>
+          </p:cNvPr>
+          <p:cNvSpPr/>
+          <p:nvPr/>
+        </p:nvSpPr>
+        <p:spPr>
+          <a:xfrm>
+            <a:off x="2804476" y="2793465"/>
+            <a:ext cx="235670" cy="301658"/>
+          </a:xfrm>
+          <a:prstGeom prst="rect">
+            <a:avLst/>
+          </a:prstGeom>
+          <a:solidFill>
+            <a:schemeClr val="accent1">
+              <a:lumMod val="40000"/>
+              <a:lumOff val="60000"/>
+            </a:schemeClr>
+          </a:solidFill>
+        </p:spPr>
+        <p:style>
+          <a:lnRef idx="2">
+            <a:schemeClr val="accent1">
+              <a:shade val="50000"/>
+            </a:schemeClr>
+          </a:lnRef>
+          <a:fillRef idx="1">
+            <a:schemeClr val="accent1"/>
+          </a:fillRef>
+          <a:effectRef idx="0">
+            <a:schemeClr val="accent1"/>
+          </a:effectRef>
+          <a:fontRef idx="minor">
+            <a:schemeClr val="lt1"/>
+          </a:fontRef>
+        </p:style>
+        <p:txBody>
+          <a:bodyPr rtlCol="0" anchor="ctr"/>
+          <a:lstStyle/>
+          <a:p>
+            <a:pPr algn="ctr"/>
+            <a:endParaRPr lang="en-US"/>
+          </a:p>
+        </p:txBody>
+      </p:sp>
+      <p:sp>
+        <p:nvSpPr>
+          <p:cNvPr id="86" name="Rectangle 85">
+            <a:extLst>
+              <a:ext uri="{FF2B5EF4-FFF2-40B4-BE49-F238E27FC236}">
+                <a16:creationId xmlns:a16="http://schemas.microsoft.com/office/drawing/2014/main" id="{5B432168-8900-6448-86DC-66F8DA6F9F2E}"/>
+              </a:ext>
+            </a:extLst>
+          </p:cNvPr>
+          <p:cNvSpPr/>
+          <p:nvPr/>
+        </p:nvSpPr>
+        <p:spPr>
+          <a:xfrm>
+            <a:off x="3040146" y="2793465"/>
+            <a:ext cx="235670" cy="301658"/>
+          </a:xfrm>
+          <a:prstGeom prst="rect">
+            <a:avLst/>
+          </a:prstGeom>
+          <a:solidFill>
+            <a:schemeClr val="accent1">
+              <a:lumMod val="40000"/>
+              <a:lumOff val="60000"/>
+            </a:schemeClr>
+          </a:solidFill>
+        </p:spPr>
+        <p:style>
+          <a:lnRef idx="2">
+            <a:schemeClr val="accent1">
+              <a:shade val="50000"/>
+            </a:schemeClr>
+          </a:lnRef>
+          <a:fillRef idx="1">
+            <a:schemeClr val="accent1"/>
+          </a:fillRef>
+          <a:effectRef idx="0">
+            <a:schemeClr val="accent1"/>
+          </a:effectRef>
+          <a:fontRef idx="minor">
+            <a:schemeClr val="lt1"/>
+          </a:fontRef>
+        </p:style>
+        <p:txBody>
+          <a:bodyPr rtlCol="0" anchor="ctr"/>
+          <a:lstStyle/>
+          <a:p>
+            <a:pPr algn="ctr"/>
+            <a:endParaRPr lang="en-US"/>
+          </a:p>
+        </p:txBody>
+      </p:sp>
+      <p:sp>
+        <p:nvSpPr>
+          <p:cNvPr id="87" name="Rectangle 86">
+            <a:extLst>
+              <a:ext uri="{FF2B5EF4-FFF2-40B4-BE49-F238E27FC236}">
+                <a16:creationId xmlns:a16="http://schemas.microsoft.com/office/drawing/2014/main" id="{D7A88F70-FC2A-2349-B257-347B24DCBEBE}"/>
+              </a:ext>
+            </a:extLst>
+          </p:cNvPr>
+          <p:cNvSpPr/>
+          <p:nvPr/>
+        </p:nvSpPr>
+        <p:spPr>
+          <a:xfrm>
+            <a:off x="3984398" y="2793465"/>
+            <a:ext cx="235670" cy="301658"/>
+          </a:xfrm>
+          <a:prstGeom prst="rect">
+            <a:avLst/>
+          </a:prstGeom>
+          <a:solidFill>
+            <a:schemeClr val="accent1">
+              <a:lumMod val="40000"/>
+              <a:lumOff val="60000"/>
+            </a:schemeClr>
+          </a:solidFill>
+        </p:spPr>
+        <p:style>
+          <a:lnRef idx="2">
+            <a:schemeClr val="accent1">
+              <a:shade val="50000"/>
+            </a:schemeClr>
+          </a:lnRef>
+          <a:fillRef idx="1">
+            <a:schemeClr val="accent1"/>
+          </a:fillRef>
+          <a:effectRef idx="0">
+            <a:schemeClr val="accent1"/>
+          </a:effectRef>
+          <a:fontRef idx="minor">
+            <a:schemeClr val="lt1"/>
+          </a:fontRef>
+        </p:style>
+        <p:txBody>
+          <a:bodyPr rtlCol="0" anchor="ctr"/>
+          <a:lstStyle/>
+          <a:p>
+            <a:pPr algn="ctr"/>
+            <a:endParaRPr lang="en-US"/>
+          </a:p>
+        </p:txBody>
+      </p:sp>
+      <p:sp>
+        <p:nvSpPr>
+          <p:cNvPr id="88" name="Rectangle 87">
+            <a:extLst>
+              <a:ext uri="{FF2B5EF4-FFF2-40B4-BE49-F238E27FC236}">
+                <a16:creationId xmlns:a16="http://schemas.microsoft.com/office/drawing/2014/main" id="{A9E14433-57E9-A74D-A5B9-BC6575A18EA5}"/>
+              </a:ext>
+            </a:extLst>
+          </p:cNvPr>
+          <p:cNvSpPr/>
+          <p:nvPr/>
+        </p:nvSpPr>
+        <p:spPr>
+          <a:xfrm>
+            <a:off x="4220068" y="2793465"/>
+            <a:ext cx="235670" cy="301658"/>
+          </a:xfrm>
+          <a:prstGeom prst="rect">
+            <a:avLst/>
+          </a:prstGeom>
+          <a:solidFill>
+            <a:schemeClr val="accent1">
+              <a:lumMod val="40000"/>
+              <a:lumOff val="60000"/>
+            </a:schemeClr>
+          </a:solidFill>
+        </p:spPr>
+        <p:style>
+          <a:lnRef idx="2">
+            <a:schemeClr val="accent1">
+              <a:shade val="50000"/>
+            </a:schemeClr>
+          </a:lnRef>
+          <a:fillRef idx="1">
+            <a:schemeClr val="accent1"/>
+          </a:fillRef>
+          <a:effectRef idx="0">
+            <a:schemeClr val="accent1"/>
+          </a:effectRef>
+          <a:fontRef idx="minor">
+            <a:schemeClr val="lt1"/>
+          </a:fontRef>
+        </p:style>
+        <p:txBody>
+          <a:bodyPr rtlCol="0" anchor="ctr"/>
+          <a:lstStyle/>
+          <a:p>
+            <a:pPr algn="ctr"/>
+            <a:endParaRPr lang="en-US"/>
+          </a:p>
+        </p:txBody>
+      </p:sp>
+      <p:sp>
+        <p:nvSpPr>
+          <p:cNvPr id="89" name="Rectangle 88">
+            <a:extLst>
+              <a:ext uri="{FF2B5EF4-FFF2-40B4-BE49-F238E27FC236}">
+                <a16:creationId xmlns:a16="http://schemas.microsoft.com/office/drawing/2014/main" id="{9F7497C2-0DA6-E14E-AEBF-EB02E65ECD67}"/>
+              </a:ext>
+            </a:extLst>
+          </p:cNvPr>
+          <p:cNvSpPr/>
+          <p:nvPr/>
+        </p:nvSpPr>
+        <p:spPr>
+          <a:xfrm>
+            <a:off x="4455738" y="2793465"/>
+            <a:ext cx="235670" cy="301658"/>
+          </a:xfrm>
+          <a:prstGeom prst="rect">
+            <a:avLst/>
+          </a:prstGeom>
+          <a:solidFill>
+            <a:schemeClr val="accent1">
+              <a:lumMod val="40000"/>
+              <a:lumOff val="60000"/>
+            </a:schemeClr>
+          </a:solidFill>
+        </p:spPr>
+        <p:style>
+          <a:lnRef idx="2">
+            <a:schemeClr val="accent1">
+              <a:shade val="50000"/>
+            </a:schemeClr>
+          </a:lnRef>
+          <a:fillRef idx="1">
+            <a:schemeClr val="accent1"/>
+          </a:fillRef>
+          <a:effectRef idx="0">
+            <a:schemeClr val="accent1"/>
+          </a:effectRef>
+          <a:fontRef idx="minor">
+            <a:schemeClr val="lt1"/>
+          </a:fontRef>
+        </p:style>
+        <p:txBody>
+          <a:bodyPr rtlCol="0" anchor="ctr"/>
+          <a:lstStyle/>
+          <a:p>
+            <a:pPr algn="ctr"/>
+            <a:endParaRPr lang="en-US"/>
+          </a:p>
+        </p:txBody>
+      </p:sp>
+      <p:sp>
+        <p:nvSpPr>
+          <p:cNvPr id="90" name="Rectangle 89">
+            <a:extLst>
+              <a:ext uri="{FF2B5EF4-FFF2-40B4-BE49-F238E27FC236}">
+                <a16:creationId xmlns:a16="http://schemas.microsoft.com/office/drawing/2014/main" id="{2829B4BB-D426-3F4D-A239-85411AF0C52F}"/>
+              </a:ext>
+            </a:extLst>
+          </p:cNvPr>
+          <p:cNvSpPr/>
+          <p:nvPr/>
+        </p:nvSpPr>
+        <p:spPr>
+          <a:xfrm>
+            <a:off x="4691408" y="2793465"/>
+            <a:ext cx="235670" cy="301658"/>
+          </a:xfrm>
+          <a:prstGeom prst="rect">
+            <a:avLst/>
+          </a:prstGeom>
+          <a:solidFill>
+            <a:schemeClr val="accent1">
+              <a:lumMod val="40000"/>
+              <a:lumOff val="60000"/>
+            </a:schemeClr>
+          </a:solidFill>
+        </p:spPr>
+        <p:style>
+          <a:lnRef idx="2">
+            <a:schemeClr val="accent1">
+              <a:shade val="50000"/>
+            </a:schemeClr>
+          </a:lnRef>
+          <a:fillRef idx="1">
+            <a:schemeClr val="accent1"/>
+          </a:fillRef>
+          <a:effectRef idx="0">
+            <a:schemeClr val="accent1"/>
+          </a:effectRef>
+          <a:fontRef idx="minor">
+            <a:schemeClr val="lt1"/>
+          </a:fontRef>
+        </p:style>
+        <p:txBody>
+          <a:bodyPr rtlCol="0" anchor="ctr"/>
+          <a:lstStyle/>
+          <a:p>
+            <a:pPr algn="ctr"/>
+            <a:endParaRPr lang="en-US"/>
+          </a:p>
+        </p:txBody>
+      </p:sp>
+      <p:sp>
+        <p:nvSpPr>
+          <p:cNvPr id="95" name="TextBox 94">
+            <a:extLst>
+              <a:ext uri="{FF2B5EF4-FFF2-40B4-BE49-F238E27FC236}">
+                <a16:creationId xmlns:a16="http://schemas.microsoft.com/office/drawing/2014/main" id="{6246A316-AEFF-024D-B847-994D896196E7}"/>
+              </a:ext>
+            </a:extLst>
+          </p:cNvPr>
+          <p:cNvSpPr txBox="1"/>
+          <p:nvPr/>
+        </p:nvSpPr>
+        <p:spPr>
+          <a:xfrm>
+            <a:off x="3501630" y="2736789"/>
+            <a:ext cx="360996" cy="400110"/>
+          </a:xfrm>
+          <a:prstGeom prst="rect">
+            <a:avLst/>
+          </a:prstGeom>
+          <a:noFill/>
+        </p:spPr>
+        <p:txBody>
+          <a:bodyPr wrap="none" rtlCol="0">
+            <a:spAutoFit/>
+          </a:bodyPr>
+          <a:lstStyle/>
+          <a:p>
+            <a:r>
+              <a:rPr lang="en-US" sz="2000"/>
+              <a:t>…</a:t>
+            </a:r>
+          </a:p>
+        </p:txBody>
+      </p:sp>
+      <p:sp>
+        <p:nvSpPr>
+          <p:cNvPr id="96" name="Rectangle 95">
+            <a:extLst>
+              <a:ext uri="{FF2B5EF4-FFF2-40B4-BE49-F238E27FC236}">
+                <a16:creationId xmlns:a16="http://schemas.microsoft.com/office/drawing/2014/main" id="{D02E3453-B8C1-C847-BE3C-28A83158F461}"/>
+              </a:ext>
+            </a:extLst>
+          </p:cNvPr>
+          <p:cNvSpPr/>
+          <p:nvPr/>
+        </p:nvSpPr>
+        <p:spPr>
+          <a:xfrm>
+            <a:off x="1390456" y="3095123"/>
+            <a:ext cx="235670" cy="301658"/>
+          </a:xfrm>
+          <a:prstGeom prst="rect">
+            <a:avLst/>
+          </a:prstGeom>
+          <a:solidFill>
+            <a:schemeClr val="accent1">
+              <a:lumMod val="40000"/>
+              <a:lumOff val="60000"/>
+            </a:schemeClr>
+          </a:solidFill>
+        </p:spPr>
+        <p:style>
+          <a:lnRef idx="2">
+            <a:schemeClr val="accent1">
+              <a:shade val="50000"/>
+            </a:schemeClr>
+          </a:lnRef>
+          <a:fillRef idx="1">
+            <a:schemeClr val="accent1"/>
+          </a:fillRef>
+          <a:effectRef idx="0">
+            <a:schemeClr val="accent1"/>
+          </a:effectRef>
+          <a:fontRef idx="minor">
+            <a:schemeClr val="lt1"/>
+          </a:fontRef>
+        </p:style>
+        <p:txBody>
+          <a:bodyPr rtlCol="0" anchor="ctr"/>
+          <a:lstStyle/>
+          <a:p>
+            <a:pPr algn="ctr"/>
+            <a:endParaRPr lang="en-US"/>
+          </a:p>
+        </p:txBody>
+      </p:sp>
+      <p:sp>
+        <p:nvSpPr>
+          <p:cNvPr id="97" name="Rectangle 96">
+            <a:extLst>
+              <a:ext uri="{FF2B5EF4-FFF2-40B4-BE49-F238E27FC236}">
+                <a16:creationId xmlns:a16="http://schemas.microsoft.com/office/drawing/2014/main" id="{C3909735-587F-F44F-8215-D40938E2E2CF}"/>
+              </a:ext>
+            </a:extLst>
+          </p:cNvPr>
+          <p:cNvSpPr/>
+          <p:nvPr/>
+        </p:nvSpPr>
+        <p:spPr>
+          <a:xfrm>
+            <a:off x="1626126" y="3095123"/>
+            <a:ext cx="235670" cy="301658"/>
+          </a:xfrm>
+          <a:prstGeom prst="rect">
+            <a:avLst/>
+          </a:prstGeom>
+          <a:solidFill>
+            <a:schemeClr val="accent1">
+              <a:lumMod val="40000"/>
+              <a:lumOff val="60000"/>
+            </a:schemeClr>
+          </a:solidFill>
+        </p:spPr>
+        <p:style>
+          <a:lnRef idx="2">
+            <a:schemeClr val="accent1">
+              <a:shade val="50000"/>
+            </a:schemeClr>
+          </a:lnRef>
+          <a:fillRef idx="1">
+            <a:schemeClr val="accent1"/>
+          </a:fillRef>
+          <a:effectRef idx="0">
+            <a:schemeClr val="accent1"/>
+          </a:effectRef>
+          <a:fontRef idx="minor">
+            <a:schemeClr val="lt1"/>
+          </a:fontRef>
+        </p:style>
+        <p:txBody>
+          <a:bodyPr rtlCol="0" anchor="ctr"/>
+          <a:lstStyle/>
+          <a:p>
+            <a:pPr algn="ctr"/>
+            <a:endParaRPr lang="en-US"/>
+          </a:p>
+        </p:txBody>
+      </p:sp>
+      <p:sp>
+        <p:nvSpPr>
+          <p:cNvPr id="98" name="Rectangle 97">
+            <a:extLst>
+              <a:ext uri="{FF2B5EF4-FFF2-40B4-BE49-F238E27FC236}">
+                <a16:creationId xmlns:a16="http://schemas.microsoft.com/office/drawing/2014/main" id="{AF18A5DD-A585-7348-BA2C-A94EEFC9A0DC}"/>
+              </a:ext>
+            </a:extLst>
+          </p:cNvPr>
+          <p:cNvSpPr/>
+          <p:nvPr/>
+        </p:nvSpPr>
+        <p:spPr>
+          <a:xfrm>
+            <a:off x="1861796" y="3095123"/>
+            <a:ext cx="235670" cy="301658"/>
+          </a:xfrm>
+          <a:prstGeom prst="rect">
+            <a:avLst/>
+          </a:prstGeom>
+          <a:solidFill>
+            <a:schemeClr val="accent1">
+              <a:lumMod val="40000"/>
+              <a:lumOff val="60000"/>
+            </a:schemeClr>
+          </a:solidFill>
+        </p:spPr>
+        <p:style>
+          <a:lnRef idx="2">
+            <a:schemeClr val="accent1">
+              <a:shade val="50000"/>
+            </a:schemeClr>
+          </a:lnRef>
+          <a:fillRef idx="1">
+            <a:schemeClr val="accent1"/>
+          </a:fillRef>
+          <a:effectRef idx="0">
+            <a:schemeClr val="accent1"/>
+          </a:effectRef>
+          <a:fontRef idx="minor">
+            <a:schemeClr val="lt1"/>
+          </a:fontRef>
+        </p:style>
+        <p:txBody>
+          <a:bodyPr rtlCol="0" anchor="ctr"/>
+          <a:lstStyle/>
+          <a:p>
+            <a:pPr algn="ctr"/>
+            <a:endParaRPr lang="en-US"/>
+          </a:p>
+        </p:txBody>
+      </p:sp>
+      <p:sp>
+        <p:nvSpPr>
+          <p:cNvPr id="99" name="Rectangle 98">
+            <a:extLst>
+              <a:ext uri="{FF2B5EF4-FFF2-40B4-BE49-F238E27FC236}">
+                <a16:creationId xmlns:a16="http://schemas.microsoft.com/office/drawing/2014/main" id="{3B134968-9D2E-2345-AA37-6A6656B641CA}"/>
+              </a:ext>
+            </a:extLst>
+          </p:cNvPr>
+          <p:cNvSpPr/>
+          <p:nvPr/>
+        </p:nvSpPr>
+        <p:spPr>
+          <a:xfrm>
+            <a:off x="2097466" y="3095123"/>
+            <a:ext cx="235670" cy="301658"/>
+          </a:xfrm>
+          <a:prstGeom prst="rect">
+            <a:avLst/>
+          </a:prstGeom>
+          <a:solidFill>
+            <a:schemeClr val="accent1">
+              <a:lumMod val="40000"/>
+              <a:lumOff val="60000"/>
+            </a:schemeClr>
+          </a:solidFill>
+        </p:spPr>
+        <p:style>
+          <a:lnRef idx="2">
+            <a:schemeClr val="accent1">
+              <a:shade val="50000"/>
+            </a:schemeClr>
+          </a:lnRef>
+          <a:fillRef idx="1">
+            <a:schemeClr val="accent1"/>
+          </a:fillRef>
+          <a:effectRef idx="0">
+            <a:schemeClr val="accent1"/>
+          </a:effectRef>
+          <a:fontRef idx="minor">
+            <a:schemeClr val="lt1"/>
+          </a:fontRef>
+        </p:style>
+        <p:txBody>
+          <a:bodyPr rtlCol="0" anchor="ctr"/>
+          <a:lstStyle/>
+          <a:p>
+            <a:pPr algn="ctr"/>
+            <a:endParaRPr lang="en-US"/>
+          </a:p>
+        </p:txBody>
+      </p:sp>
+      <p:sp>
+        <p:nvSpPr>
+          <p:cNvPr id="100" name="Rectangle 99">
+            <a:extLst>
+              <a:ext uri="{FF2B5EF4-FFF2-40B4-BE49-F238E27FC236}">
+                <a16:creationId xmlns:a16="http://schemas.microsoft.com/office/drawing/2014/main" id="{7C287DF2-0C3A-2947-9B3B-A4D8E8D10BD2}"/>
+              </a:ext>
+            </a:extLst>
+          </p:cNvPr>
+          <p:cNvSpPr/>
+          <p:nvPr/>
+        </p:nvSpPr>
+        <p:spPr>
+          <a:xfrm>
+            <a:off x="2333136" y="3095123"/>
+            <a:ext cx="235670" cy="301658"/>
+          </a:xfrm>
+          <a:prstGeom prst="rect">
+            <a:avLst/>
+          </a:prstGeom>
+          <a:solidFill>
+            <a:schemeClr val="accent1">
+              <a:lumMod val="40000"/>
+              <a:lumOff val="60000"/>
+            </a:schemeClr>
+          </a:solidFill>
+        </p:spPr>
+        <p:style>
+          <a:lnRef idx="2">
+            <a:schemeClr val="accent1">
+              <a:shade val="50000"/>
+            </a:schemeClr>
+          </a:lnRef>
+          <a:fillRef idx="1">
+            <a:schemeClr val="accent1"/>
+          </a:fillRef>
+          <a:effectRef idx="0">
+            <a:schemeClr val="accent1"/>
+          </a:effectRef>
+          <a:fontRef idx="minor">
+            <a:schemeClr val="lt1"/>
+          </a:fontRef>
+        </p:style>
+        <p:txBody>
+          <a:bodyPr rtlCol="0" anchor="ctr"/>
+          <a:lstStyle/>
+          <a:p>
+            <a:pPr algn="ctr"/>
+            <a:endParaRPr lang="en-US"/>
+          </a:p>
+        </p:txBody>
+      </p:sp>
+      <p:sp>
+        <p:nvSpPr>
+          <p:cNvPr id="101" name="Rectangle 100">
+            <a:extLst>
+              <a:ext uri="{FF2B5EF4-FFF2-40B4-BE49-F238E27FC236}">
+                <a16:creationId xmlns:a16="http://schemas.microsoft.com/office/drawing/2014/main" id="{47D8AB14-8468-CB45-96AA-68F44A10F8C4}"/>
+              </a:ext>
+            </a:extLst>
+          </p:cNvPr>
+          <p:cNvSpPr/>
+          <p:nvPr/>
+        </p:nvSpPr>
+        <p:spPr>
+          <a:xfrm>
+            <a:off x="2568806" y="3095123"/>
+            <a:ext cx="235670" cy="301658"/>
+          </a:xfrm>
+          <a:prstGeom prst="rect">
+            <a:avLst/>
+          </a:prstGeom>
+          <a:solidFill>
+            <a:schemeClr val="accent1">
+              <a:lumMod val="40000"/>
+              <a:lumOff val="60000"/>
+            </a:schemeClr>
+          </a:solidFill>
+        </p:spPr>
+        <p:style>
+          <a:lnRef idx="2">
+            <a:schemeClr val="accent1">
+              <a:shade val="50000"/>
+            </a:schemeClr>
+          </a:lnRef>
+          <a:fillRef idx="1">
+            <a:schemeClr val="accent1"/>
+          </a:fillRef>
+          <a:effectRef idx="0">
+            <a:schemeClr val="accent1"/>
+          </a:effectRef>
+          <a:fontRef idx="minor">
+            <a:schemeClr val="lt1"/>
+          </a:fontRef>
+        </p:style>
+        <p:txBody>
+          <a:bodyPr rtlCol="0" anchor="ctr"/>
+          <a:lstStyle/>
+          <a:p>
+            <a:pPr algn="ctr"/>
+            <a:endParaRPr lang="en-US"/>
+          </a:p>
+        </p:txBody>
+      </p:sp>
+      <p:sp>
+        <p:nvSpPr>
+          <p:cNvPr id="102" name="Rectangle 101">
+            <a:extLst>
+              <a:ext uri="{FF2B5EF4-FFF2-40B4-BE49-F238E27FC236}">
+                <a16:creationId xmlns:a16="http://schemas.microsoft.com/office/drawing/2014/main" id="{8EBF41E1-CE5A-9348-BEBC-8B1AECAF3FEE}"/>
+              </a:ext>
+            </a:extLst>
+          </p:cNvPr>
+          <p:cNvSpPr/>
+          <p:nvPr/>
+        </p:nvSpPr>
+        <p:spPr>
+          <a:xfrm>
+            <a:off x="2804476" y="3095123"/>
+            <a:ext cx="235670" cy="301658"/>
+          </a:xfrm>
+          <a:prstGeom prst="rect">
+            <a:avLst/>
+          </a:prstGeom>
+          <a:solidFill>
+            <a:schemeClr val="accent1">
+              <a:lumMod val="40000"/>
+              <a:lumOff val="60000"/>
+            </a:schemeClr>
+          </a:solidFill>
+        </p:spPr>
+        <p:style>
+          <a:lnRef idx="2">
+            <a:schemeClr val="accent1">
+              <a:shade val="50000"/>
+            </a:schemeClr>
+          </a:lnRef>
+          <a:fillRef idx="1">
+            <a:schemeClr val="accent1"/>
+          </a:fillRef>
+          <a:effectRef idx="0">
+            <a:schemeClr val="accent1"/>
+          </a:effectRef>
+          <a:fontRef idx="minor">
+            <a:schemeClr val="lt1"/>
+          </a:fontRef>
+        </p:style>
+        <p:txBody>
+          <a:bodyPr rtlCol="0" anchor="ctr"/>
+          <a:lstStyle/>
+          <a:p>
+            <a:pPr algn="ctr"/>
+            <a:endParaRPr lang="en-US"/>
+          </a:p>
+        </p:txBody>
+      </p:sp>
+      <p:sp>
+        <p:nvSpPr>
+          <p:cNvPr id="103" name="Rectangle 102">
+            <a:extLst>
+              <a:ext uri="{FF2B5EF4-FFF2-40B4-BE49-F238E27FC236}">
+                <a16:creationId xmlns:a16="http://schemas.microsoft.com/office/drawing/2014/main" id="{689343BF-2E5B-CB44-A1BC-D8A2AB2F9432}"/>
+              </a:ext>
+            </a:extLst>
+          </p:cNvPr>
+          <p:cNvSpPr/>
+          <p:nvPr/>
+        </p:nvSpPr>
+        <p:spPr>
+          <a:xfrm>
+            <a:off x="3040146" y="3095123"/>
+            <a:ext cx="235670" cy="301658"/>
+          </a:xfrm>
+          <a:prstGeom prst="rect">
+            <a:avLst/>
+          </a:prstGeom>
+          <a:solidFill>
+            <a:schemeClr val="accent1">
+              <a:lumMod val="40000"/>
+              <a:lumOff val="60000"/>
+            </a:schemeClr>
+          </a:solidFill>
+        </p:spPr>
+        <p:style>
+          <a:lnRef idx="2">
+            <a:schemeClr val="accent1">
+              <a:shade val="50000"/>
+            </a:schemeClr>
+          </a:lnRef>
+          <a:fillRef idx="1">
+            <a:schemeClr val="accent1"/>
+          </a:fillRef>
+          <a:effectRef idx="0">
+            <a:schemeClr val="accent1"/>
+          </a:effectRef>
+          <a:fontRef idx="minor">
+            <a:schemeClr val="lt1"/>
+          </a:fontRef>
+        </p:style>
+        <p:txBody>
+          <a:bodyPr rtlCol="0" anchor="ctr"/>
+          <a:lstStyle/>
+          <a:p>
+            <a:pPr algn="ctr"/>
+            <a:endParaRPr lang="en-US"/>
+          </a:p>
+        </p:txBody>
+      </p:sp>
+      <p:sp>
+        <p:nvSpPr>
+          <p:cNvPr id="104" name="Rectangle 103">
+            <a:extLst>
+              <a:ext uri="{FF2B5EF4-FFF2-40B4-BE49-F238E27FC236}">
+                <a16:creationId xmlns:a16="http://schemas.microsoft.com/office/drawing/2014/main" id="{5AA69364-8152-1E44-82A4-1641BF8F72A1}"/>
+              </a:ext>
+            </a:extLst>
+          </p:cNvPr>
+          <p:cNvSpPr/>
+          <p:nvPr/>
+        </p:nvSpPr>
+        <p:spPr>
+          <a:xfrm>
+            <a:off x="3984398" y="3095123"/>
+            <a:ext cx="235670" cy="301658"/>
+          </a:xfrm>
+          <a:prstGeom prst="rect">
+            <a:avLst/>
+          </a:prstGeom>
+          <a:solidFill>
+            <a:schemeClr val="accent1">
+              <a:lumMod val="40000"/>
+              <a:lumOff val="60000"/>
+            </a:schemeClr>
+          </a:solidFill>
+        </p:spPr>
+        <p:style>
+          <a:lnRef idx="2">
+            <a:schemeClr val="accent1">
+              <a:shade val="50000"/>
+            </a:schemeClr>
+          </a:lnRef>
+          <a:fillRef idx="1">
+            <a:schemeClr val="accent1"/>
+          </a:fillRef>
+          <a:effectRef idx="0">
+            <a:schemeClr val="accent1"/>
+          </a:effectRef>
+          <a:fontRef idx="minor">
+            <a:schemeClr val="lt1"/>
+          </a:fontRef>
+        </p:style>
+        <p:txBody>
+          <a:bodyPr rtlCol="0" anchor="ctr"/>
+          <a:lstStyle/>
+          <a:p>
+            <a:pPr algn="ctr"/>
+            <a:endParaRPr lang="en-US"/>
+          </a:p>
+        </p:txBody>
+      </p:sp>
+      <p:sp>
+        <p:nvSpPr>
+          <p:cNvPr id="105" name="Rectangle 104">
+            <a:extLst>
+              <a:ext uri="{FF2B5EF4-FFF2-40B4-BE49-F238E27FC236}">
+                <a16:creationId xmlns:a16="http://schemas.microsoft.com/office/drawing/2014/main" id="{E6B02C10-D5BE-454A-9D9D-1B93B00CA70F}"/>
+              </a:ext>
+            </a:extLst>
+          </p:cNvPr>
+          <p:cNvSpPr/>
+          <p:nvPr/>
+        </p:nvSpPr>
+        <p:spPr>
+          <a:xfrm>
+            <a:off x="4220068" y="3095123"/>
+            <a:ext cx="235670" cy="301658"/>
+          </a:xfrm>
+          <a:prstGeom prst="rect">
+            <a:avLst/>
+          </a:prstGeom>
+          <a:solidFill>
+            <a:schemeClr val="accent1">
+              <a:lumMod val="40000"/>
+              <a:lumOff val="60000"/>
+            </a:schemeClr>
+          </a:solidFill>
+        </p:spPr>
+        <p:style>
+          <a:lnRef idx="2">
+            <a:schemeClr val="accent1">
+              <a:shade val="50000"/>
+            </a:schemeClr>
+          </a:lnRef>
+          <a:fillRef idx="1">
+            <a:schemeClr val="accent1"/>
+          </a:fillRef>
+          <a:effectRef idx="0">
+            <a:schemeClr val="accent1"/>
+          </a:effectRef>
+          <a:fontRef idx="minor">
+            <a:schemeClr val="lt1"/>
+          </a:fontRef>
+        </p:style>
+        <p:txBody>
+          <a:bodyPr rtlCol="0" anchor="ctr"/>
+          <a:lstStyle/>
+          <a:p>
+            <a:pPr algn="ctr"/>
+            <a:endParaRPr lang="en-US"/>
+          </a:p>
+        </p:txBody>
+      </p:sp>
+      <p:sp>
+        <p:nvSpPr>
+          <p:cNvPr id="106" name="Rectangle 105">
+            <a:extLst>
+              <a:ext uri="{FF2B5EF4-FFF2-40B4-BE49-F238E27FC236}">
+                <a16:creationId xmlns:a16="http://schemas.microsoft.com/office/drawing/2014/main" id="{8E595512-CD98-C84E-B6FD-E4C9BD25E785}"/>
+              </a:ext>
+            </a:extLst>
+          </p:cNvPr>
+          <p:cNvSpPr/>
+          <p:nvPr/>
+        </p:nvSpPr>
+        <p:spPr>
+          <a:xfrm>
+            <a:off x="4455738" y="3095123"/>
+            <a:ext cx="235670" cy="301658"/>
+          </a:xfrm>
+          <a:prstGeom prst="rect">
+            <a:avLst/>
+          </a:prstGeom>
+          <a:solidFill>
+            <a:schemeClr val="accent1">
+              <a:lumMod val="40000"/>
+              <a:lumOff val="60000"/>
+            </a:schemeClr>
+          </a:solidFill>
+        </p:spPr>
+        <p:style>
+          <a:lnRef idx="2">
+            <a:schemeClr val="accent1">
+              <a:shade val="50000"/>
+            </a:schemeClr>
+          </a:lnRef>
+          <a:fillRef idx="1">
+            <a:schemeClr val="accent1"/>
+          </a:fillRef>
+          <a:effectRef idx="0">
+            <a:schemeClr val="accent1"/>
+          </a:effectRef>
+          <a:fontRef idx="minor">
+            <a:schemeClr val="lt1"/>
+          </a:fontRef>
+        </p:style>
+        <p:txBody>
+          <a:bodyPr rtlCol="0" anchor="ctr"/>
+          <a:lstStyle/>
+          <a:p>
+            <a:pPr algn="ctr"/>
+            <a:endParaRPr lang="en-US"/>
+          </a:p>
+        </p:txBody>
+      </p:sp>
+      <p:sp>
+        <p:nvSpPr>
+          <p:cNvPr id="107" name="Rectangle 106">
+            <a:extLst>
+              <a:ext uri="{FF2B5EF4-FFF2-40B4-BE49-F238E27FC236}">
+                <a16:creationId xmlns:a16="http://schemas.microsoft.com/office/drawing/2014/main" id="{D674BFE5-5144-8F4A-B77A-4DE380A2BA4A}"/>
+              </a:ext>
+            </a:extLst>
+          </p:cNvPr>
+          <p:cNvSpPr/>
+          <p:nvPr/>
+        </p:nvSpPr>
+        <p:spPr>
+          <a:xfrm>
+            <a:off x="4691408" y="3095123"/>
+            <a:ext cx="235670" cy="301658"/>
+          </a:xfrm>
+          <a:prstGeom prst="rect">
+            <a:avLst/>
+          </a:prstGeom>
+          <a:solidFill>
+            <a:schemeClr val="accent1">
+              <a:lumMod val="40000"/>
+              <a:lumOff val="60000"/>
+            </a:schemeClr>
+          </a:solidFill>
+        </p:spPr>
+        <p:style>
+          <a:lnRef idx="2">
+            <a:schemeClr val="accent1">
+              <a:shade val="50000"/>
+            </a:schemeClr>
+          </a:lnRef>
+          <a:fillRef idx="1">
+            <a:schemeClr val="accent1"/>
+          </a:fillRef>
+          <a:effectRef idx="0">
+            <a:schemeClr val="accent1"/>
+          </a:effectRef>
+          <a:fontRef idx="minor">
+            <a:schemeClr val="lt1"/>
+          </a:fontRef>
+        </p:style>
+        <p:txBody>
+          <a:bodyPr rtlCol="0" anchor="ctr"/>
+          <a:lstStyle/>
+          <a:p>
+            <a:pPr algn="ctr"/>
+            <a:endParaRPr lang="en-US"/>
+          </a:p>
+        </p:txBody>
+      </p:sp>
+      <p:sp>
+        <p:nvSpPr>
+          <p:cNvPr id="112" name="TextBox 111">
+            <a:extLst>
+              <a:ext uri="{FF2B5EF4-FFF2-40B4-BE49-F238E27FC236}">
+                <a16:creationId xmlns:a16="http://schemas.microsoft.com/office/drawing/2014/main" id="{CB39F17A-71F9-994A-B4BD-FA2E5B94063E}"/>
+              </a:ext>
+            </a:extLst>
+          </p:cNvPr>
+          <p:cNvSpPr txBox="1"/>
+          <p:nvPr/>
+        </p:nvSpPr>
+        <p:spPr>
+          <a:xfrm>
+            <a:off x="3501630" y="3038447"/>
+            <a:ext cx="360996" cy="400110"/>
+          </a:xfrm>
+          <a:prstGeom prst="rect">
+            <a:avLst/>
+          </a:prstGeom>
+          <a:noFill/>
+        </p:spPr>
+        <p:txBody>
+          <a:bodyPr wrap="none" rtlCol="0">
+            <a:spAutoFit/>
+          </a:bodyPr>
+          <a:lstStyle/>
+          <a:p>
+            <a:r>
+              <a:rPr lang="en-US" sz="2000"/>
+              <a:t>…</a:t>
+            </a:r>
+          </a:p>
+        </p:txBody>
+      </p:sp>
+      <p:sp>
+        <p:nvSpPr>
+          <p:cNvPr id="113" name="Rectangle 112">
+            <a:extLst>
+              <a:ext uri="{FF2B5EF4-FFF2-40B4-BE49-F238E27FC236}">
+                <a16:creationId xmlns:a16="http://schemas.microsoft.com/office/drawing/2014/main" id="{88682485-C718-5B48-B94E-72C8D5558EB7}"/>
+              </a:ext>
+            </a:extLst>
+          </p:cNvPr>
+          <p:cNvSpPr/>
+          <p:nvPr/>
+        </p:nvSpPr>
+        <p:spPr>
+          <a:xfrm>
+            <a:off x="1390456" y="3396781"/>
+            <a:ext cx="235670" cy="301658"/>
+          </a:xfrm>
+          <a:prstGeom prst="rect">
+            <a:avLst/>
+          </a:prstGeom>
+          <a:solidFill>
+            <a:schemeClr val="accent1">
+              <a:lumMod val="40000"/>
+              <a:lumOff val="60000"/>
+            </a:schemeClr>
+          </a:solidFill>
+        </p:spPr>
+        <p:style>
+          <a:lnRef idx="2">
+            <a:schemeClr val="accent1">
+              <a:shade val="50000"/>
+            </a:schemeClr>
+          </a:lnRef>
+          <a:fillRef idx="1">
+            <a:schemeClr val="accent1"/>
+          </a:fillRef>
+          <a:effectRef idx="0">
+            <a:schemeClr val="accent1"/>
+          </a:effectRef>
+          <a:fontRef idx="minor">
+            <a:schemeClr val="lt1"/>
+          </a:fontRef>
+        </p:style>
+        <p:txBody>
+          <a:bodyPr rtlCol="0" anchor="ctr"/>
+          <a:lstStyle/>
+          <a:p>
+            <a:pPr algn="ctr"/>
+            <a:endParaRPr lang="en-US"/>
+          </a:p>
+        </p:txBody>
+      </p:sp>
+      <p:sp>
+        <p:nvSpPr>
+          <p:cNvPr id="114" name="Rectangle 113">
+            <a:extLst>
+              <a:ext uri="{FF2B5EF4-FFF2-40B4-BE49-F238E27FC236}">
+                <a16:creationId xmlns:a16="http://schemas.microsoft.com/office/drawing/2014/main" id="{12545F2F-EBD4-B049-B5D1-435DE7F88E08}"/>
+              </a:ext>
+            </a:extLst>
+          </p:cNvPr>
+          <p:cNvSpPr/>
+          <p:nvPr/>
+        </p:nvSpPr>
+        <p:spPr>
+          <a:xfrm>
+            <a:off x="1626126" y="3396781"/>
+            <a:ext cx="235670" cy="301658"/>
+          </a:xfrm>
+          <a:prstGeom prst="rect">
+            <a:avLst/>
+          </a:prstGeom>
+          <a:solidFill>
+            <a:schemeClr val="accent1">
+              <a:lumMod val="40000"/>
+              <a:lumOff val="60000"/>
+            </a:schemeClr>
+          </a:solidFill>
+        </p:spPr>
+        <p:style>
+          <a:lnRef idx="2">
+            <a:schemeClr val="accent1">
+              <a:shade val="50000"/>
+            </a:schemeClr>
+          </a:lnRef>
+          <a:fillRef idx="1">
+            <a:schemeClr val="accent1"/>
+          </a:fillRef>
+          <a:effectRef idx="0">
+            <a:schemeClr val="accent1"/>
+          </a:effectRef>
+          <a:fontRef idx="minor">
+            <a:schemeClr val="lt1"/>
+          </a:fontRef>
+        </p:style>
+        <p:txBody>
+          <a:bodyPr rtlCol="0" anchor="ctr"/>
+          <a:lstStyle/>
+          <a:p>
+            <a:pPr algn="ctr"/>
+            <a:endParaRPr lang="en-US"/>
+          </a:p>
+        </p:txBody>
+      </p:sp>
+      <p:sp>
+        <p:nvSpPr>
+          <p:cNvPr id="115" name="Rectangle 114">
+            <a:extLst>
+              <a:ext uri="{FF2B5EF4-FFF2-40B4-BE49-F238E27FC236}">
+                <a16:creationId xmlns:a16="http://schemas.microsoft.com/office/drawing/2014/main" id="{03C614EC-481C-0147-888F-2B5D426EB3F1}"/>
+              </a:ext>
+            </a:extLst>
+          </p:cNvPr>
+          <p:cNvSpPr/>
+          <p:nvPr/>
+        </p:nvSpPr>
+        <p:spPr>
+          <a:xfrm>
+            <a:off x="1861796" y="3396781"/>
+            <a:ext cx="235670" cy="301658"/>
+          </a:xfrm>
+          <a:prstGeom prst="rect">
+            <a:avLst/>
+          </a:prstGeom>
+          <a:solidFill>
+            <a:schemeClr val="accent1">
+              <a:lumMod val="40000"/>
+              <a:lumOff val="60000"/>
+            </a:schemeClr>
+          </a:solidFill>
+        </p:spPr>
+        <p:style>
+          <a:lnRef idx="2">
+            <a:schemeClr val="accent1">
+              <a:shade val="50000"/>
+            </a:schemeClr>
+          </a:lnRef>
+          <a:fillRef idx="1">
+            <a:schemeClr val="accent1"/>
+          </a:fillRef>
+          <a:effectRef idx="0">
+            <a:schemeClr val="accent1"/>
+          </a:effectRef>
+          <a:fontRef idx="minor">
+            <a:schemeClr val="lt1"/>
+          </a:fontRef>
+        </p:style>
+        <p:txBody>
+          <a:bodyPr rtlCol="0" anchor="ctr"/>
+          <a:lstStyle/>
+          <a:p>
+            <a:pPr algn="ctr"/>
+            <a:endParaRPr lang="en-US"/>
+          </a:p>
+        </p:txBody>
+      </p:sp>
+      <p:sp>
+        <p:nvSpPr>
+          <p:cNvPr id="116" name="Rectangle 115">
+            <a:extLst>
+              <a:ext uri="{FF2B5EF4-FFF2-40B4-BE49-F238E27FC236}">
+                <a16:creationId xmlns:a16="http://schemas.microsoft.com/office/drawing/2014/main" id="{7C8F89E3-915F-8F41-A75C-16D0D18EE442}"/>
+              </a:ext>
+            </a:extLst>
+          </p:cNvPr>
+          <p:cNvSpPr/>
+          <p:nvPr/>
+        </p:nvSpPr>
+        <p:spPr>
+          <a:xfrm>
+            <a:off x="2097466" y="3396781"/>
+            <a:ext cx="235670" cy="301658"/>
+          </a:xfrm>
+          <a:prstGeom prst="rect">
+            <a:avLst/>
+          </a:prstGeom>
+          <a:solidFill>
+            <a:schemeClr val="accent1">
+              <a:lumMod val="40000"/>
+              <a:lumOff val="60000"/>
+            </a:schemeClr>
+          </a:solidFill>
+        </p:spPr>
+        <p:style>
+          <a:lnRef idx="2">
+            <a:schemeClr val="accent1">
+              <a:shade val="50000"/>
+            </a:schemeClr>
+          </a:lnRef>
+          <a:fillRef idx="1">
+            <a:schemeClr val="accent1"/>
+          </a:fillRef>
+          <a:effectRef idx="0">
+            <a:schemeClr val="accent1"/>
+          </a:effectRef>
+          <a:fontRef idx="minor">
+            <a:schemeClr val="lt1"/>
+          </a:fontRef>
+        </p:style>
+        <p:txBody>
+          <a:bodyPr rtlCol="0" anchor="ctr"/>
+          <a:lstStyle/>
+          <a:p>
+            <a:pPr algn="ctr"/>
+            <a:endParaRPr lang="en-US"/>
+          </a:p>
+        </p:txBody>
+      </p:sp>
+      <p:sp>
+        <p:nvSpPr>
+          <p:cNvPr id="117" name="Rectangle 116">
+            <a:extLst>
+              <a:ext uri="{FF2B5EF4-FFF2-40B4-BE49-F238E27FC236}">
+                <a16:creationId xmlns:a16="http://schemas.microsoft.com/office/drawing/2014/main" id="{1BCE740D-0472-7D47-85A4-FF34047CA702}"/>
+              </a:ext>
+            </a:extLst>
+          </p:cNvPr>
+          <p:cNvSpPr/>
+          <p:nvPr/>
+        </p:nvSpPr>
+        <p:spPr>
+          <a:xfrm>
+            <a:off x="2333136" y="3396781"/>
+            <a:ext cx="235670" cy="301658"/>
+          </a:xfrm>
+          <a:prstGeom prst="rect">
+            <a:avLst/>
+          </a:prstGeom>
+          <a:solidFill>
+            <a:schemeClr val="accent1">
+              <a:lumMod val="40000"/>
+              <a:lumOff val="60000"/>
+            </a:schemeClr>
+          </a:solidFill>
+        </p:spPr>
+        <p:style>
+          <a:lnRef idx="2">
+            <a:schemeClr val="accent1">
+              <a:shade val="50000"/>
+            </a:schemeClr>
+          </a:lnRef>
+          <a:fillRef idx="1">
+            <a:schemeClr val="accent1"/>
+          </a:fillRef>
+          <a:effectRef idx="0">
+            <a:schemeClr val="accent1"/>
+          </a:effectRef>
+          <a:fontRef idx="minor">
+            <a:schemeClr val="lt1"/>
+          </a:fontRef>
+        </p:style>
+        <p:txBody>
+          <a:bodyPr rtlCol="0" anchor="ctr"/>
+          <a:lstStyle/>
+          <a:p>
+            <a:pPr algn="ctr"/>
+            <a:endParaRPr lang="en-US"/>
+          </a:p>
+        </p:txBody>
+      </p:sp>
+      <p:sp>
+        <p:nvSpPr>
+          <p:cNvPr id="118" name="Rectangle 117">
+            <a:extLst>
+              <a:ext uri="{FF2B5EF4-FFF2-40B4-BE49-F238E27FC236}">
+                <a16:creationId xmlns:a16="http://schemas.microsoft.com/office/drawing/2014/main" id="{5A31A552-4D64-C740-95C3-CF38DE6633F5}"/>
+              </a:ext>
+            </a:extLst>
+          </p:cNvPr>
+          <p:cNvSpPr/>
+          <p:nvPr/>
+        </p:nvSpPr>
+        <p:spPr>
+          <a:xfrm>
+            <a:off x="2568806" y="3396781"/>
+            <a:ext cx="235670" cy="301658"/>
+          </a:xfrm>
+          <a:prstGeom prst="rect">
+            <a:avLst/>
+          </a:prstGeom>
+          <a:solidFill>
+            <a:schemeClr val="accent1">
+              <a:lumMod val="40000"/>
+              <a:lumOff val="60000"/>
+            </a:schemeClr>
+          </a:solidFill>
+        </p:spPr>
+        <p:style>
+          <a:lnRef idx="2">
+            <a:schemeClr val="accent1">
+              <a:shade val="50000"/>
+            </a:schemeClr>
+          </a:lnRef>
+          <a:fillRef idx="1">
+            <a:schemeClr val="accent1"/>
+          </a:fillRef>
+          <a:effectRef idx="0">
+            <a:schemeClr val="accent1"/>
+          </a:effectRef>
+          <a:fontRef idx="minor">
+            <a:schemeClr val="lt1"/>
+          </a:fontRef>
+        </p:style>
+        <p:txBody>
+          <a:bodyPr rtlCol="0" anchor="ctr"/>
+          <a:lstStyle/>
+          <a:p>
+            <a:pPr algn="ctr"/>
+            <a:endParaRPr lang="en-US"/>
+          </a:p>
+        </p:txBody>
+      </p:sp>
+      <p:sp>
+        <p:nvSpPr>
+          <p:cNvPr id="119" name="Rectangle 118">
+            <a:extLst>
+              <a:ext uri="{FF2B5EF4-FFF2-40B4-BE49-F238E27FC236}">
+                <a16:creationId xmlns:a16="http://schemas.microsoft.com/office/drawing/2014/main" id="{46AEEA65-6201-1240-8FBD-0ACBB80655A8}"/>
+              </a:ext>
+            </a:extLst>
+          </p:cNvPr>
+          <p:cNvSpPr/>
+          <p:nvPr/>
+        </p:nvSpPr>
+        <p:spPr>
+          <a:xfrm>
+            <a:off x="2804476" y="3396781"/>
+            <a:ext cx="235670" cy="301658"/>
+          </a:xfrm>
+          <a:prstGeom prst="rect">
+            <a:avLst/>
+          </a:prstGeom>
+          <a:solidFill>
+            <a:schemeClr val="accent1">
+              <a:lumMod val="40000"/>
+              <a:lumOff val="60000"/>
+            </a:schemeClr>
+          </a:solidFill>
+        </p:spPr>
+        <p:style>
+          <a:lnRef idx="2">
+            <a:schemeClr val="accent1">
+              <a:shade val="50000"/>
+            </a:schemeClr>
+          </a:lnRef>
+          <a:fillRef idx="1">
+            <a:schemeClr val="accent1"/>
+          </a:fillRef>
+          <a:effectRef idx="0">
+            <a:schemeClr val="accent1"/>
+          </a:effectRef>
+          <a:fontRef idx="minor">
+            <a:schemeClr val="lt1"/>
+          </a:fontRef>
+        </p:style>
+        <p:txBody>
+          <a:bodyPr rtlCol="0" anchor="ctr"/>
+          <a:lstStyle/>
+          <a:p>
+            <a:pPr algn="ctr"/>
+            <a:endParaRPr lang="en-US"/>
+          </a:p>
+        </p:txBody>
+      </p:sp>
+      <p:sp>
+        <p:nvSpPr>
+          <p:cNvPr id="120" name="Rectangle 119">
+            <a:extLst>
+              <a:ext uri="{FF2B5EF4-FFF2-40B4-BE49-F238E27FC236}">
+                <a16:creationId xmlns:a16="http://schemas.microsoft.com/office/drawing/2014/main" id="{97736921-B3B1-3444-B592-348BF6BA2678}"/>
+              </a:ext>
+            </a:extLst>
+          </p:cNvPr>
+          <p:cNvSpPr/>
+          <p:nvPr/>
+        </p:nvSpPr>
+        <p:spPr>
+          <a:xfrm>
+            <a:off x="3040146" y="3396781"/>
+            <a:ext cx="235670" cy="301658"/>
+          </a:xfrm>
+          <a:prstGeom prst="rect">
+            <a:avLst/>
+          </a:prstGeom>
+          <a:solidFill>
+            <a:schemeClr val="accent1">
+              <a:lumMod val="40000"/>
+              <a:lumOff val="60000"/>
+            </a:schemeClr>
+          </a:solidFill>
+        </p:spPr>
+        <p:style>
+          <a:lnRef idx="2">
+            <a:schemeClr val="accent1">
+              <a:shade val="50000"/>
+            </a:schemeClr>
+          </a:lnRef>
+          <a:fillRef idx="1">
+            <a:schemeClr val="accent1"/>
+          </a:fillRef>
+          <a:effectRef idx="0">
+            <a:schemeClr val="accent1"/>
+          </a:effectRef>
+          <a:fontRef idx="minor">
+            <a:schemeClr val="lt1"/>
+          </a:fontRef>
+        </p:style>
+        <p:txBody>
+          <a:bodyPr rtlCol="0" anchor="ctr"/>
+          <a:lstStyle/>
+          <a:p>
+            <a:pPr algn="ctr"/>
+            <a:endParaRPr lang="en-US"/>
+          </a:p>
+        </p:txBody>
+      </p:sp>
+      <p:sp>
+        <p:nvSpPr>
+          <p:cNvPr id="121" name="Rectangle 120">
+            <a:extLst>
+              <a:ext uri="{FF2B5EF4-FFF2-40B4-BE49-F238E27FC236}">
+                <a16:creationId xmlns:a16="http://schemas.microsoft.com/office/drawing/2014/main" id="{16EB05B8-2EA3-434E-A806-6BA4FC2ADD17}"/>
+              </a:ext>
+            </a:extLst>
+          </p:cNvPr>
+          <p:cNvSpPr/>
+          <p:nvPr/>
+        </p:nvSpPr>
+        <p:spPr>
+          <a:xfrm>
+            <a:off x="3984398" y="3396781"/>
+            <a:ext cx="235670" cy="301658"/>
+          </a:xfrm>
+          <a:prstGeom prst="rect">
+            <a:avLst/>
+          </a:prstGeom>
+          <a:solidFill>
+            <a:schemeClr val="accent1">
+              <a:lumMod val="40000"/>
+              <a:lumOff val="60000"/>
+            </a:schemeClr>
+          </a:solidFill>
+        </p:spPr>
+        <p:style>
+          <a:lnRef idx="2">
+            <a:schemeClr val="accent1">
+              <a:shade val="50000"/>
+            </a:schemeClr>
+          </a:lnRef>
+          <a:fillRef idx="1">
+            <a:schemeClr val="accent1"/>
+          </a:fillRef>
+          <a:effectRef idx="0">
+            <a:schemeClr val="accent1"/>
+          </a:effectRef>
+          <a:fontRef idx="minor">
+            <a:schemeClr val="lt1"/>
+          </a:fontRef>
+        </p:style>
+        <p:txBody>
+          <a:bodyPr rtlCol="0" anchor="ctr"/>
+          <a:lstStyle/>
+          <a:p>
+            <a:pPr algn="ctr"/>
+            <a:endParaRPr lang="en-US"/>
+          </a:p>
+        </p:txBody>
+      </p:sp>
+      <p:sp>
+        <p:nvSpPr>
+          <p:cNvPr id="122" name="Rectangle 121">
+            <a:extLst>
+              <a:ext uri="{FF2B5EF4-FFF2-40B4-BE49-F238E27FC236}">
+                <a16:creationId xmlns:a16="http://schemas.microsoft.com/office/drawing/2014/main" id="{FA67134E-DB83-9B42-9028-FBE19F3DB108}"/>
+              </a:ext>
+            </a:extLst>
+          </p:cNvPr>
+          <p:cNvSpPr/>
+          <p:nvPr/>
+        </p:nvSpPr>
+        <p:spPr>
+          <a:xfrm>
+            <a:off x="4220068" y="3396781"/>
+            <a:ext cx="235670" cy="301658"/>
+          </a:xfrm>
+          <a:prstGeom prst="rect">
+            <a:avLst/>
+          </a:prstGeom>
+          <a:solidFill>
+            <a:schemeClr val="accent1">
+              <a:lumMod val="40000"/>
+              <a:lumOff val="60000"/>
+            </a:schemeClr>
+          </a:solidFill>
+        </p:spPr>
+        <p:style>
+          <a:lnRef idx="2">
+            <a:schemeClr val="accent1">
+              <a:shade val="50000"/>
+            </a:schemeClr>
+          </a:lnRef>
+          <a:fillRef idx="1">
+            <a:schemeClr val="accent1"/>
+          </a:fillRef>
+          <a:effectRef idx="0">
+            <a:schemeClr val="accent1"/>
+          </a:effectRef>
+          <a:fontRef idx="minor">
+            <a:schemeClr val="lt1"/>
+          </a:fontRef>
+        </p:style>
+        <p:txBody>
+          <a:bodyPr rtlCol="0" anchor="ctr"/>
+          <a:lstStyle/>
+          <a:p>
+            <a:pPr algn="ctr"/>
+            <a:endParaRPr lang="en-US"/>
+          </a:p>
+        </p:txBody>
+      </p:sp>
+      <p:sp>
+        <p:nvSpPr>
+          <p:cNvPr id="123" name="Rectangle 122">
+            <a:extLst>
+              <a:ext uri="{FF2B5EF4-FFF2-40B4-BE49-F238E27FC236}">
+                <a16:creationId xmlns:a16="http://schemas.microsoft.com/office/drawing/2014/main" id="{C0FDAFC2-97D5-3844-AEB8-C4D77BEF9DCB}"/>
+              </a:ext>
+            </a:extLst>
+          </p:cNvPr>
+          <p:cNvSpPr/>
+          <p:nvPr/>
+        </p:nvSpPr>
+        <p:spPr>
+          <a:xfrm>
+            <a:off x="4455738" y="3396781"/>
+            <a:ext cx="235670" cy="301658"/>
+          </a:xfrm>
+          <a:prstGeom prst="rect">
+            <a:avLst/>
+          </a:prstGeom>
+          <a:solidFill>
+            <a:schemeClr val="accent1">
+              <a:lumMod val="40000"/>
+              <a:lumOff val="60000"/>
+            </a:schemeClr>
+          </a:solidFill>
+        </p:spPr>
+        <p:style>
+          <a:lnRef idx="2">
+            <a:schemeClr val="accent1">
+              <a:shade val="50000"/>
+            </a:schemeClr>
+          </a:lnRef>
+          <a:fillRef idx="1">
+            <a:schemeClr val="accent1"/>
+          </a:fillRef>
+          <a:effectRef idx="0">
+            <a:schemeClr val="accent1"/>
+          </a:effectRef>
+          <a:fontRef idx="minor">
+            <a:schemeClr val="lt1"/>
+          </a:fontRef>
+        </p:style>
+        <p:txBody>
+          <a:bodyPr rtlCol="0" anchor="ctr"/>
+          <a:lstStyle/>
+          <a:p>
+            <a:pPr algn="ctr"/>
+            <a:endParaRPr lang="en-US"/>
+          </a:p>
+        </p:txBody>
+      </p:sp>
+      <p:sp>
+        <p:nvSpPr>
+          <p:cNvPr id="124" name="Rectangle 123">
+            <a:extLst>
+              <a:ext uri="{FF2B5EF4-FFF2-40B4-BE49-F238E27FC236}">
+                <a16:creationId xmlns:a16="http://schemas.microsoft.com/office/drawing/2014/main" id="{DA4EE9E4-D7B9-7A4F-8E71-CA450DFB5637}"/>
+              </a:ext>
+            </a:extLst>
+          </p:cNvPr>
+          <p:cNvSpPr/>
+          <p:nvPr/>
+        </p:nvSpPr>
+        <p:spPr>
+          <a:xfrm>
+            <a:off x="4691408" y="3396781"/>
+            <a:ext cx="235670" cy="301658"/>
+          </a:xfrm>
+          <a:prstGeom prst="rect">
+            <a:avLst/>
+          </a:prstGeom>
+          <a:solidFill>
+            <a:schemeClr val="accent1">
+              <a:lumMod val="40000"/>
+              <a:lumOff val="60000"/>
+            </a:schemeClr>
+          </a:solidFill>
+        </p:spPr>
+        <p:style>
+          <a:lnRef idx="2">
+            <a:schemeClr val="accent1">
+              <a:shade val="50000"/>
+            </a:schemeClr>
+          </a:lnRef>
+          <a:fillRef idx="1">
+            <a:schemeClr val="accent1"/>
+          </a:fillRef>
+          <a:effectRef idx="0">
+            <a:schemeClr val="accent1"/>
+          </a:effectRef>
+          <a:fontRef idx="minor">
+            <a:schemeClr val="lt1"/>
+          </a:fontRef>
+        </p:style>
+        <p:txBody>
+          <a:bodyPr rtlCol="0" anchor="ctr"/>
+          <a:lstStyle/>
+          <a:p>
+            <a:pPr algn="ctr"/>
+            <a:endParaRPr lang="en-US"/>
+          </a:p>
+        </p:txBody>
+      </p:sp>
+      <p:sp>
+        <p:nvSpPr>
+          <p:cNvPr id="129" name="TextBox 128">
+            <a:extLst>
+              <a:ext uri="{FF2B5EF4-FFF2-40B4-BE49-F238E27FC236}">
+                <a16:creationId xmlns:a16="http://schemas.microsoft.com/office/drawing/2014/main" id="{53393AA6-E50E-404E-9A48-265A7124E73E}"/>
+              </a:ext>
+            </a:extLst>
+          </p:cNvPr>
+          <p:cNvSpPr txBox="1"/>
+          <p:nvPr/>
+        </p:nvSpPr>
+        <p:spPr>
+          <a:xfrm>
+            <a:off x="3501630" y="3340105"/>
+            <a:ext cx="360996" cy="400110"/>
+          </a:xfrm>
+          <a:prstGeom prst="rect">
+            <a:avLst/>
+          </a:prstGeom>
+          <a:noFill/>
+        </p:spPr>
+        <p:txBody>
+          <a:bodyPr wrap="none" rtlCol="0">
+            <a:spAutoFit/>
+          </a:bodyPr>
+          <a:lstStyle/>
+          <a:p>
+            <a:r>
+              <a:rPr lang="en-US" sz="2000"/>
+              <a:t>…</a:t>
+            </a:r>
+          </a:p>
+        </p:txBody>
+      </p:sp>
+      <p:sp>
+        <p:nvSpPr>
+          <p:cNvPr id="130" name="Rectangle 129">
+            <a:extLst>
+              <a:ext uri="{FF2B5EF4-FFF2-40B4-BE49-F238E27FC236}">
+                <a16:creationId xmlns:a16="http://schemas.microsoft.com/office/drawing/2014/main" id="{449E32D6-1D31-B34B-A937-AEAA95DFC657}"/>
+              </a:ext>
+            </a:extLst>
+          </p:cNvPr>
+          <p:cNvSpPr/>
+          <p:nvPr/>
+        </p:nvSpPr>
+        <p:spPr>
+          <a:xfrm>
+            <a:off x="1390456" y="3698439"/>
+            <a:ext cx="235670" cy="301658"/>
+          </a:xfrm>
+          <a:prstGeom prst="rect">
+            <a:avLst/>
+          </a:prstGeom>
+          <a:solidFill>
+            <a:schemeClr val="accent1">
+              <a:lumMod val="40000"/>
+              <a:lumOff val="60000"/>
+            </a:schemeClr>
+          </a:solidFill>
+        </p:spPr>
+        <p:style>
+          <a:lnRef idx="2">
+            <a:schemeClr val="accent1">
+              <a:shade val="50000"/>
+            </a:schemeClr>
+          </a:lnRef>
+          <a:fillRef idx="1">
+            <a:schemeClr val="accent1"/>
+          </a:fillRef>
+          <a:effectRef idx="0">
+            <a:schemeClr val="accent1"/>
+          </a:effectRef>
+          <a:fontRef idx="minor">
+            <a:schemeClr val="lt1"/>
+          </a:fontRef>
+        </p:style>
+        <p:txBody>
+          <a:bodyPr rtlCol="0" anchor="ctr"/>
+          <a:lstStyle/>
+          <a:p>
+            <a:pPr algn="ctr"/>
+            <a:endParaRPr lang="en-US"/>
+          </a:p>
+        </p:txBody>
+      </p:sp>
+      <p:sp>
+        <p:nvSpPr>
+          <p:cNvPr id="131" name="Rectangle 130">
+            <a:extLst>
+              <a:ext uri="{FF2B5EF4-FFF2-40B4-BE49-F238E27FC236}">
+                <a16:creationId xmlns:a16="http://schemas.microsoft.com/office/drawing/2014/main" id="{F6920EA4-02B7-AE4B-AB24-EAC3ECF0A76D}"/>
+              </a:ext>
+            </a:extLst>
+          </p:cNvPr>
+          <p:cNvSpPr/>
+          <p:nvPr/>
+        </p:nvSpPr>
+        <p:spPr>
+          <a:xfrm>
+            <a:off x="1626126" y="3698439"/>
+            <a:ext cx="235670" cy="301658"/>
+          </a:xfrm>
+          <a:prstGeom prst="rect">
+            <a:avLst/>
+          </a:prstGeom>
+          <a:solidFill>
+            <a:schemeClr val="accent1">
+              <a:lumMod val="40000"/>
+              <a:lumOff val="60000"/>
+            </a:schemeClr>
+          </a:solidFill>
+        </p:spPr>
+        <p:style>
+          <a:lnRef idx="2">
+            <a:schemeClr val="accent1">
+              <a:shade val="50000"/>
+            </a:schemeClr>
+          </a:lnRef>
+          <a:fillRef idx="1">
+            <a:schemeClr val="accent1"/>
+          </a:fillRef>
+          <a:effectRef idx="0">
+            <a:schemeClr val="accent1"/>
+          </a:effectRef>
+          <a:fontRef idx="minor">
+            <a:schemeClr val="lt1"/>
+          </a:fontRef>
+        </p:style>
+        <p:txBody>
+          <a:bodyPr rtlCol="0" anchor="ctr"/>
+          <a:lstStyle/>
+          <a:p>
+            <a:pPr algn="ctr"/>
+            <a:endParaRPr lang="en-US"/>
+          </a:p>
+        </p:txBody>
+      </p:sp>
+      <p:sp>
+        <p:nvSpPr>
+          <p:cNvPr id="132" name="Rectangle 131">
+            <a:extLst>
+              <a:ext uri="{FF2B5EF4-FFF2-40B4-BE49-F238E27FC236}">
+                <a16:creationId xmlns:a16="http://schemas.microsoft.com/office/drawing/2014/main" id="{1A525488-14E1-8B4F-8497-060C8BA99D3C}"/>
+              </a:ext>
+            </a:extLst>
+          </p:cNvPr>
+          <p:cNvSpPr/>
+          <p:nvPr/>
+        </p:nvSpPr>
+        <p:spPr>
+          <a:xfrm>
+            <a:off x="1861796" y="3698439"/>
+            <a:ext cx="235670" cy="301658"/>
+          </a:xfrm>
+          <a:prstGeom prst="rect">
+            <a:avLst/>
+          </a:prstGeom>
+          <a:solidFill>
+            <a:schemeClr val="accent1">
+              <a:lumMod val="40000"/>
+              <a:lumOff val="60000"/>
+            </a:schemeClr>
+          </a:solidFill>
+        </p:spPr>
+        <p:style>
+          <a:lnRef idx="2">
+            <a:schemeClr val="accent1">
+              <a:shade val="50000"/>
+            </a:schemeClr>
+          </a:lnRef>
+          <a:fillRef idx="1">
+            <a:schemeClr val="accent1"/>
+          </a:fillRef>
+          <a:effectRef idx="0">
+            <a:schemeClr val="accent1"/>
+          </a:effectRef>
+          <a:fontRef idx="minor">
+            <a:schemeClr val="lt1"/>
+          </a:fontRef>
+        </p:style>
+        <p:txBody>
+          <a:bodyPr rtlCol="0" anchor="ctr"/>
+          <a:lstStyle/>
+          <a:p>
+            <a:pPr algn="ctr"/>
+            <a:endParaRPr lang="en-US"/>
+          </a:p>
+        </p:txBody>
+      </p:sp>
+      <p:sp>
+        <p:nvSpPr>
+          <p:cNvPr id="133" name="Rectangle 132">
+            <a:extLst>
+              <a:ext uri="{FF2B5EF4-FFF2-40B4-BE49-F238E27FC236}">
+                <a16:creationId xmlns:a16="http://schemas.microsoft.com/office/drawing/2014/main" id="{5E5F598C-3266-3F41-9AFB-1E9468900756}"/>
+              </a:ext>
+            </a:extLst>
+          </p:cNvPr>
+          <p:cNvSpPr/>
+          <p:nvPr/>
+        </p:nvSpPr>
+        <p:spPr>
+          <a:xfrm>
+            <a:off x="2097466" y="3698439"/>
+            <a:ext cx="235670" cy="301658"/>
+          </a:xfrm>
+          <a:prstGeom prst="rect">
+            <a:avLst/>
+          </a:prstGeom>
+          <a:solidFill>
+            <a:schemeClr val="accent1">
+              <a:lumMod val="40000"/>
+              <a:lumOff val="60000"/>
+            </a:schemeClr>
+          </a:solidFill>
+        </p:spPr>
+        <p:style>
+          <a:lnRef idx="2">
+            <a:schemeClr val="accent1">
+              <a:shade val="50000"/>
+            </a:schemeClr>
+          </a:lnRef>
+          <a:fillRef idx="1">
+            <a:schemeClr val="accent1"/>
+          </a:fillRef>
+          <a:effectRef idx="0">
+            <a:schemeClr val="accent1"/>
+          </a:effectRef>
+          <a:fontRef idx="minor">
+            <a:schemeClr val="lt1"/>
+          </a:fontRef>
+        </p:style>
+        <p:txBody>
+          <a:bodyPr rtlCol="0" anchor="ctr"/>
+          <a:lstStyle/>
+          <a:p>
+            <a:pPr algn="ctr"/>
+            <a:endParaRPr lang="en-US"/>
+          </a:p>
+        </p:txBody>
+      </p:sp>
+      <p:sp>
+        <p:nvSpPr>
+          <p:cNvPr id="134" name="Rectangle 133">
+            <a:extLst>
+              <a:ext uri="{FF2B5EF4-FFF2-40B4-BE49-F238E27FC236}">
+                <a16:creationId xmlns:a16="http://schemas.microsoft.com/office/drawing/2014/main" id="{3324023A-12DB-964E-ACFD-539B91965A26}"/>
+              </a:ext>
+            </a:extLst>
+          </p:cNvPr>
+          <p:cNvSpPr/>
+          <p:nvPr/>
+        </p:nvSpPr>
+        <p:spPr>
+          <a:xfrm>
+            <a:off x="2333136" y="3698439"/>
+            <a:ext cx="235670" cy="301658"/>
+          </a:xfrm>
+          <a:prstGeom prst="rect">
+            <a:avLst/>
+          </a:prstGeom>
+          <a:solidFill>
+            <a:schemeClr val="accent1">
+              <a:lumMod val="40000"/>
+              <a:lumOff val="60000"/>
+            </a:schemeClr>
+          </a:solidFill>
+        </p:spPr>
+        <p:style>
+          <a:lnRef idx="2">
+            <a:schemeClr val="accent1">
+              <a:shade val="50000"/>
+            </a:schemeClr>
+          </a:lnRef>
+          <a:fillRef idx="1">
+            <a:schemeClr val="accent1"/>
+          </a:fillRef>
+          <a:effectRef idx="0">
+            <a:schemeClr val="accent1"/>
+          </a:effectRef>
+          <a:fontRef idx="minor">
+            <a:schemeClr val="lt1"/>
+          </a:fontRef>
+        </p:style>
+        <p:txBody>
+          <a:bodyPr rtlCol="0" anchor="ctr"/>
+          <a:lstStyle/>
+          <a:p>
+            <a:pPr algn="ctr"/>
+            <a:endParaRPr lang="en-US"/>
+          </a:p>
+        </p:txBody>
+      </p:sp>
+      <p:sp>
+        <p:nvSpPr>
+          <p:cNvPr id="135" name="Rectangle 134">
+            <a:extLst>
+              <a:ext uri="{FF2B5EF4-FFF2-40B4-BE49-F238E27FC236}">
+                <a16:creationId xmlns:a16="http://schemas.microsoft.com/office/drawing/2014/main" id="{C034F6C2-5143-2F43-A3D6-20892CDE48EE}"/>
+              </a:ext>
+            </a:extLst>
+          </p:cNvPr>
+          <p:cNvSpPr/>
+          <p:nvPr/>
+        </p:nvSpPr>
+        <p:spPr>
+          <a:xfrm>
+            <a:off x="2568806" y="3698439"/>
+            <a:ext cx="235670" cy="301658"/>
+          </a:xfrm>
+          <a:prstGeom prst="rect">
+            <a:avLst/>
+          </a:prstGeom>
+          <a:solidFill>
+            <a:schemeClr val="accent1">
+              <a:lumMod val="40000"/>
+              <a:lumOff val="60000"/>
+            </a:schemeClr>
+          </a:solidFill>
+        </p:spPr>
+        <p:style>
+          <a:lnRef idx="2">
+            <a:schemeClr val="accent1">
+              <a:shade val="50000"/>
+            </a:schemeClr>
+          </a:lnRef>
+          <a:fillRef idx="1">
+            <a:schemeClr val="accent1"/>
+          </a:fillRef>
+          <a:effectRef idx="0">
+            <a:schemeClr val="accent1"/>
+          </a:effectRef>
+          <a:fontRef idx="minor">
+            <a:schemeClr val="lt1"/>
+          </a:fontRef>
+        </p:style>
+        <p:txBody>
+          <a:bodyPr rtlCol="0" anchor="ctr"/>
+          <a:lstStyle/>
+          <a:p>
+            <a:pPr algn="ctr"/>
+            <a:endParaRPr lang="en-US"/>
+          </a:p>
+        </p:txBody>
+      </p:sp>
+      <p:sp>
+        <p:nvSpPr>
+          <p:cNvPr id="136" name="Rectangle 135">
+            <a:extLst>
+              <a:ext uri="{FF2B5EF4-FFF2-40B4-BE49-F238E27FC236}">
+                <a16:creationId xmlns:a16="http://schemas.microsoft.com/office/drawing/2014/main" id="{F19F2087-6D50-8342-8352-62A3D3A7CE2C}"/>
+              </a:ext>
+            </a:extLst>
+          </p:cNvPr>
+          <p:cNvSpPr/>
+          <p:nvPr/>
+        </p:nvSpPr>
+        <p:spPr>
+          <a:xfrm>
+            <a:off x="2804476" y="3698439"/>
+            <a:ext cx="235670" cy="301658"/>
+          </a:xfrm>
+          <a:prstGeom prst="rect">
+            <a:avLst/>
+          </a:prstGeom>
+          <a:solidFill>
+            <a:schemeClr val="accent1">
+              <a:lumMod val="40000"/>
+              <a:lumOff val="60000"/>
+            </a:schemeClr>
+          </a:solidFill>
+        </p:spPr>
+        <p:style>
+          <a:lnRef idx="2">
+            <a:schemeClr val="accent1">
+              <a:shade val="50000"/>
+            </a:schemeClr>
+          </a:lnRef>
+          <a:fillRef idx="1">
+            <a:schemeClr val="accent1"/>
+          </a:fillRef>
+          <a:effectRef idx="0">
+            <a:schemeClr val="accent1"/>
+          </a:effectRef>
+          <a:fontRef idx="minor">
+            <a:schemeClr val="lt1"/>
+          </a:fontRef>
+        </p:style>
+        <p:txBody>
+          <a:bodyPr rtlCol="0" anchor="ctr"/>
+          <a:lstStyle/>
+          <a:p>
+            <a:pPr algn="ctr"/>
+            <a:endParaRPr lang="en-US"/>
+          </a:p>
+        </p:txBody>
+      </p:sp>
+      <p:sp>
+        <p:nvSpPr>
+          <p:cNvPr id="137" name="Rectangle 136">
+            <a:extLst>
+              <a:ext uri="{FF2B5EF4-FFF2-40B4-BE49-F238E27FC236}">
+                <a16:creationId xmlns:a16="http://schemas.microsoft.com/office/drawing/2014/main" id="{25FE5EC2-8C8A-E343-A43F-4CC30D220699}"/>
+              </a:ext>
+            </a:extLst>
+          </p:cNvPr>
+          <p:cNvSpPr/>
+          <p:nvPr/>
+        </p:nvSpPr>
+        <p:spPr>
+          <a:xfrm>
+            <a:off x="3040146" y="3698439"/>
+            <a:ext cx="235670" cy="301658"/>
+          </a:xfrm>
+          <a:prstGeom prst="rect">
+            <a:avLst/>
+          </a:prstGeom>
+          <a:solidFill>
+            <a:schemeClr val="accent1">
+              <a:lumMod val="40000"/>
+              <a:lumOff val="60000"/>
+            </a:schemeClr>
+          </a:solidFill>
+        </p:spPr>
+        <p:style>
+          <a:lnRef idx="2">
+            <a:schemeClr val="accent1">
+              <a:shade val="50000"/>
+            </a:schemeClr>
+          </a:lnRef>
+          <a:fillRef idx="1">
+            <a:schemeClr val="accent1"/>
+          </a:fillRef>
+          <a:effectRef idx="0">
+            <a:schemeClr val="accent1"/>
+          </a:effectRef>
+          <a:fontRef idx="minor">
+            <a:schemeClr val="lt1"/>
+          </a:fontRef>
+        </p:style>
+        <p:txBody>
+          <a:bodyPr rtlCol="0" anchor="ctr"/>
+          <a:lstStyle/>
+          <a:p>
+            <a:pPr algn="ctr"/>
+            <a:endParaRPr lang="en-US"/>
+          </a:p>
+        </p:txBody>
+      </p:sp>
+      <p:sp>
+        <p:nvSpPr>
+          <p:cNvPr id="138" name="Rectangle 137">
+            <a:extLst>
+              <a:ext uri="{FF2B5EF4-FFF2-40B4-BE49-F238E27FC236}">
+                <a16:creationId xmlns:a16="http://schemas.microsoft.com/office/drawing/2014/main" id="{38918FC8-1723-A14F-AF9C-912EA5B8E59F}"/>
+              </a:ext>
+            </a:extLst>
+          </p:cNvPr>
+          <p:cNvSpPr/>
+          <p:nvPr/>
+        </p:nvSpPr>
+        <p:spPr>
+          <a:xfrm>
+            <a:off x="3984398" y="3698439"/>
+            <a:ext cx="235670" cy="301658"/>
+          </a:xfrm>
+          <a:prstGeom prst="rect">
+            <a:avLst/>
+          </a:prstGeom>
+          <a:solidFill>
+            <a:schemeClr val="accent1">
+              <a:lumMod val="40000"/>
+              <a:lumOff val="60000"/>
+            </a:schemeClr>
+          </a:solidFill>
+        </p:spPr>
+        <p:style>
+          <a:lnRef idx="2">
+            <a:schemeClr val="accent1">
+              <a:shade val="50000"/>
+            </a:schemeClr>
+          </a:lnRef>
+          <a:fillRef idx="1">
+            <a:schemeClr val="accent1"/>
+          </a:fillRef>
+          <a:effectRef idx="0">
+            <a:schemeClr val="accent1"/>
+          </a:effectRef>
+          <a:fontRef idx="minor">
+            <a:schemeClr val="lt1"/>
+          </a:fontRef>
+        </p:style>
+        <p:txBody>
+          <a:bodyPr rtlCol="0" anchor="ctr"/>
+          <a:lstStyle/>
+          <a:p>
+            <a:pPr algn="ctr"/>
+            <a:endParaRPr lang="en-US"/>
+          </a:p>
+        </p:txBody>
+      </p:sp>
+      <p:sp>
+        <p:nvSpPr>
+          <p:cNvPr id="139" name="Rectangle 138">
+            <a:extLst>
+              <a:ext uri="{FF2B5EF4-FFF2-40B4-BE49-F238E27FC236}">
+                <a16:creationId xmlns:a16="http://schemas.microsoft.com/office/drawing/2014/main" id="{F01A2093-6545-614D-88E4-065FD23AA8B5}"/>
+              </a:ext>
+            </a:extLst>
+          </p:cNvPr>
+          <p:cNvSpPr/>
+          <p:nvPr/>
+        </p:nvSpPr>
+        <p:spPr>
+          <a:xfrm>
+            <a:off x="4220068" y="3698439"/>
+            <a:ext cx="235670" cy="301658"/>
+          </a:xfrm>
+          <a:prstGeom prst="rect">
+            <a:avLst/>
+          </a:prstGeom>
+          <a:solidFill>
+            <a:schemeClr val="accent1">
+              <a:lumMod val="40000"/>
+              <a:lumOff val="60000"/>
+            </a:schemeClr>
+          </a:solidFill>
+        </p:spPr>
+        <p:style>
+          <a:lnRef idx="2">
+            <a:schemeClr val="accent1">
+              <a:shade val="50000"/>
+            </a:schemeClr>
+          </a:lnRef>
+          <a:fillRef idx="1">
+            <a:schemeClr val="accent1"/>
+          </a:fillRef>
+          <a:effectRef idx="0">
+            <a:schemeClr val="accent1"/>
+          </a:effectRef>
+          <a:fontRef idx="minor">
+            <a:schemeClr val="lt1"/>
+          </a:fontRef>
+        </p:style>
+        <p:txBody>
+          <a:bodyPr rtlCol="0" anchor="ctr"/>
+          <a:lstStyle/>
+          <a:p>
+            <a:pPr algn="ctr"/>
+            <a:endParaRPr lang="en-US"/>
+          </a:p>
+        </p:txBody>
+      </p:sp>
+      <p:sp>
+        <p:nvSpPr>
+          <p:cNvPr id="140" name="Rectangle 139">
+            <a:extLst>
+              <a:ext uri="{FF2B5EF4-FFF2-40B4-BE49-F238E27FC236}">
+                <a16:creationId xmlns:a16="http://schemas.microsoft.com/office/drawing/2014/main" id="{F3ECB4C2-8F8E-1A49-A98E-4709820758E7}"/>
+              </a:ext>
+            </a:extLst>
+          </p:cNvPr>
+          <p:cNvSpPr/>
+          <p:nvPr/>
+        </p:nvSpPr>
+        <p:spPr>
+          <a:xfrm>
+            <a:off x="4455738" y="3698439"/>
+            <a:ext cx="235670" cy="301658"/>
+          </a:xfrm>
+          <a:prstGeom prst="rect">
+            <a:avLst/>
+          </a:prstGeom>
+          <a:solidFill>
+            <a:schemeClr val="accent1">
+              <a:lumMod val="40000"/>
+              <a:lumOff val="60000"/>
+            </a:schemeClr>
+          </a:solidFill>
+        </p:spPr>
+        <p:style>
+          <a:lnRef idx="2">
+            <a:schemeClr val="accent1">
+              <a:shade val="50000"/>
+            </a:schemeClr>
+          </a:lnRef>
+          <a:fillRef idx="1">
+            <a:schemeClr val="accent1"/>
+          </a:fillRef>
+          <a:effectRef idx="0">
+            <a:schemeClr val="accent1"/>
+          </a:effectRef>
+          <a:fontRef idx="minor">
+            <a:schemeClr val="lt1"/>
+          </a:fontRef>
+        </p:style>
+        <p:txBody>
+          <a:bodyPr rtlCol="0" anchor="ctr"/>
+          <a:lstStyle/>
+          <a:p>
+            <a:pPr algn="ctr"/>
+            <a:endParaRPr lang="en-US"/>
+          </a:p>
+        </p:txBody>
+      </p:sp>
+      <p:sp>
+        <p:nvSpPr>
+          <p:cNvPr id="141" name="Rectangle 140">
+            <a:extLst>
+              <a:ext uri="{FF2B5EF4-FFF2-40B4-BE49-F238E27FC236}">
+                <a16:creationId xmlns:a16="http://schemas.microsoft.com/office/drawing/2014/main" id="{D8518E79-A158-534B-B1E7-2C4126AE81CF}"/>
+              </a:ext>
+            </a:extLst>
+          </p:cNvPr>
+          <p:cNvSpPr/>
+          <p:nvPr/>
+        </p:nvSpPr>
+        <p:spPr>
+          <a:xfrm>
+            <a:off x="4691408" y="3698439"/>
+            <a:ext cx="235670" cy="301658"/>
+          </a:xfrm>
+          <a:prstGeom prst="rect">
+            <a:avLst/>
+          </a:prstGeom>
+          <a:solidFill>
+            <a:schemeClr val="accent1">
+              <a:lumMod val="40000"/>
+              <a:lumOff val="60000"/>
+            </a:schemeClr>
+          </a:solidFill>
+        </p:spPr>
+        <p:style>
+          <a:lnRef idx="2">
+            <a:schemeClr val="accent1">
+              <a:shade val="50000"/>
+            </a:schemeClr>
+          </a:lnRef>
+          <a:fillRef idx="1">
+            <a:schemeClr val="accent1"/>
+          </a:fillRef>
+          <a:effectRef idx="0">
+            <a:schemeClr val="accent1"/>
+          </a:effectRef>
+          <a:fontRef idx="minor">
+            <a:schemeClr val="lt1"/>
+          </a:fontRef>
+        </p:style>
+        <p:txBody>
+          <a:bodyPr rtlCol="0" anchor="ctr"/>
+          <a:lstStyle/>
+          <a:p>
+            <a:pPr algn="ctr"/>
+            <a:endParaRPr lang="en-US"/>
+          </a:p>
+        </p:txBody>
+      </p:sp>
+      <p:sp>
+        <p:nvSpPr>
+          <p:cNvPr id="146" name="TextBox 145">
+            <a:extLst>
+              <a:ext uri="{FF2B5EF4-FFF2-40B4-BE49-F238E27FC236}">
+                <a16:creationId xmlns:a16="http://schemas.microsoft.com/office/drawing/2014/main" id="{B643FA69-E026-5D4B-9102-526BF0A4F259}"/>
+              </a:ext>
+            </a:extLst>
+          </p:cNvPr>
+          <p:cNvSpPr txBox="1"/>
+          <p:nvPr/>
+        </p:nvSpPr>
+        <p:spPr>
+          <a:xfrm>
+            <a:off x="3501630" y="3641763"/>
+            <a:ext cx="360996" cy="400110"/>
+          </a:xfrm>
+          <a:prstGeom prst="rect">
+            <a:avLst/>
+          </a:prstGeom>
+          <a:noFill/>
+        </p:spPr>
+        <p:txBody>
+          <a:bodyPr wrap="none" rtlCol="0">
+            <a:spAutoFit/>
+          </a:bodyPr>
+          <a:lstStyle/>
+          <a:p>
+            <a:r>
+              <a:rPr lang="en-US" sz="2000"/>
+              <a:t>…</a:t>
+            </a:r>
+          </a:p>
+        </p:txBody>
+      </p:sp>
+      <p:sp>
+        <p:nvSpPr>
+          <p:cNvPr id="147" name="Rectangle 146">
+            <a:extLst>
+              <a:ext uri="{FF2B5EF4-FFF2-40B4-BE49-F238E27FC236}">
+                <a16:creationId xmlns:a16="http://schemas.microsoft.com/office/drawing/2014/main" id="{0DE0A5C1-580D-C648-A65F-79FFDCFE7546}"/>
+              </a:ext>
+            </a:extLst>
+          </p:cNvPr>
+          <p:cNvSpPr/>
+          <p:nvPr/>
+        </p:nvSpPr>
+        <p:spPr>
+          <a:xfrm>
+            <a:off x="1390456" y="4000097"/>
+            <a:ext cx="235670" cy="301658"/>
+          </a:xfrm>
+          <a:prstGeom prst="rect">
+            <a:avLst/>
+          </a:prstGeom>
+          <a:solidFill>
+            <a:schemeClr val="accent1">
+              <a:lumMod val="40000"/>
+              <a:lumOff val="60000"/>
+            </a:schemeClr>
+          </a:solidFill>
+        </p:spPr>
+        <p:style>
+          <a:lnRef idx="2">
+            <a:schemeClr val="accent1">
+              <a:shade val="50000"/>
+            </a:schemeClr>
+          </a:lnRef>
+          <a:fillRef idx="1">
+            <a:schemeClr val="accent1"/>
+          </a:fillRef>
+          <a:effectRef idx="0">
+            <a:schemeClr val="accent1"/>
+          </a:effectRef>
+          <a:fontRef idx="minor">
+            <a:schemeClr val="lt1"/>
+          </a:fontRef>
+        </p:style>
+        <p:txBody>
+          <a:bodyPr rtlCol="0" anchor="ctr"/>
+          <a:lstStyle/>
+          <a:p>
+            <a:pPr algn="ctr"/>
+            <a:endParaRPr lang="en-US"/>
+          </a:p>
+        </p:txBody>
+      </p:sp>
+      <p:sp>
+        <p:nvSpPr>
+          <p:cNvPr id="148" name="Rectangle 147">
+            <a:extLst>
+              <a:ext uri="{FF2B5EF4-FFF2-40B4-BE49-F238E27FC236}">
+                <a16:creationId xmlns:a16="http://schemas.microsoft.com/office/drawing/2014/main" id="{B9F82748-915E-F240-B10C-F410EEF1D402}"/>
+              </a:ext>
+            </a:extLst>
+          </p:cNvPr>
+          <p:cNvSpPr/>
+          <p:nvPr/>
+        </p:nvSpPr>
+        <p:spPr>
+          <a:xfrm>
+            <a:off x="1626126" y="4000097"/>
+            <a:ext cx="235670" cy="301658"/>
+          </a:xfrm>
+          <a:prstGeom prst="rect">
+            <a:avLst/>
+          </a:prstGeom>
+          <a:solidFill>
+            <a:schemeClr val="accent1">
+              <a:lumMod val="40000"/>
+              <a:lumOff val="60000"/>
+            </a:schemeClr>
+          </a:solidFill>
+        </p:spPr>
+        <p:style>
+          <a:lnRef idx="2">
+            <a:schemeClr val="accent1">
+              <a:shade val="50000"/>
+            </a:schemeClr>
+          </a:lnRef>
+          <a:fillRef idx="1">
+            <a:schemeClr val="accent1"/>
+          </a:fillRef>
+          <a:effectRef idx="0">
+            <a:schemeClr val="accent1"/>
+          </a:effectRef>
+          <a:fontRef idx="minor">
+            <a:schemeClr val="lt1"/>
+          </a:fontRef>
+        </p:style>
+        <p:txBody>
+          <a:bodyPr rtlCol="0" anchor="ctr"/>
+          <a:lstStyle/>
+          <a:p>
+            <a:pPr algn="ctr"/>
+            <a:endParaRPr lang="en-US"/>
+          </a:p>
+        </p:txBody>
+      </p:sp>
+      <p:sp>
+        <p:nvSpPr>
+          <p:cNvPr id="149" name="Rectangle 148">
+            <a:extLst>
+              <a:ext uri="{FF2B5EF4-FFF2-40B4-BE49-F238E27FC236}">
+                <a16:creationId xmlns:a16="http://schemas.microsoft.com/office/drawing/2014/main" id="{CF6FC4F2-2831-1144-93ED-1C85B49DAE7B}"/>
+              </a:ext>
+            </a:extLst>
+          </p:cNvPr>
+          <p:cNvSpPr/>
+          <p:nvPr/>
+        </p:nvSpPr>
+        <p:spPr>
+          <a:xfrm>
+            <a:off x="1861796" y="4000097"/>
+            <a:ext cx="235670" cy="301658"/>
+          </a:xfrm>
+          <a:prstGeom prst="rect">
+            <a:avLst/>
+          </a:prstGeom>
+          <a:solidFill>
+            <a:schemeClr val="accent1">
+              <a:lumMod val="40000"/>
+              <a:lumOff val="60000"/>
+            </a:schemeClr>
+          </a:solidFill>
+        </p:spPr>
+        <p:style>
+          <a:lnRef idx="2">
+            <a:schemeClr val="accent1">
+              <a:shade val="50000"/>
+            </a:schemeClr>
+          </a:lnRef>
+          <a:fillRef idx="1">
+            <a:schemeClr val="accent1"/>
+          </a:fillRef>
+          <a:effectRef idx="0">
+            <a:schemeClr val="accent1"/>
+          </a:effectRef>
+          <a:fontRef idx="minor">
+            <a:schemeClr val="lt1"/>
+          </a:fontRef>
+        </p:style>
+        <p:txBody>
+          <a:bodyPr rtlCol="0" anchor="ctr"/>
+          <a:lstStyle/>
+          <a:p>
+            <a:pPr algn="ctr"/>
+            <a:endParaRPr lang="en-US"/>
+          </a:p>
+        </p:txBody>
+      </p:sp>
+      <p:sp>
+        <p:nvSpPr>
+          <p:cNvPr id="150" name="Rectangle 149">
+            <a:extLst>
+              <a:ext uri="{FF2B5EF4-FFF2-40B4-BE49-F238E27FC236}">
+                <a16:creationId xmlns:a16="http://schemas.microsoft.com/office/drawing/2014/main" id="{E0A20DDE-A3CE-A746-96A6-E5FD94F73641}"/>
+              </a:ext>
+            </a:extLst>
+          </p:cNvPr>
+          <p:cNvSpPr/>
+          <p:nvPr/>
+        </p:nvSpPr>
+        <p:spPr>
+          <a:xfrm>
+            <a:off x="2097466" y="4000097"/>
+            <a:ext cx="235670" cy="301658"/>
+          </a:xfrm>
+          <a:prstGeom prst="rect">
+            <a:avLst/>
+          </a:prstGeom>
+          <a:solidFill>
+            <a:schemeClr val="accent1">
+              <a:lumMod val="40000"/>
+              <a:lumOff val="60000"/>
+            </a:schemeClr>
+          </a:solidFill>
+        </p:spPr>
+        <p:style>
+          <a:lnRef idx="2">
+            <a:schemeClr val="accent1">
+              <a:shade val="50000"/>
+            </a:schemeClr>
+          </a:lnRef>
+          <a:fillRef idx="1">
+            <a:schemeClr val="accent1"/>
+          </a:fillRef>
+          <a:effectRef idx="0">
+            <a:schemeClr val="accent1"/>
+          </a:effectRef>
+          <a:fontRef idx="minor">
+            <a:schemeClr val="lt1"/>
+          </a:fontRef>
+        </p:style>
+        <p:txBody>
+          <a:bodyPr rtlCol="0" anchor="ctr"/>
+          <a:lstStyle/>
+          <a:p>
+            <a:pPr algn="ctr"/>
+            <a:endParaRPr lang="en-US"/>
+          </a:p>
+        </p:txBody>
+      </p:sp>
+      <p:sp>
+        <p:nvSpPr>
+          <p:cNvPr id="151" name="Rectangle 150">
+            <a:extLst>
+              <a:ext uri="{FF2B5EF4-FFF2-40B4-BE49-F238E27FC236}">
+                <a16:creationId xmlns:a16="http://schemas.microsoft.com/office/drawing/2014/main" id="{13D30100-2C80-CC4D-B712-C6765862DF1D}"/>
+              </a:ext>
+            </a:extLst>
+          </p:cNvPr>
+          <p:cNvSpPr/>
+          <p:nvPr/>
+        </p:nvSpPr>
+        <p:spPr>
+          <a:xfrm>
+            <a:off x="2333136" y="4000097"/>
+            <a:ext cx="235670" cy="301658"/>
+          </a:xfrm>
+          <a:prstGeom prst="rect">
+            <a:avLst/>
+          </a:prstGeom>
+          <a:solidFill>
+            <a:schemeClr val="accent1">
+              <a:lumMod val="40000"/>
+              <a:lumOff val="60000"/>
+            </a:schemeClr>
+          </a:solidFill>
+        </p:spPr>
+        <p:style>
+          <a:lnRef idx="2">
+            <a:schemeClr val="accent1">
+              <a:shade val="50000"/>
+            </a:schemeClr>
+          </a:lnRef>
+          <a:fillRef idx="1">
+            <a:schemeClr val="accent1"/>
+          </a:fillRef>
+          <a:effectRef idx="0">
+            <a:schemeClr val="accent1"/>
+          </a:effectRef>
+          <a:fontRef idx="minor">
+            <a:schemeClr val="lt1"/>
+          </a:fontRef>
+        </p:style>
+        <p:txBody>
+          <a:bodyPr rtlCol="0" anchor="ctr"/>
+          <a:lstStyle/>
+          <a:p>
+            <a:pPr algn="ctr"/>
+            <a:endParaRPr lang="en-US"/>
+          </a:p>
+        </p:txBody>
+      </p:sp>
+      <p:sp>
+        <p:nvSpPr>
+          <p:cNvPr id="152" name="Rectangle 151">
+            <a:extLst>
+              <a:ext uri="{FF2B5EF4-FFF2-40B4-BE49-F238E27FC236}">
+                <a16:creationId xmlns:a16="http://schemas.microsoft.com/office/drawing/2014/main" id="{0EFD2226-513B-F643-A95C-000876EEE774}"/>
+              </a:ext>
+            </a:extLst>
+          </p:cNvPr>
+          <p:cNvSpPr/>
+          <p:nvPr/>
+        </p:nvSpPr>
+        <p:spPr>
+          <a:xfrm>
+            <a:off x="2568806" y="4000097"/>
+            <a:ext cx="235670" cy="301658"/>
+          </a:xfrm>
+          <a:prstGeom prst="rect">
+            <a:avLst/>
+          </a:prstGeom>
+          <a:solidFill>
+            <a:schemeClr val="accent1">
+              <a:lumMod val="40000"/>
+              <a:lumOff val="60000"/>
+            </a:schemeClr>
+          </a:solidFill>
+        </p:spPr>
+        <p:style>
+          <a:lnRef idx="2">
+            <a:schemeClr val="accent1">
+              <a:shade val="50000"/>
+            </a:schemeClr>
+          </a:lnRef>
+          <a:fillRef idx="1">
+            <a:schemeClr val="accent1"/>
+          </a:fillRef>
+          <a:effectRef idx="0">
+            <a:schemeClr val="accent1"/>
+          </a:effectRef>
+          <a:fontRef idx="minor">
+            <a:schemeClr val="lt1"/>
+          </a:fontRef>
+        </p:style>
+        <p:txBody>
+          <a:bodyPr rtlCol="0" anchor="ctr"/>
+          <a:lstStyle/>
+          <a:p>
+            <a:pPr algn="ctr"/>
+            <a:endParaRPr lang="en-US"/>
+          </a:p>
+        </p:txBody>
+      </p:sp>
+      <p:sp>
+        <p:nvSpPr>
+          <p:cNvPr id="153" name="Rectangle 152">
+            <a:extLst>
+              <a:ext uri="{FF2B5EF4-FFF2-40B4-BE49-F238E27FC236}">
+                <a16:creationId xmlns:a16="http://schemas.microsoft.com/office/drawing/2014/main" id="{3B25361A-4242-0C48-932C-D63EE2AAD579}"/>
+              </a:ext>
+            </a:extLst>
+          </p:cNvPr>
+          <p:cNvSpPr/>
+          <p:nvPr/>
+        </p:nvSpPr>
+        <p:spPr>
+          <a:xfrm>
+            <a:off x="2804476" y="4000097"/>
+            <a:ext cx="235670" cy="301658"/>
+          </a:xfrm>
+          <a:prstGeom prst="rect">
+            <a:avLst/>
+          </a:prstGeom>
+          <a:solidFill>
+            <a:schemeClr val="accent1">
+              <a:lumMod val="40000"/>
+              <a:lumOff val="60000"/>
+            </a:schemeClr>
+          </a:solidFill>
+        </p:spPr>
+        <p:style>
+          <a:lnRef idx="2">
+            <a:schemeClr val="accent1">
+              <a:shade val="50000"/>
+            </a:schemeClr>
+          </a:lnRef>
+          <a:fillRef idx="1">
+            <a:schemeClr val="accent1"/>
+          </a:fillRef>
+          <a:effectRef idx="0">
+            <a:schemeClr val="accent1"/>
+          </a:effectRef>
+          <a:fontRef idx="minor">
+            <a:schemeClr val="lt1"/>
+          </a:fontRef>
+        </p:style>
+        <p:txBody>
+          <a:bodyPr rtlCol="0" anchor="ctr"/>
+          <a:lstStyle/>
+          <a:p>
+            <a:pPr algn="ctr"/>
+            <a:endParaRPr lang="en-US"/>
+          </a:p>
+        </p:txBody>
+      </p:sp>
+      <p:sp>
+        <p:nvSpPr>
+          <p:cNvPr id="154" name="Rectangle 153">
+            <a:extLst>
+              <a:ext uri="{FF2B5EF4-FFF2-40B4-BE49-F238E27FC236}">
+                <a16:creationId xmlns:a16="http://schemas.microsoft.com/office/drawing/2014/main" id="{7BDA84F2-4CA1-1644-BB39-0DBFCD98EC94}"/>
+              </a:ext>
+            </a:extLst>
+          </p:cNvPr>
+          <p:cNvSpPr/>
+          <p:nvPr/>
+        </p:nvSpPr>
+        <p:spPr>
+          <a:xfrm>
+            <a:off x="3040146" y="4000097"/>
+            <a:ext cx="235670" cy="301658"/>
+          </a:xfrm>
+          <a:prstGeom prst="rect">
+            <a:avLst/>
+          </a:prstGeom>
+          <a:solidFill>
+            <a:schemeClr val="accent1">
+              <a:lumMod val="40000"/>
+              <a:lumOff val="60000"/>
+            </a:schemeClr>
+          </a:solidFill>
+        </p:spPr>
+        <p:style>
+          <a:lnRef idx="2">
+            <a:schemeClr val="accent1">
+              <a:shade val="50000"/>
+            </a:schemeClr>
+          </a:lnRef>
+          <a:fillRef idx="1">
+            <a:schemeClr val="accent1"/>
+          </a:fillRef>
+          <a:effectRef idx="0">
+            <a:schemeClr val="accent1"/>
+          </a:effectRef>
+          <a:fontRef idx="minor">
+            <a:schemeClr val="lt1"/>
+          </a:fontRef>
+        </p:style>
+        <p:txBody>
+          <a:bodyPr rtlCol="0" anchor="ctr"/>
+          <a:lstStyle/>
+          <a:p>
+            <a:pPr algn="ctr"/>
+            <a:endParaRPr lang="en-US"/>
+          </a:p>
+        </p:txBody>
+      </p:sp>
+      <p:sp>
+        <p:nvSpPr>
+          <p:cNvPr id="155" name="Rectangle 154">
+            <a:extLst>
+              <a:ext uri="{FF2B5EF4-FFF2-40B4-BE49-F238E27FC236}">
+                <a16:creationId xmlns:a16="http://schemas.microsoft.com/office/drawing/2014/main" id="{97B0C278-D93F-1842-BA25-CB2477DA8C79}"/>
+              </a:ext>
+            </a:extLst>
+          </p:cNvPr>
+          <p:cNvSpPr/>
+          <p:nvPr/>
+        </p:nvSpPr>
+        <p:spPr>
+          <a:xfrm>
+            <a:off x="3984398" y="4000097"/>
+            <a:ext cx="235670" cy="301658"/>
+          </a:xfrm>
+          <a:prstGeom prst="rect">
+            <a:avLst/>
+          </a:prstGeom>
+          <a:solidFill>
+            <a:schemeClr val="accent1">
+              <a:lumMod val="40000"/>
+              <a:lumOff val="60000"/>
+            </a:schemeClr>
+          </a:solidFill>
+        </p:spPr>
+        <p:style>
+          <a:lnRef idx="2">
+            <a:schemeClr val="accent1">
+              <a:shade val="50000"/>
+            </a:schemeClr>
+          </a:lnRef>
+          <a:fillRef idx="1">
+            <a:schemeClr val="accent1"/>
+          </a:fillRef>
+          <a:effectRef idx="0">
+            <a:schemeClr val="accent1"/>
+          </a:effectRef>
+          <a:fontRef idx="minor">
+            <a:schemeClr val="lt1"/>
+          </a:fontRef>
+        </p:style>
+        <p:txBody>
+          <a:bodyPr rtlCol="0" anchor="ctr"/>
+          <a:lstStyle/>
+          <a:p>
+            <a:pPr algn="ctr"/>
+            <a:endParaRPr lang="en-US"/>
+          </a:p>
+        </p:txBody>
+      </p:sp>
+      <p:sp>
+        <p:nvSpPr>
+          <p:cNvPr id="156" name="Rectangle 155">
+            <a:extLst>
+              <a:ext uri="{FF2B5EF4-FFF2-40B4-BE49-F238E27FC236}">
+                <a16:creationId xmlns:a16="http://schemas.microsoft.com/office/drawing/2014/main" id="{C6262A8B-432A-574D-94B3-50FAA9C6E702}"/>
+              </a:ext>
+            </a:extLst>
+          </p:cNvPr>
+          <p:cNvSpPr/>
+          <p:nvPr/>
+        </p:nvSpPr>
+        <p:spPr>
+          <a:xfrm>
+            <a:off x="4220068" y="4000097"/>
+            <a:ext cx="235670" cy="301658"/>
+          </a:xfrm>
+          <a:prstGeom prst="rect">
+            <a:avLst/>
+          </a:prstGeom>
+          <a:solidFill>
+            <a:schemeClr val="accent1">
+              <a:lumMod val="40000"/>
+              <a:lumOff val="60000"/>
+            </a:schemeClr>
+          </a:solidFill>
+        </p:spPr>
+        <p:style>
+          <a:lnRef idx="2">
+            <a:schemeClr val="accent1">
+              <a:shade val="50000"/>
+            </a:schemeClr>
+          </a:lnRef>
+          <a:fillRef idx="1">
+            <a:schemeClr val="accent1"/>
+          </a:fillRef>
+          <a:effectRef idx="0">
+            <a:schemeClr val="accent1"/>
+          </a:effectRef>
+          <a:fontRef idx="minor">
+            <a:schemeClr val="lt1"/>
+          </a:fontRef>
+        </p:style>
+        <p:txBody>
+          <a:bodyPr rtlCol="0" anchor="ctr"/>
+          <a:lstStyle/>
+          <a:p>
+            <a:pPr algn="ctr"/>
+            <a:endParaRPr lang="en-US"/>
+          </a:p>
+        </p:txBody>
+      </p:sp>
+      <p:sp>
+        <p:nvSpPr>
+          <p:cNvPr id="157" name="Rectangle 156">
+            <a:extLst>
+              <a:ext uri="{FF2B5EF4-FFF2-40B4-BE49-F238E27FC236}">
+                <a16:creationId xmlns:a16="http://schemas.microsoft.com/office/drawing/2014/main" id="{69B93A7E-0913-5A48-84A1-9C1179DF8009}"/>
+              </a:ext>
+            </a:extLst>
+          </p:cNvPr>
+          <p:cNvSpPr/>
+          <p:nvPr/>
+        </p:nvSpPr>
+        <p:spPr>
+          <a:xfrm>
+            <a:off x="4455738" y="4000097"/>
+            <a:ext cx="235670" cy="301658"/>
+          </a:xfrm>
+          <a:prstGeom prst="rect">
+            <a:avLst/>
+          </a:prstGeom>
+          <a:solidFill>
+            <a:schemeClr val="accent1">
+              <a:lumMod val="40000"/>
+              <a:lumOff val="60000"/>
+            </a:schemeClr>
+          </a:solidFill>
+        </p:spPr>
+        <p:style>
+          <a:lnRef idx="2">
+            <a:schemeClr val="accent1">
+              <a:shade val="50000"/>
+            </a:schemeClr>
+          </a:lnRef>
+          <a:fillRef idx="1">
+            <a:schemeClr val="accent1"/>
+          </a:fillRef>
+          <a:effectRef idx="0">
+            <a:schemeClr val="accent1"/>
+          </a:effectRef>
+          <a:fontRef idx="minor">
+            <a:schemeClr val="lt1"/>
+          </a:fontRef>
+        </p:style>
+        <p:txBody>
+          <a:bodyPr rtlCol="0" anchor="ctr"/>
+          <a:lstStyle/>
+          <a:p>
+            <a:pPr algn="ctr"/>
+            <a:endParaRPr lang="en-US"/>
+          </a:p>
+        </p:txBody>
+      </p:sp>
+      <p:sp>
+        <p:nvSpPr>
+          <p:cNvPr id="158" name="Rectangle 157">
+            <a:extLst>
+              <a:ext uri="{FF2B5EF4-FFF2-40B4-BE49-F238E27FC236}">
+                <a16:creationId xmlns:a16="http://schemas.microsoft.com/office/drawing/2014/main" id="{A648CD0E-C2CF-8045-B44C-25601AAD66CB}"/>
+              </a:ext>
+            </a:extLst>
+          </p:cNvPr>
+          <p:cNvSpPr/>
+          <p:nvPr/>
+        </p:nvSpPr>
+        <p:spPr>
+          <a:xfrm>
+            <a:off x="4691408" y="4000097"/>
+            <a:ext cx="235670" cy="301658"/>
+          </a:xfrm>
+          <a:prstGeom prst="rect">
+            <a:avLst/>
+          </a:prstGeom>
+          <a:solidFill>
+            <a:schemeClr val="accent1">
+              <a:lumMod val="40000"/>
+              <a:lumOff val="60000"/>
+            </a:schemeClr>
+          </a:solidFill>
+        </p:spPr>
+        <p:style>
+          <a:lnRef idx="2">
+            <a:schemeClr val="accent1">
+              <a:shade val="50000"/>
+            </a:schemeClr>
+          </a:lnRef>
+          <a:fillRef idx="1">
+            <a:schemeClr val="accent1"/>
+          </a:fillRef>
+          <a:effectRef idx="0">
+            <a:schemeClr val="accent1"/>
+          </a:effectRef>
+          <a:fontRef idx="minor">
+            <a:schemeClr val="lt1"/>
+          </a:fontRef>
+        </p:style>
+        <p:txBody>
+          <a:bodyPr rtlCol="0" anchor="ctr"/>
+          <a:lstStyle/>
+          <a:p>
+            <a:pPr algn="ctr"/>
+            <a:endParaRPr lang="en-US"/>
+          </a:p>
+        </p:txBody>
+      </p:sp>
+      <p:sp>
+        <p:nvSpPr>
+          <p:cNvPr id="163" name="TextBox 162">
+            <a:extLst>
+              <a:ext uri="{FF2B5EF4-FFF2-40B4-BE49-F238E27FC236}">
+                <a16:creationId xmlns:a16="http://schemas.microsoft.com/office/drawing/2014/main" id="{6B977EB3-52EF-7E4D-B675-FD5DADBF98E3}"/>
+              </a:ext>
+            </a:extLst>
+          </p:cNvPr>
+          <p:cNvSpPr txBox="1"/>
+          <p:nvPr/>
+        </p:nvSpPr>
+        <p:spPr>
+          <a:xfrm>
+            <a:off x="3501630" y="3943421"/>
+            <a:ext cx="360996" cy="400110"/>
+          </a:xfrm>
+          <a:prstGeom prst="rect">
+            <a:avLst/>
+          </a:prstGeom>
+          <a:noFill/>
+        </p:spPr>
+        <p:txBody>
+          <a:bodyPr wrap="none" rtlCol="0">
+            <a:spAutoFit/>
+          </a:bodyPr>
+          <a:lstStyle/>
+          <a:p>
+            <a:r>
+              <a:rPr lang="en-US" sz="2000"/>
+              <a:t>…</a:t>
+            </a:r>
+          </a:p>
+        </p:txBody>
+      </p:sp>
+      <p:sp>
+        <p:nvSpPr>
+          <p:cNvPr id="164" name="Rectangle 163">
+            <a:extLst>
+              <a:ext uri="{FF2B5EF4-FFF2-40B4-BE49-F238E27FC236}">
+                <a16:creationId xmlns:a16="http://schemas.microsoft.com/office/drawing/2014/main" id="{7CDA809B-E69D-8141-BE6B-597F85CED212}"/>
+              </a:ext>
+            </a:extLst>
+          </p:cNvPr>
+          <p:cNvSpPr/>
+          <p:nvPr/>
+        </p:nvSpPr>
+        <p:spPr>
+          <a:xfrm>
+            <a:off x="1390456" y="4301755"/>
+            <a:ext cx="235670" cy="301658"/>
+          </a:xfrm>
+          <a:prstGeom prst="rect">
+            <a:avLst/>
+          </a:prstGeom>
+          <a:solidFill>
+            <a:schemeClr val="accent1">
+              <a:lumMod val="40000"/>
+              <a:lumOff val="60000"/>
+            </a:schemeClr>
+          </a:solidFill>
+        </p:spPr>
+        <p:style>
+          <a:lnRef idx="2">
+            <a:schemeClr val="accent1">
+              <a:shade val="50000"/>
+            </a:schemeClr>
+          </a:lnRef>
+          <a:fillRef idx="1">
+            <a:schemeClr val="accent1"/>
+          </a:fillRef>
+          <a:effectRef idx="0">
+            <a:schemeClr val="accent1"/>
+          </a:effectRef>
+          <a:fontRef idx="minor">
+            <a:schemeClr val="lt1"/>
+          </a:fontRef>
+        </p:style>
+        <p:txBody>
+          <a:bodyPr rtlCol="0" anchor="ctr"/>
+          <a:lstStyle/>
+          <a:p>
+            <a:pPr algn="ctr"/>
+            <a:endParaRPr lang="en-US"/>
+          </a:p>
+        </p:txBody>
+      </p:sp>
+      <p:sp>
+        <p:nvSpPr>
+          <p:cNvPr id="165" name="Rectangle 164">
+            <a:extLst>
+              <a:ext uri="{FF2B5EF4-FFF2-40B4-BE49-F238E27FC236}">
+                <a16:creationId xmlns:a16="http://schemas.microsoft.com/office/drawing/2014/main" id="{25444589-29F1-934C-A904-A409B54A363F}"/>
+              </a:ext>
+            </a:extLst>
+          </p:cNvPr>
+          <p:cNvSpPr/>
+          <p:nvPr/>
+        </p:nvSpPr>
+        <p:spPr>
+          <a:xfrm>
+            <a:off x="1626126" y="4301755"/>
+            <a:ext cx="235670" cy="301658"/>
+          </a:xfrm>
+          <a:prstGeom prst="rect">
+            <a:avLst/>
+          </a:prstGeom>
+          <a:solidFill>
+            <a:schemeClr val="accent1">
+              <a:lumMod val="40000"/>
+              <a:lumOff val="60000"/>
+            </a:schemeClr>
+          </a:solidFill>
+        </p:spPr>
+        <p:style>
+          <a:lnRef idx="2">
+            <a:schemeClr val="accent1">
+              <a:shade val="50000"/>
+            </a:schemeClr>
+          </a:lnRef>
+          <a:fillRef idx="1">
+            <a:schemeClr val="accent1"/>
+          </a:fillRef>
+          <a:effectRef idx="0">
+            <a:schemeClr val="accent1"/>
+          </a:effectRef>
+          <a:fontRef idx="minor">
+            <a:schemeClr val="lt1"/>
+          </a:fontRef>
+        </p:style>
+        <p:txBody>
+          <a:bodyPr rtlCol="0" anchor="ctr"/>
+          <a:lstStyle/>
+          <a:p>
+            <a:pPr algn="ctr"/>
+            <a:endParaRPr lang="en-US"/>
+          </a:p>
+        </p:txBody>
+      </p:sp>
+      <p:sp>
+        <p:nvSpPr>
+          <p:cNvPr id="166" name="Rectangle 165">
+            <a:extLst>
+              <a:ext uri="{FF2B5EF4-FFF2-40B4-BE49-F238E27FC236}">
+                <a16:creationId xmlns:a16="http://schemas.microsoft.com/office/drawing/2014/main" id="{EE49C462-07D9-E440-BC05-A6F6D5E00AD8}"/>
+              </a:ext>
+            </a:extLst>
+          </p:cNvPr>
+          <p:cNvSpPr/>
+          <p:nvPr/>
+        </p:nvSpPr>
+        <p:spPr>
+          <a:xfrm>
+            <a:off x="1861796" y="4301755"/>
+            <a:ext cx="235670" cy="301658"/>
+          </a:xfrm>
+          <a:prstGeom prst="rect">
+            <a:avLst/>
+          </a:prstGeom>
+          <a:solidFill>
+            <a:schemeClr val="accent1">
+              <a:lumMod val="40000"/>
+              <a:lumOff val="60000"/>
+            </a:schemeClr>
+          </a:solidFill>
+        </p:spPr>
+        <p:style>
+          <a:lnRef idx="2">
+            <a:schemeClr val="accent1">
+              <a:shade val="50000"/>
+            </a:schemeClr>
+          </a:lnRef>
+          <a:fillRef idx="1">
+            <a:schemeClr val="accent1"/>
+          </a:fillRef>
+          <a:effectRef idx="0">
+            <a:schemeClr val="accent1"/>
+          </a:effectRef>
+          <a:fontRef idx="minor">
+            <a:schemeClr val="lt1"/>
+          </a:fontRef>
+        </p:style>
+        <p:txBody>
+          <a:bodyPr rtlCol="0" anchor="ctr"/>
+          <a:lstStyle/>
+          <a:p>
+            <a:pPr algn="ctr"/>
+            <a:endParaRPr lang="en-US"/>
+          </a:p>
+        </p:txBody>
+      </p:sp>
+      <p:sp>
+        <p:nvSpPr>
+          <p:cNvPr id="167" name="Rectangle 166">
+            <a:extLst>
+              <a:ext uri="{FF2B5EF4-FFF2-40B4-BE49-F238E27FC236}">
+                <a16:creationId xmlns:a16="http://schemas.microsoft.com/office/drawing/2014/main" id="{ABF6EAB7-D94C-6943-814A-1149813DC0C5}"/>
+              </a:ext>
+            </a:extLst>
+          </p:cNvPr>
+          <p:cNvSpPr/>
+          <p:nvPr/>
+        </p:nvSpPr>
+        <p:spPr>
+          <a:xfrm>
+            <a:off x="2097466" y="4301755"/>
+            <a:ext cx="235670" cy="301658"/>
+          </a:xfrm>
+          <a:prstGeom prst="rect">
+            <a:avLst/>
+          </a:prstGeom>
+          <a:solidFill>
+            <a:schemeClr val="accent1">
+              <a:lumMod val="40000"/>
+              <a:lumOff val="60000"/>
+            </a:schemeClr>
+          </a:solidFill>
+        </p:spPr>
+        <p:style>
+          <a:lnRef idx="2">
+            <a:schemeClr val="accent1">
+              <a:shade val="50000"/>
+            </a:schemeClr>
+          </a:lnRef>
+          <a:fillRef idx="1">
+            <a:schemeClr val="accent1"/>
+          </a:fillRef>
+          <a:effectRef idx="0">
+            <a:schemeClr val="accent1"/>
+          </a:effectRef>
+          <a:fontRef idx="minor">
+            <a:schemeClr val="lt1"/>
+          </a:fontRef>
+        </p:style>
+        <p:txBody>
+          <a:bodyPr rtlCol="0" anchor="ctr"/>
+          <a:lstStyle/>
+          <a:p>
+            <a:pPr algn="ctr"/>
+            <a:endParaRPr lang="en-US"/>
+          </a:p>
+        </p:txBody>
+      </p:sp>
+      <p:sp>
+        <p:nvSpPr>
+          <p:cNvPr id="168" name="Rectangle 167">
+            <a:extLst>
+              <a:ext uri="{FF2B5EF4-FFF2-40B4-BE49-F238E27FC236}">
+                <a16:creationId xmlns:a16="http://schemas.microsoft.com/office/drawing/2014/main" id="{6C5769DE-65F2-B44C-930C-D31420CB9804}"/>
+              </a:ext>
+            </a:extLst>
+          </p:cNvPr>
+          <p:cNvSpPr/>
+          <p:nvPr/>
+        </p:nvSpPr>
+        <p:spPr>
+          <a:xfrm>
+            <a:off x="2333136" y="4301755"/>
+            <a:ext cx="235670" cy="301658"/>
+          </a:xfrm>
+          <a:prstGeom prst="rect">
+            <a:avLst/>
+          </a:prstGeom>
+          <a:solidFill>
+            <a:schemeClr val="accent1">
+              <a:lumMod val="40000"/>
+              <a:lumOff val="60000"/>
+            </a:schemeClr>
+          </a:solidFill>
+        </p:spPr>
+        <p:style>
+          <a:lnRef idx="2">
+            <a:schemeClr val="accent1">
+              <a:shade val="50000"/>
+            </a:schemeClr>
+          </a:lnRef>
+          <a:fillRef idx="1">
+            <a:schemeClr val="accent1"/>
+          </a:fillRef>
+          <a:effectRef idx="0">
+            <a:schemeClr val="accent1"/>
+          </a:effectRef>
+          <a:fontRef idx="minor">
+            <a:schemeClr val="lt1"/>
+          </a:fontRef>
+        </p:style>
+        <p:txBody>
+          <a:bodyPr rtlCol="0" anchor="ctr"/>
+          <a:lstStyle/>
+          <a:p>
+            <a:pPr algn="ctr"/>
+            <a:endParaRPr lang="en-US"/>
+          </a:p>
+        </p:txBody>
+      </p:sp>
+      <p:sp>
+        <p:nvSpPr>
+          <p:cNvPr id="169" name="Rectangle 168">
+            <a:extLst>
+              <a:ext uri="{FF2B5EF4-FFF2-40B4-BE49-F238E27FC236}">
+                <a16:creationId xmlns:a16="http://schemas.microsoft.com/office/drawing/2014/main" id="{AD2932A2-6BA3-1046-9640-F0B7B89095D0}"/>
+              </a:ext>
+            </a:extLst>
+          </p:cNvPr>
+          <p:cNvSpPr/>
+          <p:nvPr/>
+        </p:nvSpPr>
+        <p:spPr>
+          <a:xfrm>
+            <a:off x="2568806" y="4301755"/>
+            <a:ext cx="235670" cy="301658"/>
+          </a:xfrm>
+          <a:prstGeom prst="rect">
+            <a:avLst/>
+          </a:prstGeom>
+          <a:solidFill>
+            <a:schemeClr val="accent1">
+              <a:lumMod val="40000"/>
+              <a:lumOff val="60000"/>
+            </a:schemeClr>
+          </a:solidFill>
+        </p:spPr>
+        <p:style>
+          <a:lnRef idx="2">
+            <a:schemeClr val="accent1">
+              <a:shade val="50000"/>
+            </a:schemeClr>
+          </a:lnRef>
+          <a:fillRef idx="1">
+            <a:schemeClr val="accent1"/>
+          </a:fillRef>
+          <a:effectRef idx="0">
+            <a:schemeClr val="accent1"/>
+          </a:effectRef>
+          <a:fontRef idx="minor">
+            <a:schemeClr val="lt1"/>
+          </a:fontRef>
+        </p:style>
+        <p:txBody>
+          <a:bodyPr rtlCol="0" anchor="ctr"/>
+          <a:lstStyle/>
+          <a:p>
+            <a:pPr algn="ctr"/>
+            <a:endParaRPr lang="en-US"/>
+          </a:p>
+        </p:txBody>
+      </p:sp>
+      <p:sp>
+        <p:nvSpPr>
+          <p:cNvPr id="170" name="Rectangle 169">
+            <a:extLst>
+              <a:ext uri="{FF2B5EF4-FFF2-40B4-BE49-F238E27FC236}">
+                <a16:creationId xmlns:a16="http://schemas.microsoft.com/office/drawing/2014/main" id="{EEAF3277-90A6-3745-8E29-809C8A02808C}"/>
+              </a:ext>
+            </a:extLst>
+          </p:cNvPr>
+          <p:cNvSpPr/>
+          <p:nvPr/>
+        </p:nvSpPr>
+        <p:spPr>
+          <a:xfrm>
+            <a:off x="2804476" y="4301755"/>
+            <a:ext cx="235670" cy="301658"/>
+          </a:xfrm>
+          <a:prstGeom prst="rect">
+            <a:avLst/>
+          </a:prstGeom>
+          <a:solidFill>
+            <a:schemeClr val="accent1">
+              <a:lumMod val="40000"/>
+              <a:lumOff val="60000"/>
+            </a:schemeClr>
+          </a:solidFill>
+        </p:spPr>
+        <p:style>
+          <a:lnRef idx="2">
+            <a:schemeClr val="accent1">
+              <a:shade val="50000"/>
+            </a:schemeClr>
+          </a:lnRef>
+          <a:fillRef idx="1">
+            <a:schemeClr val="accent1"/>
+          </a:fillRef>
+          <a:effectRef idx="0">
+            <a:schemeClr val="accent1"/>
+          </a:effectRef>
+          <a:fontRef idx="minor">
+            <a:schemeClr val="lt1"/>
+          </a:fontRef>
+        </p:style>
+        <p:txBody>
+          <a:bodyPr rtlCol="0" anchor="ctr"/>
+          <a:lstStyle/>
+          <a:p>
+            <a:pPr algn="ctr"/>
+            <a:endParaRPr lang="en-US"/>
+          </a:p>
+        </p:txBody>
+      </p:sp>
+      <p:sp>
+        <p:nvSpPr>
+          <p:cNvPr id="171" name="Rectangle 170">
+            <a:extLst>
+              <a:ext uri="{FF2B5EF4-FFF2-40B4-BE49-F238E27FC236}">
+                <a16:creationId xmlns:a16="http://schemas.microsoft.com/office/drawing/2014/main" id="{B8A0A379-EC25-F143-AA9E-8D5A02BA13EB}"/>
+              </a:ext>
+            </a:extLst>
+          </p:cNvPr>
+          <p:cNvSpPr/>
+          <p:nvPr/>
+        </p:nvSpPr>
+        <p:spPr>
+          <a:xfrm>
+            <a:off x="3040146" y="4301755"/>
+            <a:ext cx="235670" cy="301658"/>
+          </a:xfrm>
+          <a:prstGeom prst="rect">
+            <a:avLst/>
+          </a:prstGeom>
+          <a:solidFill>
+            <a:schemeClr val="accent1">
+              <a:lumMod val="40000"/>
+              <a:lumOff val="60000"/>
+            </a:schemeClr>
+          </a:solidFill>
+        </p:spPr>
+        <p:style>
+          <a:lnRef idx="2">
+            <a:schemeClr val="accent1">
+              <a:shade val="50000"/>
+            </a:schemeClr>
+          </a:lnRef>
+          <a:fillRef idx="1">
+            <a:schemeClr val="accent1"/>
+          </a:fillRef>
+          <a:effectRef idx="0">
+            <a:schemeClr val="accent1"/>
+          </a:effectRef>
+          <a:fontRef idx="minor">
+            <a:schemeClr val="lt1"/>
+          </a:fontRef>
+        </p:style>
+        <p:txBody>
+          <a:bodyPr rtlCol="0" anchor="ctr"/>
+          <a:lstStyle/>
+          <a:p>
+            <a:pPr algn="ctr"/>
+            <a:endParaRPr lang="en-US"/>
+          </a:p>
+        </p:txBody>
+      </p:sp>
+      <p:sp>
+        <p:nvSpPr>
+          <p:cNvPr id="172" name="Rectangle 171">
+            <a:extLst>
+              <a:ext uri="{FF2B5EF4-FFF2-40B4-BE49-F238E27FC236}">
+                <a16:creationId xmlns:a16="http://schemas.microsoft.com/office/drawing/2014/main" id="{BC6A0DDA-7058-B443-A6BB-6BF122D28F74}"/>
+              </a:ext>
+            </a:extLst>
+          </p:cNvPr>
+          <p:cNvSpPr/>
+          <p:nvPr/>
+        </p:nvSpPr>
+        <p:spPr>
+          <a:xfrm>
+            <a:off x="3984398" y="4301755"/>
+            <a:ext cx="235670" cy="301658"/>
+          </a:xfrm>
+          <a:prstGeom prst="rect">
+            <a:avLst/>
+          </a:prstGeom>
+          <a:solidFill>
+            <a:schemeClr val="accent1">
+              <a:lumMod val="40000"/>
+              <a:lumOff val="60000"/>
+            </a:schemeClr>
+          </a:solidFill>
+        </p:spPr>
+        <p:style>
+          <a:lnRef idx="2">
+            <a:schemeClr val="accent1">
+              <a:shade val="50000"/>
+            </a:schemeClr>
+          </a:lnRef>
+          <a:fillRef idx="1">
+            <a:schemeClr val="accent1"/>
+          </a:fillRef>
+          <a:effectRef idx="0">
+            <a:schemeClr val="accent1"/>
+          </a:effectRef>
+          <a:fontRef idx="minor">
+            <a:schemeClr val="lt1"/>
+          </a:fontRef>
+        </p:style>
+        <p:txBody>
+          <a:bodyPr rtlCol="0" anchor="ctr"/>
+          <a:lstStyle/>
+          <a:p>
+            <a:pPr algn="ctr"/>
+            <a:endParaRPr lang="en-US"/>
+          </a:p>
+        </p:txBody>
+      </p:sp>
+      <p:sp>
+        <p:nvSpPr>
+          <p:cNvPr id="173" name="Rectangle 172">
+            <a:extLst>
+              <a:ext uri="{FF2B5EF4-FFF2-40B4-BE49-F238E27FC236}">
+                <a16:creationId xmlns:a16="http://schemas.microsoft.com/office/drawing/2014/main" id="{171B0FE8-382D-8D42-83D5-8D4844042B0E}"/>
+              </a:ext>
+            </a:extLst>
+          </p:cNvPr>
+          <p:cNvSpPr/>
+          <p:nvPr/>
+        </p:nvSpPr>
+        <p:spPr>
+          <a:xfrm>
+            <a:off x="4220068" y="4301755"/>
+            <a:ext cx="235670" cy="301658"/>
+          </a:xfrm>
+          <a:prstGeom prst="rect">
+            <a:avLst/>
+          </a:prstGeom>
+          <a:solidFill>
+            <a:schemeClr val="accent1">
+              <a:lumMod val="40000"/>
+              <a:lumOff val="60000"/>
+            </a:schemeClr>
+          </a:solidFill>
+        </p:spPr>
+        <p:style>
+          <a:lnRef idx="2">
+            <a:schemeClr val="accent1">
+              <a:shade val="50000"/>
+            </a:schemeClr>
+          </a:lnRef>
+          <a:fillRef idx="1">
+            <a:schemeClr val="accent1"/>
+          </a:fillRef>
+          <a:effectRef idx="0">
+            <a:schemeClr val="accent1"/>
+          </a:effectRef>
+          <a:fontRef idx="minor">
+            <a:schemeClr val="lt1"/>
+          </a:fontRef>
+        </p:style>
+        <p:txBody>
+          <a:bodyPr rtlCol="0" anchor="ctr"/>
+          <a:lstStyle/>
+          <a:p>
+            <a:pPr algn="ctr"/>
+            <a:endParaRPr lang="en-US"/>
+          </a:p>
+        </p:txBody>
+      </p:sp>
+      <p:sp>
+        <p:nvSpPr>
+          <p:cNvPr id="174" name="Rectangle 173">
+            <a:extLst>
+              <a:ext uri="{FF2B5EF4-FFF2-40B4-BE49-F238E27FC236}">
+                <a16:creationId xmlns:a16="http://schemas.microsoft.com/office/drawing/2014/main" id="{3E23B181-F9CF-C24C-A941-D63163B537A9}"/>
+              </a:ext>
+            </a:extLst>
+          </p:cNvPr>
+          <p:cNvSpPr/>
+          <p:nvPr/>
+        </p:nvSpPr>
+        <p:spPr>
+          <a:xfrm>
+            <a:off x="4455738" y="4301755"/>
+            <a:ext cx="235670" cy="301658"/>
+          </a:xfrm>
+          <a:prstGeom prst="rect">
+            <a:avLst/>
+          </a:prstGeom>
+          <a:solidFill>
+            <a:schemeClr val="accent1">
+              <a:lumMod val="40000"/>
+              <a:lumOff val="60000"/>
+            </a:schemeClr>
+          </a:solidFill>
+        </p:spPr>
+        <p:style>
+          <a:lnRef idx="2">
+            <a:schemeClr val="accent1">
+              <a:shade val="50000"/>
+            </a:schemeClr>
+          </a:lnRef>
+          <a:fillRef idx="1">
+            <a:schemeClr val="accent1"/>
+          </a:fillRef>
+          <a:effectRef idx="0">
+            <a:schemeClr val="accent1"/>
+          </a:effectRef>
+          <a:fontRef idx="minor">
+            <a:schemeClr val="lt1"/>
+          </a:fontRef>
+        </p:style>
+        <p:txBody>
+          <a:bodyPr rtlCol="0" anchor="ctr"/>
+          <a:lstStyle/>
+          <a:p>
+            <a:pPr algn="ctr"/>
+            <a:endParaRPr lang="en-US"/>
+          </a:p>
+        </p:txBody>
+      </p:sp>
+      <p:sp>
+        <p:nvSpPr>
+          <p:cNvPr id="175" name="Rectangle 174">
+            <a:extLst>
+              <a:ext uri="{FF2B5EF4-FFF2-40B4-BE49-F238E27FC236}">
+                <a16:creationId xmlns:a16="http://schemas.microsoft.com/office/drawing/2014/main" id="{FFC976A4-19C4-A943-AE78-5E06FB48F36D}"/>
+              </a:ext>
+            </a:extLst>
+          </p:cNvPr>
+          <p:cNvSpPr/>
+          <p:nvPr/>
+        </p:nvSpPr>
+        <p:spPr>
+          <a:xfrm>
+            <a:off x="4691408" y="4301755"/>
+            <a:ext cx="235670" cy="301658"/>
+          </a:xfrm>
+          <a:prstGeom prst="rect">
+            <a:avLst/>
+          </a:prstGeom>
+          <a:solidFill>
+            <a:schemeClr val="accent1">
+              <a:lumMod val="40000"/>
+              <a:lumOff val="60000"/>
+            </a:schemeClr>
+          </a:solidFill>
+        </p:spPr>
+        <p:style>
+          <a:lnRef idx="2">
+            <a:schemeClr val="accent1">
+              <a:shade val="50000"/>
+            </a:schemeClr>
+          </a:lnRef>
+          <a:fillRef idx="1">
+            <a:schemeClr val="accent1"/>
+          </a:fillRef>
+          <a:effectRef idx="0">
+            <a:schemeClr val="accent1"/>
+          </a:effectRef>
+          <a:fontRef idx="minor">
+            <a:schemeClr val="lt1"/>
+          </a:fontRef>
+        </p:style>
+        <p:txBody>
+          <a:bodyPr rtlCol="0" anchor="ctr"/>
+          <a:lstStyle/>
+          <a:p>
+            <a:pPr algn="ctr"/>
+            <a:endParaRPr lang="en-US"/>
+          </a:p>
+        </p:txBody>
+      </p:sp>
+      <p:sp>
+        <p:nvSpPr>
+          <p:cNvPr id="180" name="TextBox 179">
+            <a:extLst>
+              <a:ext uri="{FF2B5EF4-FFF2-40B4-BE49-F238E27FC236}">
+                <a16:creationId xmlns:a16="http://schemas.microsoft.com/office/drawing/2014/main" id="{5AE301F1-BCB5-2747-8DDA-01AF79E18F32}"/>
+              </a:ext>
+            </a:extLst>
+          </p:cNvPr>
+          <p:cNvSpPr txBox="1"/>
+          <p:nvPr/>
+        </p:nvSpPr>
+        <p:spPr>
+          <a:xfrm>
+            <a:off x="3501630" y="4245079"/>
+            <a:ext cx="360996" cy="400110"/>
+          </a:xfrm>
+          <a:prstGeom prst="rect">
+            <a:avLst/>
+          </a:prstGeom>
+          <a:noFill/>
+        </p:spPr>
+        <p:txBody>
+          <a:bodyPr wrap="none" rtlCol="0">
+            <a:spAutoFit/>
+          </a:bodyPr>
+          <a:lstStyle/>
+          <a:p>
+            <a:r>
+              <a:rPr lang="en-US" sz="2000"/>
+              <a:t>…</a:t>
+            </a:r>
+          </a:p>
+        </p:txBody>
+      </p:sp>
+      <p:sp>
+        <p:nvSpPr>
+          <p:cNvPr id="181" name="Rectangle 180">
+            <a:extLst>
+              <a:ext uri="{FF2B5EF4-FFF2-40B4-BE49-F238E27FC236}">
+                <a16:creationId xmlns:a16="http://schemas.microsoft.com/office/drawing/2014/main" id="{7061EEE3-0E85-2543-8BBA-A87BA117BBB5}"/>
+              </a:ext>
+            </a:extLst>
+          </p:cNvPr>
+          <p:cNvSpPr/>
+          <p:nvPr/>
+        </p:nvSpPr>
+        <p:spPr>
+          <a:xfrm>
+            <a:off x="1390456" y="4603413"/>
+            <a:ext cx="235670" cy="301658"/>
+          </a:xfrm>
+          <a:prstGeom prst="rect">
+            <a:avLst/>
+          </a:prstGeom>
+          <a:solidFill>
+            <a:schemeClr val="accent1">
+              <a:lumMod val="40000"/>
+              <a:lumOff val="60000"/>
+            </a:schemeClr>
+          </a:solidFill>
+        </p:spPr>
+        <p:style>
+          <a:lnRef idx="2">
+            <a:schemeClr val="accent1">
+              <a:shade val="50000"/>
+            </a:schemeClr>
+          </a:lnRef>
+          <a:fillRef idx="1">
+            <a:schemeClr val="accent1"/>
+          </a:fillRef>
+          <a:effectRef idx="0">
+            <a:schemeClr val="accent1"/>
+          </a:effectRef>
+          <a:fontRef idx="minor">
+            <a:schemeClr val="lt1"/>
+          </a:fontRef>
+        </p:style>
+        <p:txBody>
+          <a:bodyPr rtlCol="0" anchor="ctr"/>
+          <a:lstStyle/>
+          <a:p>
+            <a:pPr algn="ctr"/>
+            <a:endParaRPr lang="en-US"/>
+          </a:p>
+        </p:txBody>
+      </p:sp>
+      <p:sp>
+        <p:nvSpPr>
+          <p:cNvPr id="182" name="Rectangle 181">
+            <a:extLst>
+              <a:ext uri="{FF2B5EF4-FFF2-40B4-BE49-F238E27FC236}">
+                <a16:creationId xmlns:a16="http://schemas.microsoft.com/office/drawing/2014/main" id="{8A809E80-865F-AD41-81DE-493EEA133071}"/>
+              </a:ext>
+            </a:extLst>
+          </p:cNvPr>
+          <p:cNvSpPr/>
+          <p:nvPr/>
+        </p:nvSpPr>
+        <p:spPr>
+          <a:xfrm>
+            <a:off x="1626126" y="4603413"/>
+            <a:ext cx="235670" cy="301658"/>
+          </a:xfrm>
+          <a:prstGeom prst="rect">
+            <a:avLst/>
+          </a:prstGeom>
+          <a:solidFill>
+            <a:schemeClr val="accent1">
+              <a:lumMod val="40000"/>
+              <a:lumOff val="60000"/>
+            </a:schemeClr>
+          </a:solidFill>
+        </p:spPr>
+        <p:style>
+          <a:lnRef idx="2">
+            <a:schemeClr val="accent1">
+              <a:shade val="50000"/>
+            </a:schemeClr>
+          </a:lnRef>
+          <a:fillRef idx="1">
+            <a:schemeClr val="accent1"/>
+          </a:fillRef>
+          <a:effectRef idx="0">
+            <a:schemeClr val="accent1"/>
+          </a:effectRef>
+          <a:fontRef idx="minor">
+            <a:schemeClr val="lt1"/>
+          </a:fontRef>
+        </p:style>
+        <p:txBody>
+          <a:bodyPr rtlCol="0" anchor="ctr"/>
+          <a:lstStyle/>
+          <a:p>
+            <a:pPr algn="ctr"/>
+            <a:endParaRPr lang="en-US"/>
+          </a:p>
+        </p:txBody>
+      </p:sp>
+      <p:sp>
+        <p:nvSpPr>
+          <p:cNvPr id="183" name="Rectangle 182">
+            <a:extLst>
+              <a:ext uri="{FF2B5EF4-FFF2-40B4-BE49-F238E27FC236}">
+                <a16:creationId xmlns:a16="http://schemas.microsoft.com/office/drawing/2014/main" id="{6E4CCC30-CCE6-934C-B08B-7358B926871D}"/>
+              </a:ext>
+            </a:extLst>
+          </p:cNvPr>
+          <p:cNvSpPr/>
+          <p:nvPr/>
+        </p:nvSpPr>
+        <p:spPr>
+          <a:xfrm>
+            <a:off x="1861796" y="4603413"/>
+            <a:ext cx="235670" cy="301658"/>
+          </a:xfrm>
+          <a:prstGeom prst="rect">
+            <a:avLst/>
+          </a:prstGeom>
+          <a:solidFill>
+            <a:schemeClr val="accent1">
+              <a:lumMod val="40000"/>
+              <a:lumOff val="60000"/>
+            </a:schemeClr>
+          </a:solidFill>
+        </p:spPr>
+        <p:style>
+          <a:lnRef idx="2">
+            <a:schemeClr val="accent1">
+              <a:shade val="50000"/>
+            </a:schemeClr>
+          </a:lnRef>
+          <a:fillRef idx="1">
+            <a:schemeClr val="accent1"/>
+          </a:fillRef>
+          <a:effectRef idx="0">
+            <a:schemeClr val="accent1"/>
+          </a:effectRef>
+          <a:fontRef idx="minor">
+            <a:schemeClr val="lt1"/>
+          </a:fontRef>
+        </p:style>
+        <p:txBody>
+          <a:bodyPr rtlCol="0" anchor="ctr"/>
+          <a:lstStyle/>
+          <a:p>
+            <a:pPr algn="ctr"/>
+            <a:endParaRPr lang="en-US"/>
+          </a:p>
+        </p:txBody>
+      </p:sp>
+      <p:sp>
+        <p:nvSpPr>
+          <p:cNvPr id="184" name="Rectangle 183">
+            <a:extLst>
+              <a:ext uri="{FF2B5EF4-FFF2-40B4-BE49-F238E27FC236}">
+                <a16:creationId xmlns:a16="http://schemas.microsoft.com/office/drawing/2014/main" id="{31A91956-3384-1642-B746-D49B904CACCC}"/>
+              </a:ext>
+            </a:extLst>
+          </p:cNvPr>
+          <p:cNvSpPr/>
+          <p:nvPr/>
+        </p:nvSpPr>
+        <p:spPr>
+          <a:xfrm>
+            <a:off x="2097466" y="4603413"/>
+            <a:ext cx="235670" cy="301658"/>
+          </a:xfrm>
+          <a:prstGeom prst="rect">
+            <a:avLst/>
+          </a:prstGeom>
+          <a:solidFill>
+            <a:schemeClr val="accent1">
+              <a:lumMod val="40000"/>
+              <a:lumOff val="60000"/>
+            </a:schemeClr>
+          </a:solidFill>
+        </p:spPr>
+        <p:style>
+          <a:lnRef idx="2">
+            <a:schemeClr val="accent1">
+              <a:shade val="50000"/>
+            </a:schemeClr>
+          </a:lnRef>
+          <a:fillRef idx="1">
+            <a:schemeClr val="accent1"/>
+          </a:fillRef>
+          <a:effectRef idx="0">
+            <a:schemeClr val="accent1"/>
+          </a:effectRef>
+          <a:fontRef idx="minor">
+            <a:schemeClr val="lt1"/>
+          </a:fontRef>
+        </p:style>
+        <p:txBody>
+          <a:bodyPr rtlCol="0" anchor="ctr"/>
+          <a:lstStyle/>
+          <a:p>
+            <a:pPr algn="ctr"/>
+            <a:endParaRPr lang="en-US"/>
+          </a:p>
+        </p:txBody>
+      </p:sp>
+      <p:sp>
+        <p:nvSpPr>
+          <p:cNvPr id="185" name="Rectangle 184">
+            <a:extLst>
+              <a:ext uri="{FF2B5EF4-FFF2-40B4-BE49-F238E27FC236}">
+                <a16:creationId xmlns:a16="http://schemas.microsoft.com/office/drawing/2014/main" id="{DC9EFAC6-7E24-DA4E-85BD-B3FA339080BF}"/>
+              </a:ext>
+            </a:extLst>
+          </p:cNvPr>
+          <p:cNvSpPr/>
+          <p:nvPr/>
+        </p:nvSpPr>
+        <p:spPr>
+          <a:xfrm>
+            <a:off x="2333136" y="4603413"/>
+            <a:ext cx="235670" cy="301658"/>
+          </a:xfrm>
+          <a:prstGeom prst="rect">
+            <a:avLst/>
+          </a:prstGeom>
+          <a:solidFill>
+            <a:schemeClr val="accent1">
+              <a:lumMod val="40000"/>
+              <a:lumOff val="60000"/>
+            </a:schemeClr>
+          </a:solidFill>
+        </p:spPr>
+        <p:style>
+          <a:lnRef idx="2">
+            <a:schemeClr val="accent1">
+              <a:shade val="50000"/>
+            </a:schemeClr>
+          </a:lnRef>
+          <a:fillRef idx="1">
+            <a:schemeClr val="accent1"/>
+          </a:fillRef>
+          <a:effectRef idx="0">
+            <a:schemeClr val="accent1"/>
+          </a:effectRef>
+          <a:fontRef idx="minor">
+            <a:schemeClr val="lt1"/>
+          </a:fontRef>
+        </p:style>
+        <p:txBody>
+          <a:bodyPr rtlCol="0" anchor="ctr"/>
+          <a:lstStyle/>
+          <a:p>
+            <a:pPr algn="ctr"/>
+            <a:endParaRPr lang="en-US"/>
+          </a:p>
+        </p:txBody>
+      </p:sp>
+      <p:sp>
+        <p:nvSpPr>
+          <p:cNvPr id="186" name="Rectangle 185">
+            <a:extLst>
+              <a:ext uri="{FF2B5EF4-FFF2-40B4-BE49-F238E27FC236}">
+                <a16:creationId xmlns:a16="http://schemas.microsoft.com/office/drawing/2014/main" id="{D78AEA4D-7D15-8F41-83CC-1029FA2CEA28}"/>
+              </a:ext>
+            </a:extLst>
+          </p:cNvPr>
+          <p:cNvSpPr/>
+          <p:nvPr/>
+        </p:nvSpPr>
+        <p:spPr>
+          <a:xfrm>
+            <a:off x="2568806" y="4603413"/>
+            <a:ext cx="235670" cy="301658"/>
+          </a:xfrm>
+          <a:prstGeom prst="rect">
+            <a:avLst/>
+          </a:prstGeom>
+          <a:solidFill>
+            <a:schemeClr val="accent1">
+              <a:lumMod val="40000"/>
+              <a:lumOff val="60000"/>
+            </a:schemeClr>
+          </a:solidFill>
+        </p:spPr>
+        <p:style>
+          <a:lnRef idx="2">
+            <a:schemeClr val="accent1">
+              <a:shade val="50000"/>
+            </a:schemeClr>
+          </a:lnRef>
+          <a:fillRef idx="1">
+            <a:schemeClr val="accent1"/>
+          </a:fillRef>
+          <a:effectRef idx="0">
+            <a:schemeClr val="accent1"/>
+          </a:effectRef>
+          <a:fontRef idx="minor">
+            <a:schemeClr val="lt1"/>
+          </a:fontRef>
+        </p:style>
+        <p:txBody>
+          <a:bodyPr rtlCol="0" anchor="ctr"/>
+          <a:lstStyle/>
+          <a:p>
+            <a:pPr algn="ctr"/>
+            <a:endParaRPr lang="en-US"/>
+          </a:p>
+        </p:txBody>
+      </p:sp>
+      <p:sp>
+        <p:nvSpPr>
+          <p:cNvPr id="187" name="Rectangle 186">
+            <a:extLst>
+              <a:ext uri="{FF2B5EF4-FFF2-40B4-BE49-F238E27FC236}">
+                <a16:creationId xmlns:a16="http://schemas.microsoft.com/office/drawing/2014/main" id="{CD152910-C87B-884D-B81D-FB17FC1BA1D9}"/>
+              </a:ext>
+            </a:extLst>
+          </p:cNvPr>
+          <p:cNvSpPr/>
+          <p:nvPr/>
+        </p:nvSpPr>
+        <p:spPr>
+          <a:xfrm>
+            <a:off x="2804476" y="4603413"/>
+            <a:ext cx="235670" cy="301658"/>
+          </a:xfrm>
+          <a:prstGeom prst="rect">
+            <a:avLst/>
+          </a:prstGeom>
+          <a:solidFill>
+            <a:schemeClr val="accent1">
+              <a:lumMod val="40000"/>
+              <a:lumOff val="60000"/>
+            </a:schemeClr>
+          </a:solidFill>
+        </p:spPr>
+        <p:style>
+          <a:lnRef idx="2">
+            <a:schemeClr val="accent1">
+              <a:shade val="50000"/>
+            </a:schemeClr>
+          </a:lnRef>
+          <a:fillRef idx="1">
+            <a:schemeClr val="accent1"/>
+          </a:fillRef>
+          <a:effectRef idx="0">
+            <a:schemeClr val="accent1"/>
+          </a:effectRef>
+          <a:fontRef idx="minor">
+            <a:schemeClr val="lt1"/>
+          </a:fontRef>
+        </p:style>
+        <p:txBody>
+          <a:bodyPr rtlCol="0" anchor="ctr"/>
+          <a:lstStyle/>
+          <a:p>
+            <a:pPr algn="ctr"/>
+            <a:endParaRPr lang="en-US"/>
+          </a:p>
+        </p:txBody>
+      </p:sp>
+      <p:sp>
+        <p:nvSpPr>
+          <p:cNvPr id="188" name="Rectangle 187">
+            <a:extLst>
+              <a:ext uri="{FF2B5EF4-FFF2-40B4-BE49-F238E27FC236}">
+                <a16:creationId xmlns:a16="http://schemas.microsoft.com/office/drawing/2014/main" id="{14E094E0-1107-1B45-98AE-DE1CFF9EC57C}"/>
+              </a:ext>
+            </a:extLst>
+          </p:cNvPr>
+          <p:cNvSpPr/>
+          <p:nvPr/>
+        </p:nvSpPr>
+        <p:spPr>
+          <a:xfrm>
+            <a:off x="3040146" y="4603413"/>
+            <a:ext cx="235670" cy="301658"/>
+          </a:xfrm>
+          <a:prstGeom prst="rect">
+            <a:avLst/>
+          </a:prstGeom>
+          <a:solidFill>
+            <a:schemeClr val="accent1">
+              <a:lumMod val="40000"/>
+              <a:lumOff val="60000"/>
+            </a:schemeClr>
+          </a:solidFill>
+        </p:spPr>
+        <p:style>
+          <a:lnRef idx="2">
+            <a:schemeClr val="accent1">
+              <a:shade val="50000"/>
+            </a:schemeClr>
+          </a:lnRef>
+          <a:fillRef idx="1">
+            <a:schemeClr val="accent1"/>
+          </a:fillRef>
+          <a:effectRef idx="0">
+            <a:schemeClr val="accent1"/>
+          </a:effectRef>
+          <a:fontRef idx="minor">
+            <a:schemeClr val="lt1"/>
+          </a:fontRef>
+        </p:style>
+        <p:txBody>
+          <a:bodyPr rtlCol="0" anchor="ctr"/>
+          <a:lstStyle/>
+          <a:p>
+            <a:pPr algn="ctr"/>
+            <a:endParaRPr lang="en-US"/>
+          </a:p>
+        </p:txBody>
+      </p:sp>
+      <p:sp>
+        <p:nvSpPr>
+          <p:cNvPr id="189" name="Rectangle 188">
+            <a:extLst>
+              <a:ext uri="{FF2B5EF4-FFF2-40B4-BE49-F238E27FC236}">
+                <a16:creationId xmlns:a16="http://schemas.microsoft.com/office/drawing/2014/main" id="{F4CC9670-41FD-3B42-AC39-BD3EAE188AF0}"/>
+              </a:ext>
+            </a:extLst>
+          </p:cNvPr>
+          <p:cNvSpPr/>
+          <p:nvPr/>
+        </p:nvSpPr>
+        <p:spPr>
+          <a:xfrm>
+            <a:off x="3984398" y="4603413"/>
+            <a:ext cx="235670" cy="301658"/>
+          </a:xfrm>
+          <a:prstGeom prst="rect">
+            <a:avLst/>
+          </a:prstGeom>
+          <a:solidFill>
+            <a:schemeClr val="accent1">
+              <a:lumMod val="40000"/>
+              <a:lumOff val="60000"/>
+            </a:schemeClr>
+          </a:solidFill>
+        </p:spPr>
+        <p:style>
+          <a:lnRef idx="2">
+            <a:schemeClr val="accent1">
+              <a:shade val="50000"/>
+            </a:schemeClr>
+          </a:lnRef>
+          <a:fillRef idx="1">
+            <a:schemeClr val="accent1"/>
+          </a:fillRef>
+          <a:effectRef idx="0">
+            <a:schemeClr val="accent1"/>
+          </a:effectRef>
+          <a:fontRef idx="minor">
+            <a:schemeClr val="lt1"/>
+          </a:fontRef>
+        </p:style>
+        <p:txBody>
+          <a:bodyPr rtlCol="0" anchor="ctr"/>
+          <a:lstStyle/>
+          <a:p>
+            <a:pPr algn="ctr"/>
+            <a:endParaRPr lang="en-US"/>
+          </a:p>
+        </p:txBody>
+      </p:sp>
+      <p:sp>
+        <p:nvSpPr>
+          <p:cNvPr id="190" name="Rectangle 189">
+            <a:extLst>
+              <a:ext uri="{FF2B5EF4-FFF2-40B4-BE49-F238E27FC236}">
+                <a16:creationId xmlns:a16="http://schemas.microsoft.com/office/drawing/2014/main" id="{254C8FF4-B16A-5748-8FE8-1AE32ED2AC87}"/>
+              </a:ext>
+            </a:extLst>
+          </p:cNvPr>
+          <p:cNvSpPr/>
+          <p:nvPr/>
+        </p:nvSpPr>
+        <p:spPr>
+          <a:xfrm>
+            <a:off x="4220068" y="4603413"/>
+            <a:ext cx="235670" cy="301658"/>
+          </a:xfrm>
+          <a:prstGeom prst="rect">
+            <a:avLst/>
+          </a:prstGeom>
+          <a:solidFill>
+            <a:schemeClr val="accent1">
+              <a:lumMod val="40000"/>
+              <a:lumOff val="60000"/>
+            </a:schemeClr>
+          </a:solidFill>
+        </p:spPr>
+        <p:style>
+          <a:lnRef idx="2">
+            <a:schemeClr val="accent1">
+              <a:shade val="50000"/>
+            </a:schemeClr>
+          </a:lnRef>
+          <a:fillRef idx="1">
+            <a:schemeClr val="accent1"/>
+          </a:fillRef>
+          <a:effectRef idx="0">
+            <a:schemeClr val="accent1"/>
+          </a:effectRef>
+          <a:fontRef idx="minor">
+            <a:schemeClr val="lt1"/>
+          </a:fontRef>
+        </p:style>
+        <p:txBody>
+          <a:bodyPr rtlCol="0" anchor="ctr"/>
+          <a:lstStyle/>
+          <a:p>
+            <a:pPr algn="ctr"/>
+            <a:endParaRPr lang="en-US"/>
+          </a:p>
+        </p:txBody>
+      </p:sp>
+      <p:sp>
+        <p:nvSpPr>
+          <p:cNvPr id="191" name="Rectangle 190">
+            <a:extLst>
+              <a:ext uri="{FF2B5EF4-FFF2-40B4-BE49-F238E27FC236}">
+                <a16:creationId xmlns:a16="http://schemas.microsoft.com/office/drawing/2014/main" id="{4596A086-889B-AE40-996A-6A5980E37C30}"/>
+              </a:ext>
+            </a:extLst>
+          </p:cNvPr>
+          <p:cNvSpPr/>
+          <p:nvPr/>
+        </p:nvSpPr>
+        <p:spPr>
+          <a:xfrm>
+            <a:off x="4455738" y="4603413"/>
+            <a:ext cx="235670" cy="301658"/>
+          </a:xfrm>
+          <a:prstGeom prst="rect">
+            <a:avLst/>
+          </a:prstGeom>
+          <a:solidFill>
+            <a:schemeClr val="accent1">
+              <a:lumMod val="40000"/>
+              <a:lumOff val="60000"/>
+            </a:schemeClr>
+          </a:solidFill>
+        </p:spPr>
+        <p:style>
+          <a:lnRef idx="2">
+            <a:schemeClr val="accent1">
+              <a:shade val="50000"/>
+            </a:schemeClr>
+          </a:lnRef>
+          <a:fillRef idx="1">
+            <a:schemeClr val="accent1"/>
+          </a:fillRef>
+          <a:effectRef idx="0">
+            <a:schemeClr val="accent1"/>
+          </a:effectRef>
+          <a:fontRef idx="minor">
+            <a:schemeClr val="lt1"/>
+          </a:fontRef>
+        </p:style>
+        <p:txBody>
+          <a:bodyPr rtlCol="0" anchor="ctr"/>
+          <a:lstStyle/>
+          <a:p>
+            <a:pPr algn="ctr"/>
+            <a:endParaRPr lang="en-US"/>
+          </a:p>
+        </p:txBody>
+      </p:sp>
+      <p:sp>
+        <p:nvSpPr>
+          <p:cNvPr id="192" name="Rectangle 191">
+            <a:extLst>
+              <a:ext uri="{FF2B5EF4-FFF2-40B4-BE49-F238E27FC236}">
+                <a16:creationId xmlns:a16="http://schemas.microsoft.com/office/drawing/2014/main" id="{C5E2A39F-A142-5943-972A-D053E47CCDE4}"/>
+              </a:ext>
+            </a:extLst>
+          </p:cNvPr>
+          <p:cNvSpPr/>
+          <p:nvPr/>
+        </p:nvSpPr>
+        <p:spPr>
+          <a:xfrm>
+            <a:off x="4691408" y="4603413"/>
+            <a:ext cx="235670" cy="301658"/>
+          </a:xfrm>
+          <a:prstGeom prst="rect">
+            <a:avLst/>
+          </a:prstGeom>
+          <a:solidFill>
+            <a:schemeClr val="accent1">
+              <a:lumMod val="40000"/>
+              <a:lumOff val="60000"/>
+            </a:schemeClr>
+          </a:solidFill>
+        </p:spPr>
+        <p:style>
+          <a:lnRef idx="2">
+            <a:schemeClr val="accent1">
+              <a:shade val="50000"/>
+            </a:schemeClr>
+          </a:lnRef>
+          <a:fillRef idx="1">
+            <a:schemeClr val="accent1"/>
+          </a:fillRef>
+          <a:effectRef idx="0">
+            <a:schemeClr val="accent1"/>
+          </a:effectRef>
+          <a:fontRef idx="minor">
+            <a:schemeClr val="lt1"/>
+          </a:fontRef>
+        </p:style>
+        <p:txBody>
+          <a:bodyPr rtlCol="0" anchor="ctr"/>
+          <a:lstStyle/>
+          <a:p>
+            <a:pPr algn="ctr"/>
+            <a:endParaRPr lang="en-US"/>
+          </a:p>
+        </p:txBody>
+      </p:sp>
+      <p:sp>
+        <p:nvSpPr>
+          <p:cNvPr id="197" name="TextBox 196">
+            <a:extLst>
+              <a:ext uri="{FF2B5EF4-FFF2-40B4-BE49-F238E27FC236}">
+                <a16:creationId xmlns:a16="http://schemas.microsoft.com/office/drawing/2014/main" id="{F5B98986-61B6-AB48-9F2F-A740CD65B4AE}"/>
+              </a:ext>
+            </a:extLst>
+          </p:cNvPr>
+          <p:cNvSpPr txBox="1"/>
+          <p:nvPr/>
+        </p:nvSpPr>
+        <p:spPr>
+          <a:xfrm>
+            <a:off x="3501630" y="4546737"/>
+            <a:ext cx="360996" cy="400110"/>
+          </a:xfrm>
+          <a:prstGeom prst="rect">
+            <a:avLst/>
+          </a:prstGeom>
+          <a:noFill/>
+        </p:spPr>
+        <p:txBody>
+          <a:bodyPr wrap="none" rtlCol="0">
+            <a:spAutoFit/>
+          </a:bodyPr>
+          <a:lstStyle/>
+          <a:p>
+            <a:r>
+              <a:rPr lang="en-US" sz="2000"/>
+              <a:t>…</a:t>
+            </a:r>
+          </a:p>
+        </p:txBody>
+      </p:sp>
+      <p:sp>
+        <p:nvSpPr>
+          <p:cNvPr id="198" name="Rectangle 197">
+            <a:extLst>
+              <a:ext uri="{FF2B5EF4-FFF2-40B4-BE49-F238E27FC236}">
+                <a16:creationId xmlns:a16="http://schemas.microsoft.com/office/drawing/2014/main" id="{C0F3B47F-1104-A740-B176-44CA8B9F2235}"/>
+              </a:ext>
+            </a:extLst>
+          </p:cNvPr>
+          <p:cNvSpPr/>
+          <p:nvPr/>
+        </p:nvSpPr>
+        <p:spPr>
+          <a:xfrm>
+            <a:off x="1390456" y="4905071"/>
+            <a:ext cx="235670" cy="301658"/>
+          </a:xfrm>
+          <a:prstGeom prst="rect">
+            <a:avLst/>
+          </a:prstGeom>
+          <a:solidFill>
+            <a:schemeClr val="accent1">
+              <a:lumMod val="40000"/>
+              <a:lumOff val="60000"/>
+            </a:schemeClr>
+          </a:solidFill>
+        </p:spPr>
+        <p:style>
+          <a:lnRef idx="2">
+            <a:schemeClr val="accent1">
+              <a:shade val="50000"/>
+            </a:schemeClr>
+          </a:lnRef>
+          <a:fillRef idx="1">
+            <a:schemeClr val="accent1"/>
+          </a:fillRef>
+          <a:effectRef idx="0">
+            <a:schemeClr val="accent1"/>
+          </a:effectRef>
+          <a:fontRef idx="minor">
+            <a:schemeClr val="lt1"/>
+          </a:fontRef>
+        </p:style>
+        <p:txBody>
+          <a:bodyPr rtlCol="0" anchor="ctr"/>
+          <a:lstStyle/>
+          <a:p>
+            <a:pPr algn="ctr"/>
+            <a:endParaRPr lang="en-US"/>
+          </a:p>
+        </p:txBody>
+      </p:sp>
+      <p:sp>
+        <p:nvSpPr>
+          <p:cNvPr id="199" name="Rectangle 198">
+            <a:extLst>
+              <a:ext uri="{FF2B5EF4-FFF2-40B4-BE49-F238E27FC236}">
+                <a16:creationId xmlns:a16="http://schemas.microsoft.com/office/drawing/2014/main" id="{2ADE8D18-20FE-4246-B44C-307D3CFA935E}"/>
+              </a:ext>
+            </a:extLst>
+          </p:cNvPr>
+          <p:cNvSpPr/>
+          <p:nvPr/>
+        </p:nvSpPr>
+        <p:spPr>
+          <a:xfrm>
+            <a:off x="1626126" y="4905071"/>
+            <a:ext cx="235670" cy="301658"/>
+          </a:xfrm>
+          <a:prstGeom prst="rect">
+            <a:avLst/>
+          </a:prstGeom>
+          <a:solidFill>
+            <a:schemeClr val="accent1">
+              <a:lumMod val="40000"/>
+              <a:lumOff val="60000"/>
+            </a:schemeClr>
+          </a:solidFill>
+        </p:spPr>
+        <p:style>
+          <a:lnRef idx="2">
+            <a:schemeClr val="accent1">
+              <a:shade val="50000"/>
+            </a:schemeClr>
+          </a:lnRef>
+          <a:fillRef idx="1">
+            <a:schemeClr val="accent1"/>
+          </a:fillRef>
+          <a:effectRef idx="0">
+            <a:schemeClr val="accent1"/>
+          </a:effectRef>
+          <a:fontRef idx="minor">
+            <a:schemeClr val="lt1"/>
+          </a:fontRef>
+        </p:style>
+        <p:txBody>
+          <a:bodyPr rtlCol="0" anchor="ctr"/>
+          <a:lstStyle/>
+          <a:p>
+            <a:pPr algn="ctr"/>
+            <a:endParaRPr lang="en-US"/>
+          </a:p>
+        </p:txBody>
+      </p:sp>
+      <p:sp>
+        <p:nvSpPr>
+          <p:cNvPr id="200" name="Rectangle 199">
+            <a:extLst>
+              <a:ext uri="{FF2B5EF4-FFF2-40B4-BE49-F238E27FC236}">
+                <a16:creationId xmlns:a16="http://schemas.microsoft.com/office/drawing/2014/main" id="{F37004CA-5A1B-4347-AEE6-C6FDB7AFB9EF}"/>
+              </a:ext>
+            </a:extLst>
+          </p:cNvPr>
+          <p:cNvSpPr/>
+          <p:nvPr/>
+        </p:nvSpPr>
+        <p:spPr>
+          <a:xfrm>
+            <a:off x="1861796" y="4905071"/>
+            <a:ext cx="235670" cy="301658"/>
+          </a:xfrm>
+          <a:prstGeom prst="rect">
+            <a:avLst/>
+          </a:prstGeom>
+          <a:solidFill>
+            <a:schemeClr val="accent1">
+              <a:lumMod val="40000"/>
+              <a:lumOff val="60000"/>
+            </a:schemeClr>
+          </a:solidFill>
+        </p:spPr>
+        <p:style>
+          <a:lnRef idx="2">
+            <a:schemeClr val="accent1">
+              <a:shade val="50000"/>
+            </a:schemeClr>
+          </a:lnRef>
+          <a:fillRef idx="1">
+            <a:schemeClr val="accent1"/>
+          </a:fillRef>
+          <a:effectRef idx="0">
+            <a:schemeClr val="accent1"/>
+          </a:effectRef>
+          <a:fontRef idx="minor">
+            <a:schemeClr val="lt1"/>
+          </a:fontRef>
+        </p:style>
+        <p:txBody>
+          <a:bodyPr rtlCol="0" anchor="ctr"/>
+          <a:lstStyle/>
+          <a:p>
+            <a:pPr algn="ctr"/>
+            <a:endParaRPr lang="en-US"/>
+          </a:p>
+        </p:txBody>
+      </p:sp>
+      <p:sp>
+        <p:nvSpPr>
+          <p:cNvPr id="201" name="Rectangle 200">
+            <a:extLst>
+              <a:ext uri="{FF2B5EF4-FFF2-40B4-BE49-F238E27FC236}">
+                <a16:creationId xmlns:a16="http://schemas.microsoft.com/office/drawing/2014/main" id="{82468DAD-0738-4344-9167-152953A46373}"/>
+              </a:ext>
+            </a:extLst>
+          </p:cNvPr>
+          <p:cNvSpPr/>
+          <p:nvPr/>
+        </p:nvSpPr>
+        <p:spPr>
+          <a:xfrm>
+            <a:off x="2097466" y="4905071"/>
+            <a:ext cx="235670" cy="301658"/>
+          </a:xfrm>
+          <a:prstGeom prst="rect">
+            <a:avLst/>
+          </a:prstGeom>
+          <a:solidFill>
+            <a:schemeClr val="accent1">
+              <a:lumMod val="40000"/>
+              <a:lumOff val="60000"/>
+            </a:schemeClr>
+          </a:solidFill>
+        </p:spPr>
+        <p:style>
+          <a:lnRef idx="2">
+            <a:schemeClr val="accent1">
+              <a:shade val="50000"/>
+            </a:schemeClr>
+          </a:lnRef>
+          <a:fillRef idx="1">
+            <a:schemeClr val="accent1"/>
+          </a:fillRef>
+          <a:effectRef idx="0">
+            <a:schemeClr val="accent1"/>
+          </a:effectRef>
+          <a:fontRef idx="minor">
+            <a:schemeClr val="lt1"/>
+          </a:fontRef>
+        </p:style>
+        <p:txBody>
+          <a:bodyPr rtlCol="0" anchor="ctr"/>
+          <a:lstStyle/>
+          <a:p>
+            <a:pPr algn="ctr"/>
+            <a:endParaRPr lang="en-US"/>
+          </a:p>
+        </p:txBody>
+      </p:sp>
+      <p:sp>
+        <p:nvSpPr>
+          <p:cNvPr id="202" name="Rectangle 201">
+            <a:extLst>
+              <a:ext uri="{FF2B5EF4-FFF2-40B4-BE49-F238E27FC236}">
+                <a16:creationId xmlns:a16="http://schemas.microsoft.com/office/drawing/2014/main" id="{845DD06B-416B-734E-8898-482A9D10A375}"/>
+              </a:ext>
+            </a:extLst>
+          </p:cNvPr>
+          <p:cNvSpPr/>
+          <p:nvPr/>
+        </p:nvSpPr>
+        <p:spPr>
+          <a:xfrm>
+            <a:off x="2333136" y="4905071"/>
+            <a:ext cx="235670" cy="301658"/>
+          </a:xfrm>
+          <a:prstGeom prst="rect">
+            <a:avLst/>
+          </a:prstGeom>
+          <a:solidFill>
+            <a:schemeClr val="accent1">
+              <a:lumMod val="40000"/>
+              <a:lumOff val="60000"/>
+            </a:schemeClr>
+          </a:solidFill>
+        </p:spPr>
+        <p:style>
+          <a:lnRef idx="2">
+            <a:schemeClr val="accent1">
+              <a:shade val="50000"/>
+            </a:schemeClr>
+          </a:lnRef>
+          <a:fillRef idx="1">
+            <a:schemeClr val="accent1"/>
+          </a:fillRef>
+          <a:effectRef idx="0">
+            <a:schemeClr val="accent1"/>
+          </a:effectRef>
+          <a:fontRef idx="minor">
+            <a:schemeClr val="lt1"/>
+          </a:fontRef>
+        </p:style>
+        <p:txBody>
+          <a:bodyPr rtlCol="0" anchor="ctr"/>
+          <a:lstStyle/>
+          <a:p>
+            <a:pPr algn="ctr"/>
+            <a:endParaRPr lang="en-US"/>
+          </a:p>
+        </p:txBody>
+      </p:sp>
+      <p:sp>
+        <p:nvSpPr>
+          <p:cNvPr id="203" name="Rectangle 202">
+            <a:extLst>
+              <a:ext uri="{FF2B5EF4-FFF2-40B4-BE49-F238E27FC236}">
+                <a16:creationId xmlns:a16="http://schemas.microsoft.com/office/drawing/2014/main" id="{8B20CA7F-8F99-4044-8A88-E8856F2FA437}"/>
+              </a:ext>
+            </a:extLst>
+          </p:cNvPr>
+          <p:cNvSpPr/>
+          <p:nvPr/>
+        </p:nvSpPr>
+        <p:spPr>
+          <a:xfrm>
+            <a:off x="2568806" y="4905071"/>
+            <a:ext cx="235670" cy="301658"/>
+          </a:xfrm>
+          <a:prstGeom prst="rect">
+            <a:avLst/>
+          </a:prstGeom>
+          <a:solidFill>
+            <a:schemeClr val="accent1">
+              <a:lumMod val="40000"/>
+              <a:lumOff val="60000"/>
+            </a:schemeClr>
+          </a:solidFill>
+        </p:spPr>
+        <p:style>
+          <a:lnRef idx="2">
+            <a:schemeClr val="accent1">
+              <a:shade val="50000"/>
+            </a:schemeClr>
+          </a:lnRef>
+          <a:fillRef idx="1">
+            <a:schemeClr val="accent1"/>
+          </a:fillRef>
+          <a:effectRef idx="0">
+            <a:schemeClr val="accent1"/>
+          </a:effectRef>
+          <a:fontRef idx="minor">
+            <a:schemeClr val="lt1"/>
+          </a:fontRef>
+        </p:style>
+        <p:txBody>
+          <a:bodyPr rtlCol="0" anchor="ctr"/>
+          <a:lstStyle/>
+          <a:p>
+            <a:pPr algn="ctr"/>
+            <a:endParaRPr lang="en-US"/>
+          </a:p>
+        </p:txBody>
+      </p:sp>
+      <p:sp>
+        <p:nvSpPr>
+          <p:cNvPr id="204" name="Rectangle 203">
+            <a:extLst>
+              <a:ext uri="{FF2B5EF4-FFF2-40B4-BE49-F238E27FC236}">
+                <a16:creationId xmlns:a16="http://schemas.microsoft.com/office/drawing/2014/main" id="{2909E160-C63D-8F44-AAFE-A7C752640055}"/>
+              </a:ext>
+            </a:extLst>
+          </p:cNvPr>
+          <p:cNvSpPr/>
+          <p:nvPr/>
+        </p:nvSpPr>
+        <p:spPr>
+          <a:xfrm>
+            <a:off x="2804476" y="4905071"/>
+            <a:ext cx="235670" cy="301658"/>
+          </a:xfrm>
+          <a:prstGeom prst="rect">
+            <a:avLst/>
+          </a:prstGeom>
+          <a:solidFill>
+            <a:schemeClr val="accent1">
+              <a:lumMod val="40000"/>
+              <a:lumOff val="60000"/>
+            </a:schemeClr>
+          </a:solidFill>
+        </p:spPr>
+        <p:style>
+          <a:lnRef idx="2">
+            <a:schemeClr val="accent1">
+              <a:shade val="50000"/>
+            </a:schemeClr>
+          </a:lnRef>
+          <a:fillRef idx="1">
+            <a:schemeClr val="accent1"/>
+          </a:fillRef>
+          <a:effectRef idx="0">
+            <a:schemeClr val="accent1"/>
+          </a:effectRef>
+          <a:fontRef idx="minor">
+            <a:schemeClr val="lt1"/>
+          </a:fontRef>
+        </p:style>
+        <p:txBody>
+          <a:bodyPr rtlCol="0" anchor="ctr"/>
+          <a:lstStyle/>
+          <a:p>
+            <a:pPr algn="ctr"/>
+            <a:endParaRPr lang="en-US"/>
+          </a:p>
+        </p:txBody>
+      </p:sp>
+      <p:sp>
+        <p:nvSpPr>
+          <p:cNvPr id="205" name="Rectangle 204">
+            <a:extLst>
+              <a:ext uri="{FF2B5EF4-FFF2-40B4-BE49-F238E27FC236}">
+                <a16:creationId xmlns:a16="http://schemas.microsoft.com/office/drawing/2014/main" id="{B7ED491A-B133-A84F-9522-5C098053A4A4}"/>
+              </a:ext>
+            </a:extLst>
+          </p:cNvPr>
+          <p:cNvSpPr/>
+          <p:nvPr/>
+        </p:nvSpPr>
+        <p:spPr>
+          <a:xfrm>
+            <a:off x="3040146" y="4905071"/>
+            <a:ext cx="235670" cy="301658"/>
+          </a:xfrm>
+          <a:prstGeom prst="rect">
+            <a:avLst/>
+          </a:prstGeom>
+          <a:solidFill>
+            <a:schemeClr val="accent1">
+              <a:lumMod val="40000"/>
+              <a:lumOff val="60000"/>
+            </a:schemeClr>
+          </a:solidFill>
+        </p:spPr>
+        <p:style>
+          <a:lnRef idx="2">
+            <a:schemeClr val="accent1">
+              <a:shade val="50000"/>
+            </a:schemeClr>
+          </a:lnRef>
+          <a:fillRef idx="1">
+            <a:schemeClr val="accent1"/>
+          </a:fillRef>
+          <a:effectRef idx="0">
+            <a:schemeClr val="accent1"/>
+          </a:effectRef>
+          <a:fontRef idx="minor">
+            <a:schemeClr val="lt1"/>
+          </a:fontRef>
+        </p:style>
+        <p:txBody>
+          <a:bodyPr rtlCol="0" anchor="ctr"/>
+          <a:lstStyle/>
+          <a:p>
+            <a:pPr algn="ctr"/>
+            <a:endParaRPr lang="en-US"/>
+          </a:p>
+        </p:txBody>
+      </p:sp>
+      <p:sp>
+        <p:nvSpPr>
+          <p:cNvPr id="206" name="Rectangle 205">
+            <a:extLst>
+              <a:ext uri="{FF2B5EF4-FFF2-40B4-BE49-F238E27FC236}">
+                <a16:creationId xmlns:a16="http://schemas.microsoft.com/office/drawing/2014/main" id="{7FBA4B62-C8C5-1B42-AA20-8B19B3E03B8C}"/>
+              </a:ext>
+            </a:extLst>
+          </p:cNvPr>
+          <p:cNvSpPr/>
+          <p:nvPr/>
+        </p:nvSpPr>
+        <p:spPr>
+          <a:xfrm>
+            <a:off x="3984398" y="4905071"/>
+            <a:ext cx="235670" cy="301658"/>
+          </a:xfrm>
+          <a:prstGeom prst="rect">
+            <a:avLst/>
+          </a:prstGeom>
+          <a:solidFill>
+            <a:schemeClr val="accent1">
+              <a:lumMod val="40000"/>
+              <a:lumOff val="60000"/>
+            </a:schemeClr>
+          </a:solidFill>
+        </p:spPr>
+        <p:style>
+          <a:lnRef idx="2">
+            <a:schemeClr val="accent1">
+              <a:shade val="50000"/>
+            </a:schemeClr>
+          </a:lnRef>
+          <a:fillRef idx="1">
+            <a:schemeClr val="accent1"/>
+          </a:fillRef>
+          <a:effectRef idx="0">
+            <a:schemeClr val="accent1"/>
+          </a:effectRef>
+          <a:fontRef idx="minor">
+            <a:schemeClr val="lt1"/>
+          </a:fontRef>
+        </p:style>
+        <p:txBody>
+          <a:bodyPr rtlCol="0" anchor="ctr"/>
+          <a:lstStyle/>
+          <a:p>
+            <a:pPr algn="ctr"/>
+            <a:endParaRPr lang="en-US"/>
+          </a:p>
+        </p:txBody>
+      </p:sp>
+      <p:sp>
+        <p:nvSpPr>
+          <p:cNvPr id="207" name="Rectangle 206">
+            <a:extLst>
+              <a:ext uri="{FF2B5EF4-FFF2-40B4-BE49-F238E27FC236}">
+                <a16:creationId xmlns:a16="http://schemas.microsoft.com/office/drawing/2014/main" id="{0B8A27F8-F0D9-A349-B06D-CBF3B85E5CE1}"/>
+              </a:ext>
+            </a:extLst>
+          </p:cNvPr>
+          <p:cNvSpPr/>
+          <p:nvPr/>
+        </p:nvSpPr>
+        <p:spPr>
+          <a:xfrm>
+            <a:off x="4220068" y="4905071"/>
+            <a:ext cx="235670" cy="301658"/>
+          </a:xfrm>
+          <a:prstGeom prst="rect">
+            <a:avLst/>
+          </a:prstGeom>
+          <a:solidFill>
+            <a:schemeClr val="accent1">
+              <a:lumMod val="40000"/>
+              <a:lumOff val="60000"/>
+            </a:schemeClr>
+          </a:solidFill>
+        </p:spPr>
+        <p:style>
+          <a:lnRef idx="2">
+            <a:schemeClr val="accent1">
+              <a:shade val="50000"/>
+            </a:schemeClr>
+          </a:lnRef>
+          <a:fillRef idx="1">
+            <a:schemeClr val="accent1"/>
+          </a:fillRef>
+          <a:effectRef idx="0">
+            <a:schemeClr val="accent1"/>
+          </a:effectRef>
+          <a:fontRef idx="minor">
+            <a:schemeClr val="lt1"/>
+          </a:fontRef>
+        </p:style>
+        <p:txBody>
+          <a:bodyPr rtlCol="0" anchor="ctr"/>
+          <a:lstStyle/>
+          <a:p>
+            <a:pPr algn="ctr"/>
+            <a:endParaRPr lang="en-US"/>
+          </a:p>
+        </p:txBody>
+      </p:sp>
+      <p:sp>
+        <p:nvSpPr>
+          <p:cNvPr id="208" name="Rectangle 207">
+            <a:extLst>
+              <a:ext uri="{FF2B5EF4-FFF2-40B4-BE49-F238E27FC236}">
+                <a16:creationId xmlns:a16="http://schemas.microsoft.com/office/drawing/2014/main" id="{B2CA5749-9AC5-1543-A6A7-897D99853EEE}"/>
+              </a:ext>
+            </a:extLst>
+          </p:cNvPr>
+          <p:cNvSpPr/>
+          <p:nvPr/>
+        </p:nvSpPr>
+        <p:spPr>
+          <a:xfrm>
+            <a:off x="4455738" y="4905071"/>
+            <a:ext cx="235670" cy="301658"/>
+          </a:xfrm>
+          <a:prstGeom prst="rect">
+            <a:avLst/>
+          </a:prstGeom>
+          <a:solidFill>
+            <a:schemeClr val="accent1">
+              <a:lumMod val="40000"/>
+              <a:lumOff val="60000"/>
+            </a:schemeClr>
+          </a:solidFill>
+        </p:spPr>
+        <p:style>
+          <a:lnRef idx="2">
+            <a:schemeClr val="accent1">
+              <a:shade val="50000"/>
+            </a:schemeClr>
+          </a:lnRef>
+          <a:fillRef idx="1">
+            <a:schemeClr val="accent1"/>
+          </a:fillRef>
+          <a:effectRef idx="0">
+            <a:schemeClr val="accent1"/>
+          </a:effectRef>
+          <a:fontRef idx="minor">
+            <a:schemeClr val="lt1"/>
+          </a:fontRef>
+        </p:style>
+        <p:txBody>
+          <a:bodyPr rtlCol="0" anchor="ctr"/>
+          <a:lstStyle/>
+          <a:p>
+            <a:pPr algn="ctr"/>
+            <a:endParaRPr lang="en-US"/>
+          </a:p>
+        </p:txBody>
+      </p:sp>
+      <p:sp>
+        <p:nvSpPr>
+          <p:cNvPr id="209" name="Rectangle 208">
+            <a:extLst>
+              <a:ext uri="{FF2B5EF4-FFF2-40B4-BE49-F238E27FC236}">
+                <a16:creationId xmlns:a16="http://schemas.microsoft.com/office/drawing/2014/main" id="{5F4BEB5E-768C-9542-AB45-F69378E67B4D}"/>
+              </a:ext>
+            </a:extLst>
+          </p:cNvPr>
+          <p:cNvSpPr/>
+          <p:nvPr/>
+        </p:nvSpPr>
+        <p:spPr>
+          <a:xfrm>
+            <a:off x="4691408" y="4905071"/>
+            <a:ext cx="235670" cy="301658"/>
+          </a:xfrm>
+          <a:prstGeom prst="rect">
+            <a:avLst/>
+          </a:prstGeom>
+          <a:solidFill>
+            <a:schemeClr val="accent1">
+              <a:lumMod val="40000"/>
+              <a:lumOff val="60000"/>
+            </a:schemeClr>
+          </a:solidFill>
+        </p:spPr>
+        <p:style>
+          <a:lnRef idx="2">
+            <a:schemeClr val="accent1">
+              <a:shade val="50000"/>
+            </a:schemeClr>
+          </a:lnRef>
+          <a:fillRef idx="1">
+            <a:schemeClr val="accent1"/>
+          </a:fillRef>
+          <a:effectRef idx="0">
+            <a:schemeClr val="accent1"/>
+          </a:effectRef>
+          <a:fontRef idx="minor">
+            <a:schemeClr val="lt1"/>
+          </a:fontRef>
+        </p:style>
+        <p:txBody>
+          <a:bodyPr rtlCol="0" anchor="ctr"/>
+          <a:lstStyle/>
+          <a:p>
+            <a:pPr algn="ctr"/>
+            <a:endParaRPr lang="en-US"/>
+          </a:p>
+        </p:txBody>
+      </p:sp>
+      <p:sp>
+        <p:nvSpPr>
+          <p:cNvPr id="214" name="TextBox 213">
+            <a:extLst>
+              <a:ext uri="{FF2B5EF4-FFF2-40B4-BE49-F238E27FC236}">
+                <a16:creationId xmlns:a16="http://schemas.microsoft.com/office/drawing/2014/main" id="{0A640C78-4966-2A4C-B3DD-BA723A7BC69F}"/>
+              </a:ext>
+            </a:extLst>
+          </p:cNvPr>
+          <p:cNvSpPr txBox="1"/>
+          <p:nvPr/>
+        </p:nvSpPr>
+        <p:spPr>
+          <a:xfrm>
+            <a:off x="3501630" y="4848395"/>
+            <a:ext cx="360996" cy="400110"/>
+          </a:xfrm>
+          <a:prstGeom prst="rect">
+            <a:avLst/>
+          </a:prstGeom>
+          <a:noFill/>
+        </p:spPr>
+        <p:txBody>
+          <a:bodyPr wrap="none" rtlCol="0">
+            <a:spAutoFit/>
+          </a:bodyPr>
+          <a:lstStyle/>
+          <a:p>
+            <a:r>
+              <a:rPr lang="en-US" sz="2000"/>
+              <a:t>…</a:t>
+            </a:r>
+          </a:p>
+        </p:txBody>
+      </p:sp>
+      <p:sp>
+        <p:nvSpPr>
+          <p:cNvPr id="215" name="TextBox 214">
+            <a:extLst>
+              <a:ext uri="{FF2B5EF4-FFF2-40B4-BE49-F238E27FC236}">
+                <a16:creationId xmlns:a16="http://schemas.microsoft.com/office/drawing/2014/main" id="{2EE127EF-06AC-A241-8022-A427696BDD22}"/>
+              </a:ext>
+            </a:extLst>
+          </p:cNvPr>
+          <p:cNvSpPr txBox="1"/>
+          <p:nvPr/>
+        </p:nvSpPr>
+        <p:spPr>
+          <a:xfrm>
+            <a:off x="1626126" y="2323961"/>
+            <a:ext cx="264816" cy="400110"/>
+          </a:xfrm>
+          <a:prstGeom prst="rect">
+            <a:avLst/>
+          </a:prstGeom>
+          <a:noFill/>
+        </p:spPr>
+        <p:txBody>
+          <a:bodyPr wrap="none" rtlCol="0">
+            <a:spAutoFit/>
+          </a:bodyPr>
+          <a:lstStyle/>
+          <a:p>
+            <a:r>
+              <a:rPr lang="en-US" sz="2000"/>
+              <a:t>⋮</a:t>
+            </a:r>
+          </a:p>
+        </p:txBody>
+      </p:sp>
+      <p:sp>
+        <p:nvSpPr>
+          <p:cNvPr id="221" name="TextBox 220">
+            <a:extLst>
+              <a:ext uri="{FF2B5EF4-FFF2-40B4-BE49-F238E27FC236}">
+                <a16:creationId xmlns:a16="http://schemas.microsoft.com/office/drawing/2014/main" id="{F4F70756-421E-E04E-8406-1B630478CE12}"/>
+              </a:ext>
+            </a:extLst>
+          </p:cNvPr>
+          <p:cNvSpPr txBox="1"/>
+          <p:nvPr/>
+        </p:nvSpPr>
+        <p:spPr>
+          <a:xfrm>
+            <a:off x="999245" y="3963201"/>
+            <a:ext cx="391212" cy="338554"/>
+          </a:xfrm>
+          <a:prstGeom prst="rect">
+            <a:avLst/>
+          </a:prstGeom>
+          <a:noFill/>
+        </p:spPr>
+        <p:txBody>
+          <a:bodyPr wrap="square" rtlCol="0">
+            <a:spAutoFit/>
+          </a:bodyPr>
+          <a:lstStyle/>
+          <a:p>
+            <a:r>
+              <a:rPr lang="en-US" sz="1600"/>
+              <a:t>12</a:t>
+            </a:r>
+          </a:p>
+        </p:txBody>
+      </p:sp>
+      <p:sp>
+        <p:nvSpPr>
+          <p:cNvPr id="222" name="TextBox 221">
+            <a:extLst>
+              <a:ext uri="{FF2B5EF4-FFF2-40B4-BE49-F238E27FC236}">
+                <a16:creationId xmlns:a16="http://schemas.microsoft.com/office/drawing/2014/main" id="{A886F83D-9B22-084F-B633-047634E47DEC}"/>
+              </a:ext>
+            </a:extLst>
+          </p:cNvPr>
+          <p:cNvSpPr txBox="1"/>
+          <p:nvPr/>
+        </p:nvSpPr>
+        <p:spPr>
+          <a:xfrm>
+            <a:off x="1126505" y="4264859"/>
+            <a:ext cx="235670" cy="338554"/>
+          </a:xfrm>
+          <a:prstGeom prst="rect">
+            <a:avLst/>
+          </a:prstGeom>
+          <a:noFill/>
+        </p:spPr>
+        <p:txBody>
+          <a:bodyPr wrap="square" rtlCol="0">
+            <a:spAutoFit/>
+          </a:bodyPr>
+          <a:lstStyle/>
+          <a:p>
+            <a:r>
+              <a:rPr lang="en-US" sz="1600"/>
+              <a:t>8</a:t>
+            </a:r>
+          </a:p>
+        </p:txBody>
+      </p:sp>
+      <p:sp>
+        <p:nvSpPr>
+          <p:cNvPr id="223" name="TextBox 222">
+            <a:extLst>
+              <a:ext uri="{FF2B5EF4-FFF2-40B4-BE49-F238E27FC236}">
+                <a16:creationId xmlns:a16="http://schemas.microsoft.com/office/drawing/2014/main" id="{05BF47AD-9B53-F84A-BFC6-477740D822ED}"/>
+              </a:ext>
+            </a:extLst>
+          </p:cNvPr>
+          <p:cNvSpPr txBox="1"/>
+          <p:nvPr/>
+        </p:nvSpPr>
+        <p:spPr>
+          <a:xfrm>
+            <a:off x="1126505" y="4566517"/>
+            <a:ext cx="235670" cy="338554"/>
+          </a:xfrm>
+          <a:prstGeom prst="rect">
+            <a:avLst/>
+          </a:prstGeom>
+          <a:noFill/>
+        </p:spPr>
+        <p:txBody>
+          <a:bodyPr wrap="square" rtlCol="0">
+            <a:spAutoFit/>
+          </a:bodyPr>
+          <a:lstStyle/>
+          <a:p>
+            <a:r>
+              <a:rPr lang="en-US" sz="1600"/>
+              <a:t>4</a:t>
+            </a:r>
+          </a:p>
+        </p:txBody>
+      </p:sp>
+      <p:sp>
+        <p:nvSpPr>
+          <p:cNvPr id="224" name="TextBox 223">
+            <a:extLst>
+              <a:ext uri="{FF2B5EF4-FFF2-40B4-BE49-F238E27FC236}">
+                <a16:creationId xmlns:a16="http://schemas.microsoft.com/office/drawing/2014/main" id="{325C0A81-6CD3-E644-BF5E-8FCEA0EBDBF0}"/>
+              </a:ext>
+            </a:extLst>
+          </p:cNvPr>
+          <p:cNvSpPr txBox="1"/>
+          <p:nvPr/>
+        </p:nvSpPr>
+        <p:spPr>
+          <a:xfrm>
+            <a:off x="1126505" y="4868175"/>
+            <a:ext cx="235670" cy="338554"/>
+          </a:xfrm>
+          <a:prstGeom prst="rect">
+            <a:avLst/>
+          </a:prstGeom>
+          <a:noFill/>
+        </p:spPr>
+        <p:txBody>
+          <a:bodyPr wrap="square" rtlCol="0">
+            <a:spAutoFit/>
+          </a:bodyPr>
+          <a:lstStyle/>
+          <a:p>
+            <a:r>
+              <a:rPr lang="en-US" sz="1600"/>
+              <a:t>0</a:t>
+            </a:r>
+          </a:p>
+        </p:txBody>
+      </p:sp>
+      <p:sp>
+        <p:nvSpPr>
+          <p:cNvPr id="226" name="TextBox 225">
+            <a:extLst>
+              <a:ext uri="{FF2B5EF4-FFF2-40B4-BE49-F238E27FC236}">
+                <a16:creationId xmlns:a16="http://schemas.microsoft.com/office/drawing/2014/main" id="{F4D63859-B486-4744-AB74-6A545ECCB4E5}"/>
+              </a:ext>
+            </a:extLst>
+          </p:cNvPr>
+          <p:cNvSpPr txBox="1"/>
+          <p:nvPr/>
+        </p:nvSpPr>
+        <p:spPr>
+          <a:xfrm>
+            <a:off x="1010639" y="3692155"/>
+            <a:ext cx="391212" cy="338554"/>
+          </a:xfrm>
+          <a:prstGeom prst="rect">
+            <a:avLst/>
+          </a:prstGeom>
+          <a:noFill/>
+        </p:spPr>
+        <p:txBody>
+          <a:bodyPr wrap="square" rtlCol="0">
+            <a:spAutoFit/>
+          </a:bodyPr>
+          <a:lstStyle/>
+          <a:p>
+            <a:r>
+              <a:rPr lang="en-US" sz="1600"/>
+              <a:t>16</a:t>
+            </a:r>
+          </a:p>
+        </p:txBody>
+      </p:sp>
+      <p:sp>
+        <p:nvSpPr>
+          <p:cNvPr id="227" name="TextBox 226">
+            <a:extLst>
+              <a:ext uri="{FF2B5EF4-FFF2-40B4-BE49-F238E27FC236}">
+                <a16:creationId xmlns:a16="http://schemas.microsoft.com/office/drawing/2014/main" id="{AD717584-F5F7-4C40-AF06-8D4FBD8DC68F}"/>
+              </a:ext>
+            </a:extLst>
+          </p:cNvPr>
+          <p:cNvSpPr txBox="1"/>
+          <p:nvPr/>
+        </p:nvSpPr>
+        <p:spPr>
+          <a:xfrm>
+            <a:off x="1009100" y="3396781"/>
+            <a:ext cx="391212" cy="338554"/>
+          </a:xfrm>
+          <a:prstGeom prst="rect">
+            <a:avLst/>
+          </a:prstGeom>
+          <a:noFill/>
+        </p:spPr>
+        <p:txBody>
+          <a:bodyPr wrap="square" rtlCol="0">
+            <a:spAutoFit/>
+          </a:bodyPr>
+          <a:lstStyle/>
+          <a:p>
+            <a:r>
+              <a:rPr lang="en-US" sz="1600"/>
+              <a:t>20</a:t>
+            </a:r>
+          </a:p>
+        </p:txBody>
+      </p:sp>
+      <p:sp>
+        <p:nvSpPr>
+          <p:cNvPr id="228" name="TextBox 227">
+            <a:extLst>
+              <a:ext uri="{FF2B5EF4-FFF2-40B4-BE49-F238E27FC236}">
+                <a16:creationId xmlns:a16="http://schemas.microsoft.com/office/drawing/2014/main" id="{1868E928-CF08-F149-8AB0-B187ACC17770}"/>
+              </a:ext>
+            </a:extLst>
+          </p:cNvPr>
+          <p:cNvSpPr txBox="1"/>
+          <p:nvPr/>
+        </p:nvSpPr>
+        <p:spPr>
+          <a:xfrm>
+            <a:off x="1007561" y="3101407"/>
+            <a:ext cx="391212" cy="338554"/>
+          </a:xfrm>
+          <a:prstGeom prst="rect">
+            <a:avLst/>
+          </a:prstGeom>
+          <a:noFill/>
+        </p:spPr>
+        <p:txBody>
+          <a:bodyPr wrap="square" rtlCol="0">
+            <a:spAutoFit/>
+          </a:bodyPr>
+          <a:lstStyle/>
+          <a:p>
+            <a:r>
+              <a:rPr lang="en-US" sz="1600"/>
+              <a:t>24</a:t>
+            </a:r>
+          </a:p>
+        </p:txBody>
+      </p:sp>
+      <p:sp>
+        <p:nvSpPr>
+          <p:cNvPr id="229" name="TextBox 228">
+            <a:extLst>
+              <a:ext uri="{FF2B5EF4-FFF2-40B4-BE49-F238E27FC236}">
+                <a16:creationId xmlns:a16="http://schemas.microsoft.com/office/drawing/2014/main" id="{D40539CD-0FAC-3844-B9BE-A79378EB996A}"/>
+              </a:ext>
+            </a:extLst>
+          </p:cNvPr>
+          <p:cNvSpPr txBox="1"/>
+          <p:nvPr/>
+        </p:nvSpPr>
+        <p:spPr>
+          <a:xfrm>
+            <a:off x="1006022" y="2806033"/>
+            <a:ext cx="391212" cy="338554"/>
+          </a:xfrm>
+          <a:prstGeom prst="rect">
+            <a:avLst/>
+          </a:prstGeom>
+          <a:noFill/>
+        </p:spPr>
+        <p:txBody>
+          <a:bodyPr wrap="square" rtlCol="0">
+            <a:spAutoFit/>
+          </a:bodyPr>
+          <a:lstStyle/>
+          <a:p>
+            <a:r>
+              <a:rPr lang="en-US" sz="1600"/>
+              <a:t>28</a:t>
+            </a:r>
+          </a:p>
+        </p:txBody>
+      </p:sp>
+      <p:sp>
+        <p:nvSpPr>
+          <p:cNvPr id="230" name="TextBox 229">
+            <a:extLst>
+              <a:ext uri="{FF2B5EF4-FFF2-40B4-BE49-F238E27FC236}">
+                <a16:creationId xmlns:a16="http://schemas.microsoft.com/office/drawing/2014/main" id="{D041D4A3-5E38-9D4D-A518-3679B59E4C00}"/>
+              </a:ext>
+            </a:extLst>
+          </p:cNvPr>
+          <p:cNvSpPr txBox="1"/>
+          <p:nvPr/>
+        </p:nvSpPr>
+        <p:spPr>
+          <a:xfrm>
+            <a:off x="196653" y="1501243"/>
+            <a:ext cx="1226618" cy="338554"/>
+          </a:xfrm>
+          <a:prstGeom prst="rect">
+            <a:avLst/>
+          </a:prstGeom>
+          <a:noFill/>
+        </p:spPr>
+        <p:txBody>
+          <a:bodyPr wrap="none" rtlCol="0">
+            <a:spAutoFit/>
+          </a:bodyPr>
+          <a:lstStyle/>
+          <a:p>
+            <a:r>
+              <a:rPr lang="en-US" sz="1600"/>
+              <a:t>1073741820</a:t>
+            </a:r>
+            <a:endParaRPr lang="en-US"/>
+          </a:p>
+        </p:txBody>
+      </p:sp>
+      <p:sp>
+        <p:nvSpPr>
+          <p:cNvPr id="231" name="TextBox 230">
+            <a:extLst>
+              <a:ext uri="{FF2B5EF4-FFF2-40B4-BE49-F238E27FC236}">
+                <a16:creationId xmlns:a16="http://schemas.microsoft.com/office/drawing/2014/main" id="{E8F6435A-C031-8B48-8F62-6A5909D6CB4E}"/>
+              </a:ext>
+            </a:extLst>
+          </p:cNvPr>
+          <p:cNvSpPr txBox="1"/>
+          <p:nvPr/>
+        </p:nvSpPr>
+        <p:spPr>
+          <a:xfrm>
+            <a:off x="254526" y="382712"/>
+            <a:ext cx="1044068" cy="369332"/>
+          </a:xfrm>
+          <a:prstGeom prst="rect">
+            <a:avLst/>
+          </a:prstGeom>
+          <a:noFill/>
+        </p:spPr>
+        <p:txBody>
+          <a:bodyPr wrap="none" rtlCol="0">
+            <a:spAutoFit/>
+          </a:bodyPr>
+          <a:lstStyle/>
+          <a:p>
+            <a:r>
+              <a:rPr lang="en-US"/>
+              <a:t>dirección</a:t>
+            </a:r>
+          </a:p>
+        </p:txBody>
+      </p:sp>
+      <p:cxnSp>
+        <p:nvCxnSpPr>
+          <p:cNvPr id="233" name="Straight Arrow Connector 232">
+            <a:extLst>
+              <a:ext uri="{FF2B5EF4-FFF2-40B4-BE49-F238E27FC236}">
+                <a16:creationId xmlns:a16="http://schemas.microsoft.com/office/drawing/2014/main" id="{CC3D8743-3CB0-FA4E-9564-8143D61C4D7A}"/>
+              </a:ext>
+            </a:extLst>
+          </p:cNvPr>
+          <p:cNvCxnSpPr>
+            <a:stCxn id="231" idx="2"/>
+          </p:cNvCxnSpPr>
+          <p:nvPr/>
+        </p:nvCxnSpPr>
+        <p:spPr>
+          <a:xfrm flipH="1">
+            <a:off x="763574" y="752044"/>
+            <a:ext cx="12986" cy="614842"/>
+          </a:xfrm>
+          <a:prstGeom prst="straightConnector1">
+            <a:avLst/>
+          </a:prstGeom>
+          <a:ln>
+            <a:solidFill>
+              <a:schemeClr val="tx2"/>
+            </a:solidFill>
+            <a:tailEnd type="triangle"/>
+          </a:ln>
+        </p:spPr>
+        <p:style>
+          <a:lnRef idx="1">
+            <a:schemeClr val="accent1"/>
+          </a:lnRef>
+          <a:fillRef idx="0">
+            <a:schemeClr val="accent1"/>
+          </a:fillRef>
+          <a:effectRef idx="0">
+            <a:schemeClr val="accent1"/>
+          </a:effectRef>
+          <a:fontRef idx="minor">
+            <a:schemeClr val="tx1"/>
+          </a:fontRef>
+        </p:style>
+      </p:cxnSp>
+      <p:sp>
+        <p:nvSpPr>
+          <p:cNvPr id="234" name="Left Brace 233">
+            <a:extLst>
+              <a:ext uri="{FF2B5EF4-FFF2-40B4-BE49-F238E27FC236}">
+                <a16:creationId xmlns:a16="http://schemas.microsoft.com/office/drawing/2014/main" id="{D9B4C016-B163-7B46-818E-288CB7C5991D}"/>
+              </a:ext>
+            </a:extLst>
+          </p:cNvPr>
+          <p:cNvSpPr/>
+          <p:nvPr/>
+        </p:nvSpPr>
+        <p:spPr>
+          <a:xfrm rot="16200000">
+            <a:off x="2947611" y="3746983"/>
+            <a:ext cx="386499" cy="3572438"/>
+          </a:xfrm>
+          <a:prstGeom prst="leftBrace">
+            <a:avLst>
+              <a:gd name="adj1" fmla="val 52236"/>
+              <a:gd name="adj2" fmla="val 50264"/>
+            </a:avLst>
+          </a:prstGeom>
+          <a:ln>
+            <a:solidFill>
+              <a:schemeClr val="tx2"/>
+            </a:solidFill>
+          </a:ln>
+        </p:spPr>
+        <p:style>
+          <a:lnRef idx="1">
+            <a:schemeClr val="accent1"/>
+          </a:lnRef>
+          <a:fillRef idx="0">
+            <a:schemeClr val="accent1"/>
+          </a:fillRef>
+          <a:effectRef idx="0">
+            <a:schemeClr val="accent1"/>
+          </a:effectRef>
+          <a:fontRef idx="minor">
+            <a:schemeClr val="tx1"/>
+          </a:fontRef>
+        </p:style>
+        <p:txBody>
+          <a:bodyPr rtlCol="0" anchor="ctr"/>
+          <a:lstStyle/>
+          <a:p>
+            <a:pPr algn="ctr"/>
+            <a:endParaRPr lang="en-US"/>
+          </a:p>
+        </p:txBody>
+      </p:sp>
+      <p:sp>
+        <p:nvSpPr>
+          <p:cNvPr id="235" name="TextBox 234">
+            <a:extLst>
+              <a:ext uri="{FF2B5EF4-FFF2-40B4-BE49-F238E27FC236}">
+                <a16:creationId xmlns:a16="http://schemas.microsoft.com/office/drawing/2014/main" id="{0236034C-161D-EC4F-A695-103E5D32BAE1}"/>
+              </a:ext>
+            </a:extLst>
+          </p:cNvPr>
+          <p:cNvSpPr txBox="1"/>
+          <p:nvPr/>
+        </p:nvSpPr>
+        <p:spPr>
+          <a:xfrm>
+            <a:off x="196653" y="1821349"/>
+            <a:ext cx="1226618" cy="338554"/>
+          </a:xfrm>
+          <a:prstGeom prst="rect">
+            <a:avLst/>
+          </a:prstGeom>
+          <a:noFill/>
+        </p:spPr>
+        <p:txBody>
+          <a:bodyPr wrap="none" rtlCol="0">
+            <a:spAutoFit/>
+          </a:bodyPr>
+          <a:lstStyle/>
+          <a:p>
+            <a:r>
+              <a:rPr lang="en-US" sz="1600"/>
+              <a:t>1073741816</a:t>
+            </a:r>
+            <a:endParaRPr lang="en-US"/>
+          </a:p>
+        </p:txBody>
+      </p:sp>
+      <p:sp>
+        <p:nvSpPr>
+          <p:cNvPr id="236" name="TextBox 235">
+            <a:extLst>
+              <a:ext uri="{FF2B5EF4-FFF2-40B4-BE49-F238E27FC236}">
+                <a16:creationId xmlns:a16="http://schemas.microsoft.com/office/drawing/2014/main" id="{34F12FDC-DD53-0D4F-8943-FE29201E4A70}"/>
+              </a:ext>
+            </a:extLst>
+          </p:cNvPr>
+          <p:cNvSpPr txBox="1"/>
+          <p:nvPr/>
+        </p:nvSpPr>
+        <p:spPr>
+          <a:xfrm>
+            <a:off x="2962375" y="5748767"/>
+            <a:ext cx="391212" cy="338554"/>
+          </a:xfrm>
+          <a:prstGeom prst="rect">
+            <a:avLst/>
+          </a:prstGeom>
+          <a:noFill/>
+        </p:spPr>
+        <p:txBody>
+          <a:bodyPr wrap="square" rtlCol="0">
+            <a:spAutoFit/>
+          </a:bodyPr>
+          <a:lstStyle/>
+          <a:p>
+            <a:r>
+              <a:rPr lang="en-US" sz="1600"/>
+              <a:t>32</a:t>
+            </a:r>
+          </a:p>
+        </p:txBody>
+      </p:sp>
+      <p:sp>
+        <p:nvSpPr>
+          <p:cNvPr id="237" name="Oval 236">
+            <a:extLst>
+              <a:ext uri="{FF2B5EF4-FFF2-40B4-BE49-F238E27FC236}">
+                <a16:creationId xmlns:a16="http://schemas.microsoft.com/office/drawing/2014/main" id="{E4AF4D09-D690-0546-AC85-76126EB910DC}"/>
+              </a:ext>
+            </a:extLst>
+          </p:cNvPr>
+          <p:cNvSpPr/>
+          <p:nvPr/>
+        </p:nvSpPr>
+        <p:spPr>
+          <a:xfrm>
+            <a:off x="1187780" y="2950589"/>
+            <a:ext cx="4006392" cy="589571"/>
+          </a:xfrm>
+          <a:prstGeom prst="ellipse">
+            <a:avLst/>
+          </a:prstGeom>
+          <a:noFill/>
+          <a:ln>
+            <a:solidFill>
+              <a:srgbClr val="FF0000"/>
+            </a:solidFill>
+          </a:ln>
+        </p:spPr>
+        <p:style>
+          <a:lnRef idx="2">
+            <a:schemeClr val="accent1">
+              <a:shade val="50000"/>
+            </a:schemeClr>
+          </a:lnRef>
+          <a:fillRef idx="1">
+            <a:schemeClr val="accent1"/>
+          </a:fillRef>
+          <a:effectRef idx="0">
+            <a:schemeClr val="accent1"/>
+          </a:effectRef>
+          <a:fontRef idx="minor">
+            <a:schemeClr val="lt1"/>
+          </a:fontRef>
+        </p:style>
+        <p:txBody>
+          <a:bodyPr rtlCol="0" anchor="ctr"/>
+          <a:lstStyle/>
+          <a:p>
+            <a:pPr algn="ctr"/>
+            <a:endParaRPr lang="en-US"/>
+          </a:p>
+        </p:txBody>
+      </p:sp>
+      <p:sp>
+        <p:nvSpPr>
+          <p:cNvPr id="238" name="TextBox 237">
+            <a:extLst>
+              <a:ext uri="{FF2B5EF4-FFF2-40B4-BE49-F238E27FC236}">
+                <a16:creationId xmlns:a16="http://schemas.microsoft.com/office/drawing/2014/main" id="{E0CC6F3B-5FC2-3347-BE03-CCA24EF12B15}"/>
+              </a:ext>
+            </a:extLst>
+          </p:cNvPr>
+          <p:cNvSpPr txBox="1"/>
+          <p:nvPr/>
+        </p:nvSpPr>
+        <p:spPr>
+          <a:xfrm>
+            <a:off x="5276216" y="2893829"/>
+            <a:ext cx="3265830" cy="646331"/>
+          </a:xfrm>
+          <a:prstGeom prst="rect">
+            <a:avLst/>
+          </a:prstGeom>
+          <a:noFill/>
+        </p:spPr>
+        <p:txBody>
+          <a:bodyPr wrap="none" rtlCol="0">
+            <a:spAutoFit/>
+          </a:bodyPr>
+          <a:lstStyle/>
+          <a:p>
+            <a:r>
+              <a:rPr lang="en-US"/>
+              <a:t>palabra de 32 bits o 4 bytes,</a:t>
+            </a:r>
+          </a:p>
+          <a:p>
+            <a:r>
+              <a:rPr lang="en-US"/>
+              <a:t>en las direcciones 24, 25, 26 y 27</a:t>
+            </a:r>
+          </a:p>
+        </p:txBody>
+      </p:sp>
+      <p:sp>
+        <p:nvSpPr>
+          <p:cNvPr id="239" name="TextBox 238">
+            <a:extLst>
+              <a:ext uri="{FF2B5EF4-FFF2-40B4-BE49-F238E27FC236}">
+                <a16:creationId xmlns:a16="http://schemas.microsoft.com/office/drawing/2014/main" id="{5F12CD8C-17D7-224A-AF02-B63075F79D2B}"/>
+              </a:ext>
+            </a:extLst>
+          </p:cNvPr>
+          <p:cNvSpPr txBox="1"/>
+          <p:nvPr/>
+        </p:nvSpPr>
+        <p:spPr>
+          <a:xfrm>
+            <a:off x="2568806" y="216817"/>
+            <a:ext cx="1447832" cy="369332"/>
+          </a:xfrm>
+          <a:prstGeom prst="rect">
+            <a:avLst/>
+          </a:prstGeom>
+          <a:noFill/>
+        </p:spPr>
+        <p:txBody>
+          <a:bodyPr wrap="none" rtlCol="0">
+            <a:spAutoFit/>
+          </a:bodyPr>
+          <a:lstStyle/>
+          <a:p>
+            <a:r>
+              <a:rPr lang="en-US" b="1"/>
+              <a:t>RAM de 1 GB</a:t>
+            </a:r>
+          </a:p>
+        </p:txBody>
+      </p:sp>
+      <p:cxnSp>
+        <p:nvCxnSpPr>
+          <p:cNvPr id="241" name="Straight Arrow Connector 240">
+            <a:extLst>
+              <a:ext uri="{FF2B5EF4-FFF2-40B4-BE49-F238E27FC236}">
+                <a16:creationId xmlns:a16="http://schemas.microsoft.com/office/drawing/2014/main" id="{0868BEED-2365-3C4B-8465-E05FFE3EBE9C}"/>
+              </a:ext>
+            </a:extLst>
+          </p:cNvPr>
+          <p:cNvCxnSpPr>
+            <a:cxnSpLocks/>
+          </p:cNvCxnSpPr>
+          <p:nvPr/>
+        </p:nvCxnSpPr>
+        <p:spPr>
+          <a:xfrm>
+            <a:off x="4809243" y="3238502"/>
+            <a:ext cx="688832" cy="654118"/>
+          </a:xfrm>
+          <a:prstGeom prst="straightConnector1">
+            <a:avLst/>
+          </a:prstGeom>
+          <a:ln>
+            <a:solidFill>
+              <a:schemeClr val="tx2"/>
+            </a:solidFill>
+            <a:tailEnd type="triangle"/>
+          </a:ln>
+        </p:spPr>
+        <p:style>
+          <a:lnRef idx="1">
+            <a:schemeClr val="accent1"/>
+          </a:lnRef>
+          <a:fillRef idx="0">
+            <a:schemeClr val="accent1"/>
+          </a:fillRef>
+          <a:effectRef idx="0">
+            <a:schemeClr val="accent1"/>
+          </a:effectRef>
+          <a:fontRef idx="minor">
+            <a:schemeClr val="tx1"/>
+          </a:fontRef>
+        </p:style>
+      </p:cxnSp>
+      <p:cxnSp>
+        <p:nvCxnSpPr>
+          <p:cNvPr id="246" name="Straight Arrow Connector 245">
+            <a:extLst>
+              <a:ext uri="{FF2B5EF4-FFF2-40B4-BE49-F238E27FC236}">
+                <a16:creationId xmlns:a16="http://schemas.microsoft.com/office/drawing/2014/main" id="{7DF062A7-1219-8C46-95C4-F470521BA95E}"/>
+              </a:ext>
+            </a:extLst>
+          </p:cNvPr>
+          <p:cNvCxnSpPr>
+            <a:cxnSpLocks/>
+          </p:cNvCxnSpPr>
+          <p:nvPr/>
+        </p:nvCxnSpPr>
+        <p:spPr>
+          <a:xfrm>
+            <a:off x="4573573" y="3238502"/>
+            <a:ext cx="806667" cy="1063253"/>
+          </a:xfrm>
+          <a:prstGeom prst="straightConnector1">
+            <a:avLst/>
+          </a:prstGeom>
+          <a:ln>
+            <a:solidFill>
+              <a:schemeClr val="tx2"/>
+            </a:solidFill>
+            <a:tailEnd type="triangle"/>
+          </a:ln>
+        </p:spPr>
+        <p:style>
+          <a:lnRef idx="1">
+            <a:schemeClr val="accent1"/>
+          </a:lnRef>
+          <a:fillRef idx="0">
+            <a:schemeClr val="accent1"/>
+          </a:fillRef>
+          <a:effectRef idx="0">
+            <a:schemeClr val="accent1"/>
+          </a:effectRef>
+          <a:fontRef idx="minor">
+            <a:schemeClr val="tx1"/>
+          </a:fontRef>
+        </p:style>
+      </p:cxnSp>
+      <p:sp>
+        <p:nvSpPr>
+          <p:cNvPr id="249" name="Right Brace 248">
+            <a:extLst>
+              <a:ext uri="{FF2B5EF4-FFF2-40B4-BE49-F238E27FC236}">
+                <a16:creationId xmlns:a16="http://schemas.microsoft.com/office/drawing/2014/main" id="{6795030D-E3EF-EF4F-93A6-F9B6F37BF2F6}"/>
+              </a:ext>
+            </a:extLst>
+          </p:cNvPr>
+          <p:cNvSpPr/>
+          <p:nvPr/>
+        </p:nvSpPr>
+        <p:spPr>
+          <a:xfrm>
+            <a:off x="6023728" y="3792592"/>
+            <a:ext cx="207390" cy="849176"/>
+          </a:xfrm>
+          <a:prstGeom prst="rightBrace">
+            <a:avLst/>
+          </a:prstGeom>
+          <a:ln>
+            <a:solidFill>
+              <a:schemeClr val="tx2"/>
+            </a:solidFill>
+          </a:ln>
+        </p:spPr>
+        <p:style>
+          <a:lnRef idx="1">
+            <a:schemeClr val="accent1"/>
+          </a:lnRef>
+          <a:fillRef idx="0">
+            <a:schemeClr val="accent1"/>
+          </a:fillRef>
+          <a:effectRef idx="0">
+            <a:schemeClr val="accent1"/>
+          </a:effectRef>
+          <a:fontRef idx="minor">
+            <a:schemeClr val="tx1"/>
+          </a:fontRef>
+        </p:style>
+        <p:txBody>
+          <a:bodyPr rtlCol="0" anchor="ctr"/>
+          <a:lstStyle/>
+          <a:p>
+            <a:pPr algn="ctr"/>
+            <a:endParaRPr lang="en-US"/>
+          </a:p>
+        </p:txBody>
+      </p:sp>
+      <p:sp>
+        <p:nvSpPr>
+          <p:cNvPr id="250" name="TextBox 249">
+            <a:extLst>
+              <a:ext uri="{FF2B5EF4-FFF2-40B4-BE49-F238E27FC236}">
+                <a16:creationId xmlns:a16="http://schemas.microsoft.com/office/drawing/2014/main" id="{1DA3FC2C-C076-0841-89B7-17B68ED59F2A}"/>
+              </a:ext>
+            </a:extLst>
+          </p:cNvPr>
+          <p:cNvSpPr txBox="1"/>
+          <p:nvPr/>
+        </p:nvSpPr>
+        <p:spPr>
+          <a:xfrm>
+            <a:off x="6422577" y="3865781"/>
+            <a:ext cx="2218621" cy="646331"/>
+          </a:xfrm>
+          <a:prstGeom prst="rect">
+            <a:avLst/>
+          </a:prstGeom>
+          <a:noFill/>
+        </p:spPr>
+        <p:txBody>
+          <a:bodyPr wrap="none" rtlCol="0">
+            <a:spAutoFit/>
+          </a:bodyPr>
+          <a:lstStyle/>
+          <a:p>
+            <a:r>
+              <a:rPr lang="en-US"/>
+              <a:t>0, 1: únicos valores</a:t>
+            </a:r>
+          </a:p>
+          <a:p>
+            <a:r>
+              <a:rPr lang="en-US"/>
+              <a:t>posibles para cada bit</a:t>
+            </a:r>
+          </a:p>
+        </p:txBody>
+      </p:sp>
+    </p:spTree>
+    <p:extLst>
+      <p:ext uri="{BB962C8B-B14F-4D97-AF65-F5344CB8AC3E}">
+        <p14:creationId xmlns:p14="http://schemas.microsoft.com/office/powerpoint/2010/main" val="1820817591"/>
+      </p:ext>
+    </p:extLst>
+  </p:cSld>
+  <p:clrMapOvr>
+    <a:masterClrMapping/>
+  </p:clrMapOvr>
+</p:sld>
+</file>
+
+<file path=ppt/slides/slide35.xml><?xml version="1.0" encoding="utf-8"?>
 <p:sld xmlns:a="http://schemas.openxmlformats.org/drawingml/2006/main" xmlns:r="http://schemas.openxmlformats.org/officeDocument/2006/relationships" xmlns:p="http://schemas.openxmlformats.org/presentationml/2006/main">
   <p:cSld>
     <p:spTree>
@@ -10744,272 +18355,6 @@
 </p:sld>
 </file>
 
-<file path=ppt/slides/slide35.xml><?xml version="1.0" encoding="utf-8"?>
-<p:sld xmlns:a="http://schemas.openxmlformats.org/drawingml/2006/main" xmlns:r="http://schemas.openxmlformats.org/officeDocument/2006/relationships" xmlns:p="http://schemas.openxmlformats.org/presentationml/2006/main">
-  <p:cSld>
-    <p:spTree>
-      <p:nvGrpSpPr>
-        <p:cNvPr id="1" name=""/>
-        <p:cNvGrpSpPr/>
-        <p:nvPr/>
-      </p:nvGrpSpPr>
-      <p:grpSpPr>
-        <a:xfrm>
-          <a:off x="0" y="0"/>
-          <a:ext cx="0" cy="0"/>
-          <a:chOff x="0" y="0"/>
-          <a:chExt cx="0" cy="0"/>
-        </a:xfrm>
-      </p:grpSpPr>
-      <p:sp>
-        <p:nvSpPr>
-          <p:cNvPr id="2" name="Title 1">
-            <a:extLst>
-              <a:ext uri="{FF2B5EF4-FFF2-40B4-BE49-F238E27FC236}">
-                <a16:creationId xmlns:a16="http://schemas.microsoft.com/office/drawing/2014/main" id="{F2C5E41D-A7AC-4234-832D-0757BCB5F970}"/>
-              </a:ext>
-            </a:extLst>
-          </p:cNvPr>
-          <p:cNvSpPr>
-            <a:spLocks noGrp="1"/>
-          </p:cNvSpPr>
-          <p:nvPr>
-            <p:ph type="title"/>
-          </p:nvPr>
-        </p:nvSpPr>
-        <p:spPr/>
-        <p:txBody>
-          <a:bodyPr/>
-          <a:lstStyle/>
-          <a:p>
-            <a:r>
-              <a:rPr lang="en-US" dirty="0"/>
-              <a:t>Outline</a:t>
-            </a:r>
-            <a:endParaRPr lang="es-CL" dirty="0"/>
-          </a:p>
-        </p:txBody>
-      </p:sp>
-      <p:sp>
-        <p:nvSpPr>
-          <p:cNvPr id="3" name="Content Placeholder 2">
-            <a:extLst>
-              <a:ext uri="{FF2B5EF4-FFF2-40B4-BE49-F238E27FC236}">
-                <a16:creationId xmlns:a16="http://schemas.microsoft.com/office/drawing/2014/main" id="{74325995-B179-4919-94C9-E0E2EF55DAC2}"/>
-              </a:ext>
-            </a:extLst>
-          </p:cNvPr>
-          <p:cNvSpPr>
-            <a:spLocks noGrp="1"/>
-          </p:cNvSpPr>
-          <p:nvPr>
-            <p:ph idx="1"/>
-          </p:nvPr>
-        </p:nvSpPr>
-        <p:spPr>
-          <a:xfrm>
-            <a:off x="3753199" y="1219377"/>
-            <a:ext cx="5390801" cy="4904072"/>
-          </a:xfrm>
-        </p:spPr>
-        <p:txBody>
-          <a:bodyPr anchor="ctr">
-            <a:normAutofit/>
-          </a:bodyPr>
-          <a:lstStyle/>
-          <a:p>
-            <a:pPr>
-              <a:buFont typeface="Wingdings" panose="05000000000000000000" pitchFamily="2" charset="2"/>
-              <a:buChar char="§"/>
-            </a:pPr>
-            <a:r>
-              <a:rPr lang="en-US" sz="3200" dirty="0"/>
-              <a:t> </a:t>
-            </a:r>
-            <a:r>
-              <a:rPr lang="es-CL" sz="3200" dirty="0">
-                <a:solidFill>
-                  <a:schemeClr val="bg1">
-                    <a:lumMod val="85000"/>
-                  </a:schemeClr>
-                </a:solidFill>
-              </a:rPr>
-              <a:t>Programa</a:t>
-            </a:r>
-            <a:r>
-              <a:rPr lang="en-US" sz="3200" dirty="0">
-                <a:solidFill>
-                  <a:schemeClr val="bg1">
-                    <a:lumMod val="85000"/>
-                  </a:schemeClr>
-                </a:solidFill>
-              </a:rPr>
-              <a:t> del </a:t>
-            </a:r>
-            <a:r>
-              <a:rPr lang="es-CL" sz="3200" dirty="0">
-                <a:solidFill>
-                  <a:schemeClr val="bg1">
-                    <a:lumMod val="85000"/>
-                  </a:schemeClr>
-                </a:solidFill>
-              </a:rPr>
-              <a:t>curso</a:t>
-            </a:r>
-          </a:p>
-          <a:p>
-            <a:pPr>
-              <a:buFont typeface="Wingdings" panose="05000000000000000000" pitchFamily="2" charset="2"/>
-              <a:buChar char="§"/>
-            </a:pPr>
-            <a:r>
-              <a:rPr lang="es-CL" sz="3200" dirty="0">
-                <a:solidFill>
-                  <a:schemeClr val="bg1">
-                    <a:lumMod val="85000"/>
-                  </a:schemeClr>
-                </a:solidFill>
-              </a:rPr>
-              <a:t> Prerrequisitos</a:t>
-            </a:r>
-          </a:p>
-          <a:p>
-            <a:pPr>
-              <a:buFont typeface="Wingdings" panose="05000000000000000000" pitchFamily="2" charset="2"/>
-              <a:buChar char="§"/>
-            </a:pPr>
-            <a:r>
-              <a:rPr lang="en-US" sz="3200" dirty="0"/>
-              <a:t> </a:t>
-            </a:r>
-            <a:r>
-              <a:rPr lang="en-US" sz="3200" dirty="0" err="1">
-                <a:solidFill>
-                  <a:schemeClr val="bg1">
-                    <a:lumMod val="85000"/>
-                  </a:schemeClr>
-                </a:solidFill>
-              </a:rPr>
-              <a:t>Algoritmos</a:t>
-            </a:r>
-            <a:r>
-              <a:rPr lang="en-US" sz="3200" dirty="0">
-                <a:solidFill>
-                  <a:schemeClr val="bg1">
-                    <a:lumMod val="85000"/>
-                  </a:schemeClr>
-                </a:solidFill>
-              </a:rPr>
-              <a:t> y </a:t>
-            </a:r>
-            <a:r>
-              <a:rPr lang="en-US" sz="3200" dirty="0" err="1">
-                <a:solidFill>
-                  <a:schemeClr val="bg1">
-                    <a:lumMod val="85000"/>
-                  </a:schemeClr>
-                </a:solidFill>
-              </a:rPr>
-              <a:t>notación</a:t>
-            </a:r>
-            <a:endParaRPr lang="en-US" sz="3200" dirty="0">
-              <a:solidFill>
-                <a:schemeClr val="bg1">
-                  <a:lumMod val="85000"/>
-                </a:schemeClr>
-              </a:solidFill>
-            </a:endParaRPr>
-          </a:p>
-          <a:p>
-            <a:pPr>
-              <a:buFont typeface="Wingdings" panose="05000000000000000000" pitchFamily="2" charset="2"/>
-              <a:buChar char="§"/>
-            </a:pPr>
-            <a:r>
-              <a:rPr lang="en-US" sz="3200" dirty="0"/>
-              <a:t> </a:t>
-            </a:r>
-            <a:r>
-              <a:rPr lang="en-US" sz="3200" dirty="0">
-                <a:solidFill>
-                  <a:schemeClr val="bg1">
-                    <a:lumMod val="85000"/>
-                  </a:schemeClr>
-                </a:solidFill>
-              </a:rPr>
-              <a:t>Memoria de un </a:t>
-            </a:r>
-            <a:r>
-              <a:rPr lang="es-CL" sz="3200" dirty="0">
-                <a:solidFill>
-                  <a:schemeClr val="bg1">
-                    <a:lumMod val="85000"/>
-                  </a:schemeClr>
-                </a:solidFill>
-              </a:rPr>
-              <a:t>computador</a:t>
-            </a:r>
-          </a:p>
-          <a:p>
-            <a:pPr>
-              <a:buFont typeface="Wingdings" panose="05000000000000000000" pitchFamily="2" charset="2"/>
-              <a:buChar char="§"/>
-            </a:pPr>
-            <a:r>
-              <a:rPr lang="en-US" sz="3200" dirty="0">
-                <a:solidFill>
-                  <a:schemeClr val="bg1">
-                    <a:lumMod val="85000"/>
-                  </a:schemeClr>
-                </a:solidFill>
-              </a:rPr>
-              <a:t> </a:t>
-            </a:r>
-            <a:r>
-              <a:rPr lang="en-US" sz="3200" dirty="0" err="1">
-                <a:solidFill>
-                  <a:schemeClr val="tx1"/>
-                </a:solidFill>
-              </a:rPr>
-              <a:t>Estructuras</a:t>
-            </a:r>
-            <a:r>
-              <a:rPr lang="en-US" sz="3200" dirty="0">
-                <a:solidFill>
-                  <a:schemeClr val="tx1"/>
-                </a:solidFill>
-              </a:rPr>
-              <a:t> </a:t>
-            </a:r>
-            <a:r>
-              <a:rPr lang="en-US" sz="3200" dirty="0" err="1">
-                <a:solidFill>
-                  <a:schemeClr val="tx1"/>
-                </a:solidFill>
-              </a:rPr>
-              <a:t>básicas</a:t>
-            </a:r>
-            <a:endParaRPr lang="es-CL" sz="3200" dirty="0">
-              <a:solidFill>
-                <a:schemeClr val="tx1"/>
-              </a:solidFill>
-            </a:endParaRPr>
-          </a:p>
-        </p:txBody>
-      </p:sp>
-    </p:spTree>
-    <p:extLst>
-      <p:ext uri="{BB962C8B-B14F-4D97-AF65-F5344CB8AC3E}">
-        <p14:creationId xmlns:p14="http://schemas.microsoft.com/office/powerpoint/2010/main" val="173906839"/>
-      </p:ext>
-    </p:extLst>
-  </p:cSld>
-  <p:clrMapOvr>
-    <a:masterClrMapping/>
-  </p:clrMapOvr>
-</p:sld>
-</file>
-
 <file path=ppt/slides/slide36.xml><?xml version="1.0" encoding="utf-8"?>
 <p:sld xmlns:a="http://schemas.openxmlformats.org/drawingml/2006/main" xmlns:r="http://schemas.openxmlformats.org/officeDocument/2006/relationships" xmlns:p="http://schemas.openxmlformats.org/presentationml/2006/main">
   <p:cSld>
@@ -11032,7 +18377,7 @@
           <p:cNvPr id="2" name="Title 1">
             <a:extLst>
               <a:ext uri="{FF2B5EF4-FFF2-40B4-BE49-F238E27FC236}">
-                <a16:creationId xmlns:a16="http://schemas.microsoft.com/office/drawing/2014/main" id="{1FC356CA-336C-4EC7-84E0-9EF86E1941C6}"/>
+                <a16:creationId xmlns:a16="http://schemas.microsoft.com/office/drawing/2014/main" id="{F2C5E41D-A7AC-4234-832D-0757BCB5F970}"/>
               </a:ext>
             </a:extLst>
           </p:cNvPr>
@@ -11049,9 +18394,10 @@
           <a:lstStyle/>
           <a:p>
             <a:r>
-              <a:rPr lang="es-CL" dirty="0"/>
-              <a:t>Arreglos</a:t>
-            </a:r>
+              <a:rPr lang="en-US" dirty="0"/>
+              <a:t>Outline</a:t>
+            </a:r>
+            <a:endParaRPr lang="es-CL" dirty="0"/>
           </a:p>
         </p:txBody>
       </p:sp>
@@ -11060,7 +18406,7 @@
           <p:cNvPr id="3" name="Content Placeholder 2">
             <a:extLst>
               <a:ext uri="{FF2B5EF4-FFF2-40B4-BE49-F238E27FC236}">
-                <a16:creationId xmlns:a16="http://schemas.microsoft.com/office/drawing/2014/main" id="{1712BBF6-60BF-470F-988D-67D18F99E707}"/>
+                <a16:creationId xmlns:a16="http://schemas.microsoft.com/office/drawing/2014/main" id="{74325995-B179-4919-94C9-E0E2EF55DAC2}"/>
               </a:ext>
             </a:extLst>
           </p:cNvPr>
@@ -11073,13 +18419,278 @@
         </p:nvSpPr>
         <p:spPr>
           <a:xfrm>
+            <a:off x="3753199" y="1219377"/>
+            <a:ext cx="5390801" cy="4904072"/>
+          </a:xfrm>
+        </p:spPr>
+        <p:txBody>
+          <a:bodyPr anchor="ctr">
+            <a:normAutofit/>
+          </a:bodyPr>
+          <a:lstStyle/>
+          <a:p>
+            <a:pPr>
+              <a:buFont typeface="Wingdings" panose="05000000000000000000" pitchFamily="2" charset="2"/>
+              <a:buChar char="§"/>
+            </a:pPr>
+            <a:r>
+              <a:rPr lang="en-US" sz="3200" dirty="0"/>
+              <a:t> </a:t>
+            </a:r>
+            <a:r>
+              <a:rPr lang="es-CL" sz="3200" dirty="0">
+                <a:solidFill>
+                  <a:schemeClr val="bg1">
+                    <a:lumMod val="85000"/>
+                  </a:schemeClr>
+                </a:solidFill>
+              </a:rPr>
+              <a:t>Programa</a:t>
+            </a:r>
+            <a:r>
+              <a:rPr lang="en-US" sz="3200" dirty="0">
+                <a:solidFill>
+                  <a:schemeClr val="bg1">
+                    <a:lumMod val="85000"/>
+                  </a:schemeClr>
+                </a:solidFill>
+              </a:rPr>
+              <a:t> del </a:t>
+            </a:r>
+            <a:r>
+              <a:rPr lang="es-CL" sz="3200" dirty="0">
+                <a:solidFill>
+                  <a:schemeClr val="bg1">
+                    <a:lumMod val="85000"/>
+                  </a:schemeClr>
+                </a:solidFill>
+              </a:rPr>
+              <a:t>curso</a:t>
+            </a:r>
+          </a:p>
+          <a:p>
+            <a:pPr>
+              <a:buFont typeface="Wingdings" panose="05000000000000000000" pitchFamily="2" charset="2"/>
+              <a:buChar char="§"/>
+            </a:pPr>
+            <a:r>
+              <a:rPr lang="es-CL" sz="3200" dirty="0">
+                <a:solidFill>
+                  <a:schemeClr val="bg1">
+                    <a:lumMod val="85000"/>
+                  </a:schemeClr>
+                </a:solidFill>
+              </a:rPr>
+              <a:t> Prerrequisitos</a:t>
+            </a:r>
+          </a:p>
+          <a:p>
+            <a:pPr>
+              <a:buFont typeface="Wingdings" panose="05000000000000000000" pitchFamily="2" charset="2"/>
+              <a:buChar char="§"/>
+            </a:pPr>
+            <a:r>
+              <a:rPr lang="en-US" sz="3200" dirty="0"/>
+              <a:t> </a:t>
+            </a:r>
+            <a:r>
+              <a:rPr lang="en-US" sz="3200" dirty="0" err="1">
+                <a:solidFill>
+                  <a:schemeClr val="bg1">
+                    <a:lumMod val="85000"/>
+                  </a:schemeClr>
+                </a:solidFill>
+              </a:rPr>
+              <a:t>Algoritmos</a:t>
+            </a:r>
+            <a:r>
+              <a:rPr lang="en-US" sz="3200" dirty="0">
+                <a:solidFill>
+                  <a:schemeClr val="bg1">
+                    <a:lumMod val="85000"/>
+                  </a:schemeClr>
+                </a:solidFill>
+              </a:rPr>
+              <a:t> y </a:t>
+            </a:r>
+            <a:r>
+              <a:rPr lang="en-US" sz="3200" dirty="0" err="1">
+                <a:solidFill>
+                  <a:schemeClr val="bg1">
+                    <a:lumMod val="85000"/>
+                  </a:schemeClr>
+                </a:solidFill>
+              </a:rPr>
+              <a:t>notación</a:t>
+            </a:r>
+            <a:endParaRPr lang="en-US" sz="3200" dirty="0">
+              <a:solidFill>
+                <a:schemeClr val="bg1">
+                  <a:lumMod val="85000"/>
+                </a:schemeClr>
+              </a:solidFill>
+            </a:endParaRPr>
+          </a:p>
+          <a:p>
+            <a:pPr>
+              <a:buFont typeface="Wingdings" panose="05000000000000000000" pitchFamily="2" charset="2"/>
+              <a:buChar char="§"/>
+            </a:pPr>
+            <a:r>
+              <a:rPr lang="en-US" sz="3200" dirty="0"/>
+              <a:t> </a:t>
+            </a:r>
+            <a:r>
+              <a:rPr lang="en-US" sz="3200" dirty="0">
+                <a:solidFill>
+                  <a:schemeClr val="bg1">
+                    <a:lumMod val="85000"/>
+                  </a:schemeClr>
+                </a:solidFill>
+              </a:rPr>
+              <a:t>Memoria de un </a:t>
+            </a:r>
+            <a:r>
+              <a:rPr lang="es-CL" sz="3200" dirty="0">
+                <a:solidFill>
+                  <a:schemeClr val="bg1">
+                    <a:lumMod val="85000"/>
+                  </a:schemeClr>
+                </a:solidFill>
+              </a:rPr>
+              <a:t>computador</a:t>
+            </a:r>
+          </a:p>
+          <a:p>
+            <a:pPr>
+              <a:buFont typeface="Wingdings" panose="05000000000000000000" pitchFamily="2" charset="2"/>
+              <a:buChar char="§"/>
+            </a:pPr>
+            <a:r>
+              <a:rPr lang="en-US" sz="3200" dirty="0">
+                <a:solidFill>
+                  <a:schemeClr val="bg1">
+                    <a:lumMod val="85000"/>
+                  </a:schemeClr>
+                </a:solidFill>
+              </a:rPr>
+              <a:t> </a:t>
+            </a:r>
+            <a:r>
+              <a:rPr lang="en-US" sz="3200" dirty="0" err="1">
+                <a:solidFill>
+                  <a:schemeClr val="tx1"/>
+                </a:solidFill>
+              </a:rPr>
+              <a:t>Estructuras</a:t>
+            </a:r>
+            <a:r>
+              <a:rPr lang="en-US" sz="3200" dirty="0">
+                <a:solidFill>
+                  <a:schemeClr val="tx1"/>
+                </a:solidFill>
+              </a:rPr>
+              <a:t> </a:t>
+            </a:r>
+            <a:r>
+              <a:rPr lang="en-US" sz="3200" dirty="0" err="1">
+                <a:solidFill>
+                  <a:schemeClr val="tx1"/>
+                </a:solidFill>
+              </a:rPr>
+              <a:t>básicas</a:t>
+            </a:r>
+            <a:endParaRPr lang="es-CL" sz="3200" dirty="0">
+              <a:solidFill>
+                <a:schemeClr val="tx1"/>
+              </a:solidFill>
+            </a:endParaRPr>
+          </a:p>
+        </p:txBody>
+      </p:sp>
+    </p:spTree>
+    <p:extLst>
+      <p:ext uri="{BB962C8B-B14F-4D97-AF65-F5344CB8AC3E}">
+        <p14:creationId xmlns:p14="http://schemas.microsoft.com/office/powerpoint/2010/main" val="173906839"/>
+      </p:ext>
+    </p:extLst>
+  </p:cSld>
+  <p:clrMapOvr>
+    <a:masterClrMapping/>
+  </p:clrMapOvr>
+</p:sld>
+</file>
+
+<file path=ppt/slides/slide37.xml><?xml version="1.0" encoding="utf-8"?>
+<p:sld xmlns:a="http://schemas.openxmlformats.org/drawingml/2006/main" xmlns:r="http://schemas.openxmlformats.org/officeDocument/2006/relationships" xmlns:p="http://schemas.openxmlformats.org/presentationml/2006/main">
+  <p:cSld>
+    <p:spTree>
+      <p:nvGrpSpPr>
+        <p:cNvPr id="1" name=""/>
+        <p:cNvGrpSpPr/>
+        <p:nvPr/>
+      </p:nvGrpSpPr>
+      <p:grpSpPr>
+        <a:xfrm>
+          <a:off x="0" y="0"/>
+          <a:ext cx="0" cy="0"/>
+          <a:chOff x="0" y="0"/>
+          <a:chExt cx="0" cy="0"/>
+        </a:xfrm>
+      </p:grpSpPr>
+      <p:sp>
+        <p:nvSpPr>
+          <p:cNvPr id="2" name="Title 1">
+            <a:extLst>
+              <a:ext uri="{FF2B5EF4-FFF2-40B4-BE49-F238E27FC236}">
+                <a16:creationId xmlns:a16="http://schemas.microsoft.com/office/drawing/2014/main" id="{1FC356CA-336C-4EC7-84E0-9EF86E1941C6}"/>
+              </a:ext>
+            </a:extLst>
+          </p:cNvPr>
+          <p:cNvSpPr>
+            <a:spLocks noGrp="1"/>
+          </p:cNvSpPr>
+          <p:nvPr>
+            <p:ph type="title"/>
+          </p:nvPr>
+        </p:nvSpPr>
+        <p:spPr/>
+        <p:txBody>
+          <a:bodyPr/>
+          <a:lstStyle/>
+          <a:p>
+            <a:r>
+              <a:rPr lang="es-CL" dirty="0"/>
+              <a:t>Arreglos</a:t>
+            </a:r>
+          </a:p>
+        </p:txBody>
+      </p:sp>
+      <p:sp>
+        <p:nvSpPr>
+          <p:cNvPr id="3" name="Content Placeholder 2">
+            <a:extLst>
+              <a:ext uri="{FF2B5EF4-FFF2-40B4-BE49-F238E27FC236}">
+                <a16:creationId xmlns:a16="http://schemas.microsoft.com/office/drawing/2014/main" id="{1712BBF6-60BF-470F-988D-67D18F99E707}"/>
+              </a:ext>
+            </a:extLst>
+          </p:cNvPr>
+          <p:cNvSpPr>
+            <a:spLocks noGrp="1"/>
+          </p:cNvSpPr>
+          <p:nvPr>
+            <p:ph idx="1"/>
+          </p:nvPr>
+        </p:nvSpPr>
+        <p:spPr>
+          <a:xfrm>
             <a:off x="251461" y="1287532"/>
             <a:ext cx="5079073" cy="4904072"/>
           </a:xfrm>
         </p:spPr>
         <p:txBody>
           <a:bodyPr anchor="ctr">
-            <a:normAutofit fontScale="77500" lnSpcReduction="20000"/>
+            <a:normAutofit fontScale="62500" lnSpcReduction="20000"/>
           </a:bodyPr>
           <a:lstStyle/>
           <a:p>
@@ -11117,6 +18728,12 @@
             </a:r>
           </a:p>
           <a:p>
+            <a:r>
+              <a:rPr lang="es-CL" sz="3300" dirty="0"/>
+              <a:t>… y que almacenan valores del mismo tipo</a:t>
+            </a:r>
+          </a:p>
+          <a:p>
             <a:endParaRPr lang="es-CL" sz="3300" dirty="0"/>
           </a:p>
           <a:p>
@@ -11143,7 +18760,7 @@
           <a:p>
             <a:r>
               <a:rPr lang="es-CL" sz="3300" dirty="0"/>
-              <a:t>Permite acceso por índice en O(1)</a:t>
+              <a:t>Permite acceso por índice en tiempo O(1)</a:t>
             </a:r>
           </a:p>
         </p:txBody>
@@ -12013,7 +19630,7 @@
 </p:sld>
 </file>
 
-<file path=ppt/slides/slide37.xml><?xml version="1.0" encoding="utf-8"?>
+<file path=ppt/slides/slide38.xml><?xml version="1.0" encoding="utf-8"?>
 <p:sld xmlns:a="http://schemas.openxmlformats.org/drawingml/2006/main" xmlns:r="http://schemas.openxmlformats.org/officeDocument/2006/relationships" xmlns:p="http://schemas.openxmlformats.org/presentationml/2006/main">
   <p:cSld>
     <p:spTree>
@@ -12053,7 +19670,7 @@
           <a:p>
             <a:r>
               <a:rPr lang="es-CL" dirty="0"/>
-              <a:t>Arreglo: Ejemplo abstracto</a:t>
+              <a:t>Arreglo: ejemplo abstracto</a:t>
             </a:r>
           </a:p>
         </p:txBody>
@@ -12362,7 +19979,7 @@
 </p:sld>
 </file>
 
-<file path=ppt/slides/slide38.xml><?xml version="1.0" encoding="utf-8"?>
+<file path=ppt/slides/slide39.xml><?xml version="1.0" encoding="utf-8"?>
 <p:sld xmlns:a="http://schemas.openxmlformats.org/drawingml/2006/main" xmlns:r="http://schemas.openxmlformats.org/officeDocument/2006/relationships" xmlns:p="http://schemas.openxmlformats.org/presentationml/2006/main">
   <p:cSld>
     <p:spTree>
@@ -13787,7 +21404,7 @@
 </p:sld>
 </file>
 
-<file path=ppt/slides/slide39.xml><?xml version="1.0" encoding="utf-8"?>
+<file path=ppt/slides/slide4.xml><?xml version="1.0" encoding="utf-8"?>
 <p:sld xmlns:a="http://schemas.openxmlformats.org/drawingml/2006/main" xmlns:r="http://schemas.openxmlformats.org/officeDocument/2006/relationships" xmlns:p="http://schemas.openxmlformats.org/presentationml/2006/main">
   <p:cSld>
     <p:spTree>
@@ -13806,10 +21423,10 @@
       </p:grpSpPr>
       <p:sp>
         <p:nvSpPr>
-          <p:cNvPr id="2" name="Título 1">
-            <a:extLst>
-              <a:ext uri="{FF2B5EF4-FFF2-40B4-BE49-F238E27FC236}">
-                <a16:creationId xmlns:a16="http://schemas.microsoft.com/office/drawing/2014/main" id="{ADE55FD8-3BD3-40F2-9E21-FD95C7FECC91}"/>
+          <p:cNvPr id="2" name="Title 1">
+            <a:extLst>
+              <a:ext uri="{FF2B5EF4-FFF2-40B4-BE49-F238E27FC236}">
+                <a16:creationId xmlns:a16="http://schemas.microsoft.com/office/drawing/2014/main" id="{93BC30FF-AF96-4C7C-B144-AC2B89595708}"/>
               </a:ext>
             </a:extLst>
           </p:cNvPr>
@@ -13827,7 +21444,473 @@
           <a:p>
             <a:r>
               <a:rPr lang="es-CL" dirty="0"/>
-              <a:t>Lista ligada: Ejemplo abstracto</a:t>
+              <a:t>Contenidos</a:t>
+            </a:r>
+          </a:p>
+        </p:txBody>
+      </p:sp>
+      <p:sp>
+        <p:nvSpPr>
+          <p:cNvPr id="3" name="Content Placeholder 2">
+            <a:extLst>
+              <a:ext uri="{FF2B5EF4-FFF2-40B4-BE49-F238E27FC236}">
+                <a16:creationId xmlns:a16="http://schemas.microsoft.com/office/drawing/2014/main" id="{1EA75A9E-0095-4498-B51D-D37E5CF1A676}"/>
+              </a:ext>
+            </a:extLst>
+          </p:cNvPr>
+          <p:cNvSpPr>
+            <a:spLocks noGrp="1"/>
+          </p:cNvSpPr>
+          <p:nvPr>
+            <p:ph idx="1"/>
+          </p:nvPr>
+        </p:nvSpPr>
+        <p:spPr>
+          <a:xfrm>
+            <a:off x="251461" y="1287532"/>
+            <a:ext cx="8641076" cy="4904072"/>
+          </a:xfrm>
+        </p:spPr>
+        <p:txBody>
+          <a:bodyPr anchor="ctr">
+            <a:normAutofit lnSpcReduction="10000"/>
+          </a:bodyPr>
+          <a:lstStyle/>
+          <a:p>
+            <a:pPr marL="0" indent="0">
+              <a:lnSpc>
+                <a:spcPct val="100000"/>
+              </a:lnSpc>
+              <a:spcAft>
+                <a:spcPts val="0"/>
+              </a:spcAft>
+            </a:pPr>
+            <a:r>
+              <a:rPr lang="es-CL" sz="2400" b="1" dirty="0"/>
+              <a:t>Estructuras fundamentales</a:t>
+            </a:r>
+            <a:r>
+              <a:rPr lang="en-US" sz="2400" dirty="0"/>
+              <a:t>: </a:t>
+            </a:r>
+            <a:r>
+              <a:rPr lang="en-US" sz="2400" dirty="0" err="1"/>
+              <a:t>arreglos</a:t>
+            </a:r>
+            <a:r>
+              <a:rPr lang="en-US" sz="2400" dirty="0"/>
+              <a:t>, </a:t>
+            </a:r>
+            <a:r>
+              <a:rPr lang="en-US" sz="2400" dirty="0" err="1"/>
+              <a:t>listas</a:t>
+            </a:r>
+            <a:r>
+              <a:rPr lang="en-US" sz="2400" dirty="0"/>
+              <a:t> </a:t>
+            </a:r>
+            <a:r>
+              <a:rPr lang="en-US" sz="2400" dirty="0" err="1"/>
+              <a:t>ligadas</a:t>
+            </a:r>
+            <a:r>
+              <a:rPr lang="en-US" sz="2400" dirty="0"/>
+              <a:t>, stacks, colas, </a:t>
+            </a:r>
+            <a:r>
+              <a:rPr lang="en-US" sz="2400" dirty="0" err="1"/>
+              <a:t>tablas</a:t>
+            </a:r>
+            <a:r>
+              <a:rPr lang="en-US" sz="2400" dirty="0"/>
+              <a:t> de hash, colas </a:t>
+            </a:r>
+            <a:r>
+              <a:rPr lang="en-US" sz="2400" dirty="0" err="1"/>
+              <a:t>priorizadas</a:t>
+            </a:r>
+            <a:endParaRPr lang="en-US" sz="2400" dirty="0"/>
+          </a:p>
+          <a:p>
+            <a:pPr marL="0" indent="0">
+              <a:lnSpc>
+                <a:spcPct val="100000"/>
+              </a:lnSpc>
+              <a:spcAft>
+                <a:spcPts val="0"/>
+              </a:spcAft>
+            </a:pPr>
+            <a:r>
+              <a:rPr lang="en-US" sz="2400" b="1" dirty="0" err="1"/>
+              <a:t>Árboles</a:t>
+            </a:r>
+            <a:r>
+              <a:rPr lang="en-US" sz="2400" b="1" dirty="0"/>
+              <a:t> de </a:t>
+            </a:r>
+            <a:r>
+              <a:rPr lang="en-US" sz="2400" b="1" dirty="0" err="1"/>
+              <a:t>búsqueda</a:t>
+            </a:r>
+            <a:r>
+              <a:rPr lang="en-US" sz="2400" dirty="0"/>
+              <a:t>: </a:t>
+            </a:r>
+            <a:r>
+              <a:rPr lang="en-US" sz="2400" dirty="0" err="1"/>
+              <a:t>árboles</a:t>
+            </a:r>
+            <a:r>
+              <a:rPr lang="en-US" sz="2400" dirty="0"/>
+              <a:t> </a:t>
+            </a:r>
+            <a:r>
+              <a:rPr lang="en-US" sz="2400" dirty="0" err="1"/>
+              <a:t>binarios</a:t>
+            </a:r>
+            <a:r>
+              <a:rPr lang="en-US" sz="2400" dirty="0"/>
+              <a:t>, </a:t>
+            </a:r>
+            <a:r>
+              <a:rPr lang="en-US" sz="2400" dirty="0" err="1"/>
+              <a:t>árboles</a:t>
+            </a:r>
+            <a:r>
+              <a:rPr lang="en-US" sz="2400" dirty="0"/>
+              <a:t> </a:t>
+            </a:r>
+            <a:r>
+              <a:rPr lang="en-US" sz="2400" dirty="0" err="1"/>
+              <a:t>binarios</a:t>
+            </a:r>
+            <a:r>
+              <a:rPr lang="en-US" sz="2400" dirty="0"/>
+              <a:t> </a:t>
+            </a:r>
+            <a:r>
+              <a:rPr lang="en-US" sz="2400" dirty="0" err="1"/>
+              <a:t>balanceados</a:t>
+            </a:r>
+            <a:r>
+              <a:rPr lang="en-US" sz="2400" dirty="0"/>
+              <a:t>, </a:t>
+            </a:r>
+            <a:r>
+              <a:rPr lang="en-US" sz="2400" dirty="0" err="1"/>
+              <a:t>árboles 2-3</a:t>
+            </a:r>
+            <a:endParaRPr lang="en-US" sz="2400" dirty="0"/>
+          </a:p>
+          <a:p>
+            <a:pPr marL="0" indent="0">
+              <a:lnSpc>
+                <a:spcPct val="100000"/>
+              </a:lnSpc>
+              <a:spcAft>
+                <a:spcPts val="0"/>
+              </a:spcAft>
+            </a:pPr>
+            <a:r>
+              <a:rPr lang="en-US" sz="2400" b="1" dirty="0" err="1"/>
+              <a:t>Algoritmos</a:t>
+            </a:r>
+            <a:r>
+              <a:rPr lang="en-US" sz="2400" b="1" dirty="0"/>
+              <a:t> de </a:t>
+            </a:r>
+            <a:r>
+              <a:rPr lang="en-US" sz="2400" b="1" dirty="0" err="1"/>
+              <a:t>ordenación</a:t>
+            </a:r>
+            <a:r>
+              <a:rPr lang="en-US" sz="2400" dirty="0"/>
+              <a:t>: </a:t>
+            </a:r>
+            <a:r>
+              <a:rPr lang="en-US" sz="2400" i="1" dirty="0" err="1"/>
+              <a:t>insertionsort</a:t>
+            </a:r>
+            <a:r>
+              <a:rPr lang="en-US" sz="2400" dirty="0"/>
+              <a:t>, </a:t>
+            </a:r>
+            <a:r>
+              <a:rPr lang="en-US" sz="2400" i="1" dirty="0"/>
+              <a:t>heapsort,</a:t>
+            </a:r>
+            <a:r>
+              <a:rPr lang="en-US" sz="2400" dirty="0"/>
+              <a:t> </a:t>
+            </a:r>
+            <a:r>
+              <a:rPr lang="en-US" sz="2400" i="1" dirty="0"/>
+              <a:t>quicksort</a:t>
+            </a:r>
+            <a:r>
+              <a:rPr lang="en-US" sz="2400" dirty="0"/>
+              <a:t>, </a:t>
+            </a:r>
+            <a:r>
+              <a:rPr lang="en-US" sz="2400" i="1" dirty="0"/>
+              <a:t>mergesort</a:t>
+            </a:r>
+            <a:r>
+              <a:rPr lang="en-US" sz="2400" dirty="0"/>
+              <a:t>, </a:t>
+            </a:r>
+            <a:r>
+              <a:rPr lang="en-US" sz="2400" i="1" dirty="0"/>
+              <a:t>countingsort</a:t>
+            </a:r>
+            <a:r>
+              <a:rPr lang="en-US" sz="2400" dirty="0"/>
+              <a:t>, </a:t>
+            </a:r>
+            <a:r>
+              <a:rPr lang="en-US" sz="2400" dirty="0" err="1"/>
+              <a:t>análisis</a:t>
+            </a:r>
+            <a:r>
+              <a:rPr lang="en-US" sz="2400" dirty="0"/>
+              <a:t> de </a:t>
+            </a:r>
+            <a:r>
+              <a:rPr lang="en-US" sz="2400" dirty="0" err="1"/>
+              <a:t>desempeño, propiedades de ordenación</a:t>
+            </a:r>
+            <a:endParaRPr lang="en-US" sz="2400" dirty="0"/>
+          </a:p>
+          <a:p>
+            <a:pPr marL="0" indent="0">
+              <a:lnSpc>
+                <a:spcPct val="100000"/>
+              </a:lnSpc>
+              <a:spcAft>
+                <a:spcPts val="0"/>
+              </a:spcAft>
+            </a:pPr>
+            <a:r>
+              <a:rPr lang="en-US" sz="2400" b="1" dirty="0" err="1"/>
+              <a:t>Técnicas</a:t>
+            </a:r>
+            <a:r>
+              <a:rPr lang="en-US" sz="2400" b="1" dirty="0"/>
+              <a:t> </a:t>
+            </a:r>
+            <a:r>
+              <a:rPr lang="en-US" sz="2400" b="1" dirty="0" err="1"/>
+              <a:t>algorítmicas</a:t>
+            </a:r>
+            <a:r>
+              <a:rPr lang="en-US" sz="2400" dirty="0"/>
+              <a:t>: </a:t>
+            </a:r>
+            <a:r>
+              <a:rPr lang="en-US" sz="2400" dirty="0" err="1"/>
+              <a:t>dividir</a:t>
+            </a:r>
+            <a:r>
+              <a:rPr lang="en-US" sz="2400" dirty="0"/>
+              <a:t> para </a:t>
+            </a:r>
+            <a:r>
+              <a:rPr lang="en-US" sz="2400" dirty="0" err="1"/>
+              <a:t>conquistar</a:t>
+            </a:r>
+            <a:r>
+              <a:rPr lang="en-US" sz="2400" dirty="0"/>
+              <a:t>, </a:t>
+            </a:r>
+            <a:r>
+              <a:rPr lang="en-US" sz="2400" i="1" dirty="0"/>
+              <a:t>backtracking</a:t>
+            </a:r>
+            <a:r>
+              <a:rPr lang="en-US" sz="2400" dirty="0"/>
+              <a:t>, </a:t>
+            </a:r>
+            <a:r>
+              <a:rPr lang="en-US" sz="2400" dirty="0" err="1"/>
+              <a:t>programación</a:t>
+            </a:r>
+            <a:r>
+              <a:rPr lang="en-US" sz="2400" dirty="0"/>
+              <a:t> </a:t>
+            </a:r>
+            <a:r>
+              <a:rPr lang="en-US" sz="2400" dirty="0" err="1"/>
+              <a:t>dinámica</a:t>
+            </a:r>
+            <a:r>
+              <a:rPr lang="en-US" sz="2400" dirty="0"/>
+              <a:t>, </a:t>
+            </a:r>
+            <a:r>
+              <a:rPr lang="en-US" sz="2400" dirty="0" err="1"/>
+              <a:t>algoritmos</a:t>
+            </a:r>
+            <a:r>
+              <a:rPr lang="en-US" sz="2400" dirty="0"/>
+              <a:t> </a:t>
+            </a:r>
+            <a:r>
+              <a:rPr lang="en-US" sz="2400" dirty="0" err="1"/>
+              <a:t>codiciosos</a:t>
+            </a:r>
+            <a:endParaRPr lang="en-US" sz="2400" dirty="0"/>
+          </a:p>
+          <a:p>
+            <a:pPr marL="0" indent="0">
+              <a:lnSpc>
+                <a:spcPct val="100000"/>
+              </a:lnSpc>
+              <a:spcAft>
+                <a:spcPts val="0"/>
+              </a:spcAft>
+            </a:pPr>
+            <a:r>
+              <a:rPr lang="en-US" sz="2400" b="1" dirty="0" err="1"/>
+              <a:t>Grafos</a:t>
+            </a:r>
+            <a:r>
+              <a:rPr lang="en-US" sz="2400" dirty="0"/>
+              <a:t>: </a:t>
+            </a:r>
+            <a:r>
+              <a:rPr lang="en-US" sz="2400" dirty="0" err="1"/>
+              <a:t>representación</a:t>
+            </a:r>
+            <a:r>
+              <a:rPr lang="en-US" sz="2400" dirty="0"/>
+              <a:t>, </a:t>
+            </a:r>
+            <a:r>
+              <a:rPr lang="en-US" sz="2400" dirty="0" err="1"/>
+              <a:t>exploración</a:t>
+            </a:r>
+            <a:r>
+              <a:rPr lang="en-US" sz="2400" dirty="0"/>
+              <a:t>, </a:t>
+            </a:r>
+            <a:r>
+              <a:rPr lang="en-US" sz="2400" dirty="0" err="1"/>
+              <a:t>ordenación</a:t>
+            </a:r>
+            <a:r>
+              <a:rPr lang="en-US" sz="2400" dirty="0"/>
+              <a:t> </a:t>
+            </a:r>
+            <a:r>
+              <a:rPr lang="en-US" sz="2400" dirty="0" err="1"/>
+              <a:t>topológica, componentes fuertemente conectadas</a:t>
+            </a:r>
+            <a:r>
+              <a:rPr lang="en-US" sz="2400" dirty="0"/>
+              <a:t>, </a:t>
+            </a:r>
+            <a:r>
+              <a:rPr lang="en-US" sz="2400" dirty="0" err="1"/>
+              <a:t>árboles</a:t>
+            </a:r>
+            <a:r>
+              <a:rPr lang="en-US" sz="2400" dirty="0"/>
+              <a:t> de </a:t>
+            </a:r>
+            <a:r>
+              <a:rPr lang="en-US" sz="2400" dirty="0" err="1"/>
+              <a:t>cobertura</a:t>
+            </a:r>
+            <a:r>
+              <a:rPr lang="en-US" sz="2400" dirty="0"/>
+              <a:t> </a:t>
+            </a:r>
+            <a:r>
+              <a:rPr lang="en-US" sz="2400" dirty="0" err="1"/>
+              <a:t>mínimos</a:t>
+            </a:r>
+            <a:r>
+              <a:rPr lang="en-US" sz="2400" dirty="0"/>
+              <a:t>, </a:t>
+            </a:r>
+            <a:r>
+              <a:rPr lang="en-US" sz="2400" dirty="0" err="1"/>
+              <a:t>rutas</a:t>
+            </a:r>
+            <a:r>
+              <a:rPr lang="en-US" sz="2400" dirty="0"/>
+              <a:t> </a:t>
+            </a:r>
+            <a:r>
+              <a:rPr lang="en-US" sz="2400" dirty="0" err="1"/>
+              <a:t>más</a:t>
+            </a:r>
+            <a:r>
+              <a:rPr lang="en-US" sz="2400" dirty="0"/>
+              <a:t> </a:t>
+            </a:r>
+            <a:r>
+              <a:rPr lang="en-US" sz="2400" dirty="0" err="1"/>
+              <a:t>cortas</a:t>
+            </a:r>
+            <a:endParaRPr lang="es-CL" sz="2400" dirty="0"/>
+          </a:p>
+        </p:txBody>
+      </p:sp>
+    </p:spTree>
+    <p:extLst>
+      <p:ext uri="{BB962C8B-B14F-4D97-AF65-F5344CB8AC3E}">
+        <p14:creationId xmlns:p14="http://schemas.microsoft.com/office/powerpoint/2010/main" val="2089719755"/>
+      </p:ext>
+    </p:extLst>
+  </p:cSld>
+  <p:clrMapOvr>
+    <a:masterClrMapping/>
+  </p:clrMapOvr>
+</p:sld>
+</file>
+
+<file path=ppt/slides/slide40.xml><?xml version="1.0" encoding="utf-8"?>
+<p:sld xmlns:a="http://schemas.openxmlformats.org/drawingml/2006/main" xmlns:r="http://schemas.openxmlformats.org/officeDocument/2006/relationships" xmlns:p="http://schemas.openxmlformats.org/presentationml/2006/main">
+  <p:cSld>
+    <p:spTree>
+      <p:nvGrpSpPr>
+        <p:cNvPr id="1" name=""/>
+        <p:cNvGrpSpPr/>
+        <p:nvPr/>
+      </p:nvGrpSpPr>
+      <p:grpSpPr>
+        <a:xfrm>
+          <a:off x="0" y="0"/>
+          <a:ext cx="0" cy="0"/>
+          <a:chOff x="0" y="0"/>
+          <a:chExt cx="0" cy="0"/>
+        </a:xfrm>
+      </p:grpSpPr>
+      <p:sp>
+        <p:nvSpPr>
+          <p:cNvPr id="2" name="Título 1">
+            <a:extLst>
+              <a:ext uri="{FF2B5EF4-FFF2-40B4-BE49-F238E27FC236}">
+                <a16:creationId xmlns:a16="http://schemas.microsoft.com/office/drawing/2014/main" id="{ADE55FD8-3BD3-40F2-9E21-FD95C7FECC91}"/>
+              </a:ext>
+            </a:extLst>
+          </p:cNvPr>
+          <p:cNvSpPr>
+            <a:spLocks noGrp="1"/>
+          </p:cNvSpPr>
+          <p:nvPr>
+            <p:ph type="title"/>
+          </p:nvPr>
+        </p:nvSpPr>
+        <p:spPr/>
+        <p:txBody>
+          <a:bodyPr/>
+          <a:lstStyle/>
+          <a:p>
+            <a:r>
+              <a:rPr lang="es-CL" dirty="0"/>
+              <a:t>Lista ligada: ejemplo abstracto</a:t>
             </a:r>
           </a:p>
         </p:txBody>
@@ -14419,7 +22502,7 @@
 </p:sld>
 </file>
 
-<file path=ppt/slides/slide4.xml><?xml version="1.0" encoding="utf-8"?>
+<file path=ppt/slides/slide41.xml><?xml version="1.0" encoding="utf-8"?>
 <p:sld xmlns:a="http://schemas.openxmlformats.org/drawingml/2006/main" xmlns:r="http://schemas.openxmlformats.org/officeDocument/2006/relationships" xmlns:p="http://schemas.openxmlformats.org/presentationml/2006/main">
   <p:cSld>
     <p:spTree>
@@ -14441,472 +22524,6 @@
           <p:cNvPr id="2" name="Title 1">
             <a:extLst>
               <a:ext uri="{FF2B5EF4-FFF2-40B4-BE49-F238E27FC236}">
-                <a16:creationId xmlns:a16="http://schemas.microsoft.com/office/drawing/2014/main" id="{93BC30FF-AF96-4C7C-B144-AC2B89595708}"/>
-              </a:ext>
-            </a:extLst>
-          </p:cNvPr>
-          <p:cNvSpPr>
-            <a:spLocks noGrp="1"/>
-          </p:cNvSpPr>
-          <p:nvPr>
-            <p:ph type="title"/>
-          </p:nvPr>
-        </p:nvSpPr>
-        <p:spPr/>
-        <p:txBody>
-          <a:bodyPr/>
-          <a:lstStyle/>
-          <a:p>
-            <a:r>
-              <a:rPr lang="es-CL" dirty="0"/>
-              <a:t>Contenidos</a:t>
-            </a:r>
-          </a:p>
-        </p:txBody>
-      </p:sp>
-      <p:sp>
-        <p:nvSpPr>
-          <p:cNvPr id="3" name="Content Placeholder 2">
-            <a:extLst>
-              <a:ext uri="{FF2B5EF4-FFF2-40B4-BE49-F238E27FC236}">
-                <a16:creationId xmlns:a16="http://schemas.microsoft.com/office/drawing/2014/main" id="{1EA75A9E-0095-4498-B51D-D37E5CF1A676}"/>
-              </a:ext>
-            </a:extLst>
-          </p:cNvPr>
-          <p:cNvSpPr>
-            <a:spLocks noGrp="1"/>
-          </p:cNvSpPr>
-          <p:nvPr>
-            <p:ph idx="1"/>
-          </p:nvPr>
-        </p:nvSpPr>
-        <p:spPr>
-          <a:xfrm>
-            <a:off x="251461" y="1287532"/>
-            <a:ext cx="8641076" cy="4904072"/>
-          </a:xfrm>
-        </p:spPr>
-        <p:txBody>
-          <a:bodyPr anchor="ctr">
-            <a:normAutofit lnSpcReduction="10000"/>
-          </a:bodyPr>
-          <a:lstStyle/>
-          <a:p>
-            <a:pPr marL="0" indent="0">
-              <a:lnSpc>
-                <a:spcPct val="100000"/>
-              </a:lnSpc>
-              <a:spcAft>
-                <a:spcPts val="0"/>
-              </a:spcAft>
-            </a:pPr>
-            <a:r>
-              <a:rPr lang="es-CL" sz="2400" b="1" dirty="0"/>
-              <a:t>Estructuras fundamentales</a:t>
-            </a:r>
-            <a:r>
-              <a:rPr lang="en-US" sz="2400" dirty="0"/>
-              <a:t>: </a:t>
-            </a:r>
-            <a:r>
-              <a:rPr lang="en-US" sz="2400" dirty="0" err="1"/>
-              <a:t>arreglos</a:t>
-            </a:r>
-            <a:r>
-              <a:rPr lang="en-US" sz="2400" dirty="0"/>
-              <a:t>, </a:t>
-            </a:r>
-            <a:r>
-              <a:rPr lang="en-US" sz="2400" dirty="0" err="1"/>
-              <a:t>listas</a:t>
-            </a:r>
-            <a:r>
-              <a:rPr lang="en-US" sz="2400" dirty="0"/>
-              <a:t> </a:t>
-            </a:r>
-            <a:r>
-              <a:rPr lang="en-US" sz="2400" dirty="0" err="1"/>
-              <a:t>ligadas</a:t>
-            </a:r>
-            <a:r>
-              <a:rPr lang="en-US" sz="2400" dirty="0"/>
-              <a:t>, stacks, colas, </a:t>
-            </a:r>
-            <a:r>
-              <a:rPr lang="en-US" sz="2400" dirty="0" err="1"/>
-              <a:t>tablas</a:t>
-            </a:r>
-            <a:r>
-              <a:rPr lang="en-US" sz="2400" dirty="0"/>
-              <a:t> de hash, colas </a:t>
-            </a:r>
-            <a:r>
-              <a:rPr lang="en-US" sz="2400" dirty="0" err="1"/>
-              <a:t>priorizadas</a:t>
-            </a:r>
-            <a:endParaRPr lang="en-US" sz="2400" dirty="0"/>
-          </a:p>
-          <a:p>
-            <a:pPr marL="0" indent="0">
-              <a:lnSpc>
-                <a:spcPct val="100000"/>
-              </a:lnSpc>
-              <a:spcAft>
-                <a:spcPts val="0"/>
-              </a:spcAft>
-            </a:pPr>
-            <a:r>
-              <a:rPr lang="en-US" sz="2400" b="1" dirty="0" err="1"/>
-              <a:t>Árboles</a:t>
-            </a:r>
-            <a:r>
-              <a:rPr lang="en-US" sz="2400" b="1" dirty="0"/>
-              <a:t> de </a:t>
-            </a:r>
-            <a:r>
-              <a:rPr lang="en-US" sz="2400" b="1" dirty="0" err="1"/>
-              <a:t>búsqueda</a:t>
-            </a:r>
-            <a:r>
-              <a:rPr lang="en-US" sz="2400" dirty="0"/>
-              <a:t>: </a:t>
-            </a:r>
-            <a:r>
-              <a:rPr lang="en-US" sz="2400" dirty="0" err="1"/>
-              <a:t>árboles</a:t>
-            </a:r>
-            <a:r>
-              <a:rPr lang="en-US" sz="2400" dirty="0"/>
-              <a:t> </a:t>
-            </a:r>
-            <a:r>
-              <a:rPr lang="en-US" sz="2400" dirty="0" err="1"/>
-              <a:t>binarios</a:t>
-            </a:r>
-            <a:r>
-              <a:rPr lang="en-US" sz="2400" dirty="0"/>
-              <a:t>, </a:t>
-            </a:r>
-            <a:r>
-              <a:rPr lang="en-US" sz="2400" dirty="0" err="1"/>
-              <a:t>árboles</a:t>
-            </a:r>
-            <a:r>
-              <a:rPr lang="en-US" sz="2400" dirty="0"/>
-              <a:t> </a:t>
-            </a:r>
-            <a:r>
-              <a:rPr lang="en-US" sz="2400" dirty="0" err="1"/>
-              <a:t>binarios</a:t>
-            </a:r>
-            <a:r>
-              <a:rPr lang="en-US" sz="2400" dirty="0"/>
-              <a:t> </a:t>
-            </a:r>
-            <a:r>
-              <a:rPr lang="en-US" sz="2400" dirty="0" err="1"/>
-              <a:t>balanceados</a:t>
-            </a:r>
-            <a:r>
-              <a:rPr lang="en-US" sz="2400" dirty="0"/>
-              <a:t>, </a:t>
-            </a:r>
-            <a:r>
-              <a:rPr lang="en-US" sz="2400" dirty="0" err="1"/>
-              <a:t>árboles 2-3</a:t>
-            </a:r>
-            <a:endParaRPr lang="en-US" sz="2400" dirty="0"/>
-          </a:p>
-          <a:p>
-            <a:pPr marL="0" indent="0">
-              <a:lnSpc>
-                <a:spcPct val="100000"/>
-              </a:lnSpc>
-              <a:spcAft>
-                <a:spcPts val="0"/>
-              </a:spcAft>
-            </a:pPr>
-            <a:r>
-              <a:rPr lang="en-US" sz="2400" b="1" dirty="0" err="1"/>
-              <a:t>Algoritmos</a:t>
-            </a:r>
-            <a:r>
-              <a:rPr lang="en-US" sz="2400" b="1" dirty="0"/>
-              <a:t> de </a:t>
-            </a:r>
-            <a:r>
-              <a:rPr lang="en-US" sz="2400" b="1" dirty="0" err="1"/>
-              <a:t>ordenación</a:t>
-            </a:r>
-            <a:r>
-              <a:rPr lang="en-US" sz="2400" dirty="0"/>
-              <a:t>: </a:t>
-            </a:r>
-            <a:r>
-              <a:rPr lang="en-US" sz="2400" i="1" dirty="0" err="1"/>
-              <a:t>insertionsort</a:t>
-            </a:r>
-            <a:r>
-              <a:rPr lang="en-US" sz="2400" dirty="0"/>
-              <a:t>, </a:t>
-            </a:r>
-            <a:r>
-              <a:rPr lang="en-US" sz="2400" i="1" dirty="0"/>
-              <a:t>heapsort,</a:t>
-            </a:r>
-            <a:r>
-              <a:rPr lang="en-US" sz="2400" dirty="0"/>
-              <a:t> </a:t>
-            </a:r>
-            <a:r>
-              <a:rPr lang="en-US" sz="2400" i="1" dirty="0"/>
-              <a:t>quicksort</a:t>
-            </a:r>
-            <a:r>
-              <a:rPr lang="en-US" sz="2400" dirty="0"/>
-              <a:t>, </a:t>
-            </a:r>
-            <a:r>
-              <a:rPr lang="en-US" sz="2400" i="1" dirty="0"/>
-              <a:t>mergesort</a:t>
-            </a:r>
-            <a:r>
-              <a:rPr lang="en-US" sz="2400" dirty="0"/>
-              <a:t>, </a:t>
-            </a:r>
-            <a:r>
-              <a:rPr lang="en-US" sz="2400" i="1" dirty="0"/>
-              <a:t>countingsort</a:t>
-            </a:r>
-            <a:r>
-              <a:rPr lang="en-US" sz="2400" dirty="0"/>
-              <a:t>, </a:t>
-            </a:r>
-            <a:r>
-              <a:rPr lang="en-US" sz="2400" dirty="0" err="1"/>
-              <a:t>análisis</a:t>
-            </a:r>
-            <a:r>
-              <a:rPr lang="en-US" sz="2400" dirty="0"/>
-              <a:t> de </a:t>
-            </a:r>
-            <a:r>
-              <a:rPr lang="en-US" sz="2400" dirty="0" err="1"/>
-              <a:t>desempeño, propiedades de ordenación</a:t>
-            </a:r>
-            <a:endParaRPr lang="en-US" sz="2400" dirty="0"/>
-          </a:p>
-          <a:p>
-            <a:pPr marL="0" indent="0">
-              <a:lnSpc>
-                <a:spcPct val="100000"/>
-              </a:lnSpc>
-              <a:spcAft>
-                <a:spcPts val="0"/>
-              </a:spcAft>
-            </a:pPr>
-            <a:r>
-              <a:rPr lang="en-US" sz="2400" b="1" dirty="0" err="1"/>
-              <a:t>Técnicas</a:t>
-            </a:r>
-            <a:r>
-              <a:rPr lang="en-US" sz="2400" b="1" dirty="0"/>
-              <a:t> </a:t>
-            </a:r>
-            <a:r>
-              <a:rPr lang="en-US" sz="2400" b="1" dirty="0" err="1"/>
-              <a:t>algorítmicas</a:t>
-            </a:r>
-            <a:r>
-              <a:rPr lang="en-US" sz="2400" dirty="0"/>
-              <a:t>: </a:t>
-            </a:r>
-            <a:r>
-              <a:rPr lang="en-US" sz="2400" dirty="0" err="1"/>
-              <a:t>dividir</a:t>
-            </a:r>
-            <a:r>
-              <a:rPr lang="en-US" sz="2400" dirty="0"/>
-              <a:t> para </a:t>
-            </a:r>
-            <a:r>
-              <a:rPr lang="en-US" sz="2400" dirty="0" err="1"/>
-              <a:t>conquistar</a:t>
-            </a:r>
-            <a:r>
-              <a:rPr lang="en-US" sz="2400" dirty="0"/>
-              <a:t>, </a:t>
-            </a:r>
-            <a:r>
-              <a:rPr lang="en-US" sz="2400" i="1" dirty="0"/>
-              <a:t>backtracking</a:t>
-            </a:r>
-            <a:r>
-              <a:rPr lang="en-US" sz="2400" dirty="0"/>
-              <a:t>, </a:t>
-            </a:r>
-            <a:r>
-              <a:rPr lang="en-US" sz="2400" dirty="0" err="1"/>
-              <a:t>programación</a:t>
-            </a:r>
-            <a:r>
-              <a:rPr lang="en-US" sz="2400" dirty="0"/>
-              <a:t> </a:t>
-            </a:r>
-            <a:r>
-              <a:rPr lang="en-US" sz="2400" dirty="0" err="1"/>
-              <a:t>dinámica</a:t>
-            </a:r>
-            <a:r>
-              <a:rPr lang="en-US" sz="2400" dirty="0"/>
-              <a:t>, </a:t>
-            </a:r>
-            <a:r>
-              <a:rPr lang="en-US" sz="2400" dirty="0" err="1"/>
-              <a:t>algoritmos</a:t>
-            </a:r>
-            <a:r>
-              <a:rPr lang="en-US" sz="2400" dirty="0"/>
-              <a:t> </a:t>
-            </a:r>
-            <a:r>
-              <a:rPr lang="en-US" sz="2400" dirty="0" err="1"/>
-              <a:t>codiciosos</a:t>
-            </a:r>
-            <a:endParaRPr lang="en-US" sz="2400" dirty="0"/>
-          </a:p>
-          <a:p>
-            <a:pPr marL="0" indent="0">
-              <a:lnSpc>
-                <a:spcPct val="100000"/>
-              </a:lnSpc>
-              <a:spcAft>
-                <a:spcPts val="0"/>
-              </a:spcAft>
-            </a:pPr>
-            <a:r>
-              <a:rPr lang="en-US" sz="2400" b="1" dirty="0" err="1"/>
-              <a:t>Grafos</a:t>
-            </a:r>
-            <a:r>
-              <a:rPr lang="en-US" sz="2400" dirty="0"/>
-              <a:t>: </a:t>
-            </a:r>
-            <a:r>
-              <a:rPr lang="en-US" sz="2400" dirty="0" err="1"/>
-              <a:t>representación</a:t>
-            </a:r>
-            <a:r>
-              <a:rPr lang="en-US" sz="2400" dirty="0"/>
-              <a:t>, </a:t>
-            </a:r>
-            <a:r>
-              <a:rPr lang="en-US" sz="2400" dirty="0" err="1"/>
-              <a:t>exploración</a:t>
-            </a:r>
-            <a:r>
-              <a:rPr lang="en-US" sz="2400" dirty="0"/>
-              <a:t>, </a:t>
-            </a:r>
-            <a:r>
-              <a:rPr lang="en-US" sz="2400" dirty="0" err="1"/>
-              <a:t>ordenación</a:t>
-            </a:r>
-            <a:r>
-              <a:rPr lang="en-US" sz="2400" dirty="0"/>
-              <a:t> </a:t>
-            </a:r>
-            <a:r>
-              <a:rPr lang="en-US" sz="2400" dirty="0" err="1"/>
-              <a:t>topológica, componentes fuertemente conectadas</a:t>
-            </a:r>
-            <a:r>
-              <a:rPr lang="en-US" sz="2400" dirty="0"/>
-              <a:t>, </a:t>
-            </a:r>
-            <a:r>
-              <a:rPr lang="en-US" sz="2400" dirty="0" err="1"/>
-              <a:t>árboles</a:t>
-            </a:r>
-            <a:r>
-              <a:rPr lang="en-US" sz="2400" dirty="0"/>
-              <a:t> de </a:t>
-            </a:r>
-            <a:r>
-              <a:rPr lang="en-US" sz="2400" dirty="0" err="1"/>
-              <a:t>cobertura</a:t>
-            </a:r>
-            <a:r>
-              <a:rPr lang="en-US" sz="2400" dirty="0"/>
-              <a:t> </a:t>
-            </a:r>
-            <a:r>
-              <a:rPr lang="en-US" sz="2400" dirty="0" err="1"/>
-              <a:t>mínimos</a:t>
-            </a:r>
-            <a:r>
-              <a:rPr lang="en-US" sz="2400" dirty="0"/>
-              <a:t>, </a:t>
-            </a:r>
-            <a:r>
-              <a:rPr lang="en-US" sz="2400" dirty="0" err="1"/>
-              <a:t>rutas</a:t>
-            </a:r>
-            <a:r>
-              <a:rPr lang="en-US" sz="2400" dirty="0"/>
-              <a:t> </a:t>
-            </a:r>
-            <a:r>
-              <a:rPr lang="en-US" sz="2400" dirty="0" err="1"/>
-              <a:t>más</a:t>
-            </a:r>
-            <a:r>
-              <a:rPr lang="en-US" sz="2400" dirty="0"/>
-              <a:t> </a:t>
-            </a:r>
-            <a:r>
-              <a:rPr lang="en-US" sz="2400" dirty="0" err="1"/>
-              <a:t>cortas</a:t>
-            </a:r>
-            <a:endParaRPr lang="es-CL" sz="2400" dirty="0"/>
-          </a:p>
-        </p:txBody>
-      </p:sp>
-    </p:spTree>
-    <p:extLst>
-      <p:ext uri="{BB962C8B-B14F-4D97-AF65-F5344CB8AC3E}">
-        <p14:creationId xmlns:p14="http://schemas.microsoft.com/office/powerpoint/2010/main" val="2089719755"/>
-      </p:ext>
-    </p:extLst>
-  </p:cSld>
-  <p:clrMapOvr>
-    <a:masterClrMapping/>
-  </p:clrMapOvr>
-</p:sld>
-</file>
-
-<file path=ppt/slides/slide40.xml><?xml version="1.0" encoding="utf-8"?>
-<p:sld xmlns:a="http://schemas.openxmlformats.org/drawingml/2006/main" xmlns:r="http://schemas.openxmlformats.org/officeDocument/2006/relationships" xmlns:p="http://schemas.openxmlformats.org/presentationml/2006/main">
-  <p:cSld>
-    <p:spTree>
-      <p:nvGrpSpPr>
-        <p:cNvPr id="1" name=""/>
-        <p:cNvGrpSpPr/>
-        <p:nvPr/>
-      </p:nvGrpSpPr>
-      <p:grpSpPr>
-        <a:xfrm>
-          <a:off x="0" y="0"/>
-          <a:ext cx="0" cy="0"/>
-          <a:chOff x="0" y="0"/>
-          <a:chExt cx="0" cy="0"/>
-        </a:xfrm>
-      </p:grpSpPr>
-      <p:sp>
-        <p:nvSpPr>
-          <p:cNvPr id="2" name="Title 1">
-            <a:extLst>
-              <a:ext uri="{FF2B5EF4-FFF2-40B4-BE49-F238E27FC236}">
                 <a16:creationId xmlns:a16="http://schemas.microsoft.com/office/drawing/2014/main" id="{BB9E9142-3E3D-4379-8E1A-93A42CC71E92}"/>
               </a:ext>
             </a:extLst>
@@ -15016,7 +22633,7 @@
 </p:sld>
 </file>
 
-<file path=ppt/slides/slide41.xml><?xml version="1.0" encoding="utf-8"?>
+<file path=ppt/slides/slide42.xml><?xml version="1.0" encoding="utf-8"?>
 <p:sld xmlns:a="http://schemas.openxmlformats.org/drawingml/2006/main" xmlns:r="http://schemas.openxmlformats.org/officeDocument/2006/relationships" xmlns:p="http://schemas.openxmlformats.org/presentationml/2006/main">
   <p:cSld>
     <p:spTree>
